--- a/Selasa/Pemodelan Sistem Berorentasi Objek/Minggu 5 - Usecase Diagram/tugas/perpustakaan.pptx
+++ b/Selasa/Pemodelan Sistem Berorentasi Objek/Minggu 5 - Usecase Diagram/tugas/perpustakaan.pptx
@@ -6,6 +6,7 @@
   </p:sldMasterIdLst>
   <p:sldIdLst>
     <p:sldId id="257" r:id="rId2"/>
+    <p:sldId id="258" r:id="rId3"/>
   </p:sldIdLst>
   <p:sldSz cx="12192000" cy="6858000"/>
   <p:notesSz cx="6858000" cy="9144000"/>
@@ -104,6 +105,11 @@
       </a:defRPr>
     </a:lvl9pPr>
   </p:defaultTextStyle>
+  <p:extLst>
+    <p:ext uri="{EFAFB233-063F-42B5-8137-9DF3F51BA10A}">
+      <p15:sldGuideLst xmlns:p15="http://schemas.microsoft.com/office/powerpoint/2012/main"/>
+    </p:ext>
+  </p:extLst>
 </p:presentation>
 </file>
 
@@ -238,7 +244,7 @@
           <a:p>
             <a:fld id="{589191EA-6EF7-47D5-BED8-6793080C45E4}" type="datetimeFigureOut">
               <a:rPr lang="en-US" smtClean="0"/>
-              <a:t>11/22/2020</a:t>
+              <a:t>11/23/2020</a:t>
             </a:fld>
             <a:endParaRPr lang="en-US"/>
           </a:p>
@@ -408,7 +414,7 @@
           <a:p>
             <a:fld id="{589191EA-6EF7-47D5-BED8-6793080C45E4}" type="datetimeFigureOut">
               <a:rPr lang="en-US" smtClean="0"/>
-              <a:t>11/22/2020</a:t>
+              <a:t>11/23/2020</a:t>
             </a:fld>
             <a:endParaRPr lang="en-US"/>
           </a:p>
@@ -588,7 +594,7 @@
           <a:p>
             <a:fld id="{589191EA-6EF7-47D5-BED8-6793080C45E4}" type="datetimeFigureOut">
               <a:rPr lang="en-US" smtClean="0"/>
-              <a:t>11/22/2020</a:t>
+              <a:t>11/23/2020</a:t>
             </a:fld>
             <a:endParaRPr lang="en-US"/>
           </a:p>
@@ -758,7 +764,7 @@
           <a:p>
             <a:fld id="{589191EA-6EF7-47D5-BED8-6793080C45E4}" type="datetimeFigureOut">
               <a:rPr lang="en-US" smtClean="0"/>
-              <a:t>11/22/2020</a:t>
+              <a:t>11/23/2020</a:t>
             </a:fld>
             <a:endParaRPr lang="en-US"/>
           </a:p>
@@ -1004,7 +1010,7 @@
           <a:p>
             <a:fld id="{589191EA-6EF7-47D5-BED8-6793080C45E4}" type="datetimeFigureOut">
               <a:rPr lang="en-US" smtClean="0"/>
-              <a:t>11/22/2020</a:t>
+              <a:t>11/23/2020</a:t>
             </a:fld>
             <a:endParaRPr lang="en-US"/>
           </a:p>
@@ -1236,7 +1242,7 @@
           <a:p>
             <a:fld id="{589191EA-6EF7-47D5-BED8-6793080C45E4}" type="datetimeFigureOut">
               <a:rPr lang="en-US" smtClean="0"/>
-              <a:t>11/22/2020</a:t>
+              <a:t>11/23/2020</a:t>
             </a:fld>
             <a:endParaRPr lang="en-US"/>
           </a:p>
@@ -1603,7 +1609,7 @@
           <a:p>
             <a:fld id="{589191EA-6EF7-47D5-BED8-6793080C45E4}" type="datetimeFigureOut">
               <a:rPr lang="en-US" smtClean="0"/>
-              <a:t>11/22/2020</a:t>
+              <a:t>11/23/2020</a:t>
             </a:fld>
             <a:endParaRPr lang="en-US"/>
           </a:p>
@@ -1721,7 +1727,7 @@
           <a:p>
             <a:fld id="{589191EA-6EF7-47D5-BED8-6793080C45E4}" type="datetimeFigureOut">
               <a:rPr lang="en-US" smtClean="0"/>
-              <a:t>11/22/2020</a:t>
+              <a:t>11/23/2020</a:t>
             </a:fld>
             <a:endParaRPr lang="en-US"/>
           </a:p>
@@ -1816,7 +1822,7 @@
           <a:p>
             <a:fld id="{589191EA-6EF7-47D5-BED8-6793080C45E4}" type="datetimeFigureOut">
               <a:rPr lang="en-US" smtClean="0"/>
-              <a:t>11/22/2020</a:t>
+              <a:t>11/23/2020</a:t>
             </a:fld>
             <a:endParaRPr lang="en-US"/>
           </a:p>
@@ -2093,7 +2099,7 @@
           <a:p>
             <a:fld id="{589191EA-6EF7-47D5-BED8-6793080C45E4}" type="datetimeFigureOut">
               <a:rPr lang="en-US" smtClean="0"/>
-              <a:t>11/22/2020</a:t>
+              <a:t>11/23/2020</a:t>
             </a:fld>
             <a:endParaRPr lang="en-US"/>
           </a:p>
@@ -2346,7 +2352,7 @@
           <a:p>
             <a:fld id="{589191EA-6EF7-47D5-BED8-6793080C45E4}" type="datetimeFigureOut">
               <a:rPr lang="en-US" smtClean="0"/>
-              <a:t>11/22/2020</a:t>
+              <a:t>11/23/2020</a:t>
             </a:fld>
             <a:endParaRPr lang="en-US"/>
           </a:p>
@@ -2559,7 +2565,7 @@
           <a:p>
             <a:fld id="{589191EA-6EF7-47D5-BED8-6793080C45E4}" type="datetimeFigureOut">
               <a:rPr lang="en-US" smtClean="0"/>
-              <a:t>11/22/2020</a:t>
+              <a:t>11/23/2020</a:t>
             </a:fld>
             <a:endParaRPr lang="en-US"/>
           </a:p>
@@ -4708,6 +4714,3662 @@
 </p:sld>
 </file>
 
+<file path=ppt/slides/slide2.xml><?xml version="1.0" encoding="utf-8"?>
+<p:sld xmlns:a="http://schemas.openxmlformats.org/drawingml/2006/main" xmlns:r="http://schemas.openxmlformats.org/officeDocument/2006/relationships" xmlns:p="http://schemas.openxmlformats.org/presentationml/2006/main">
+  <p:cSld>
+    <p:spTree>
+      <p:nvGrpSpPr>
+        <p:cNvPr id="1" name=""/>
+        <p:cNvGrpSpPr/>
+        <p:nvPr/>
+      </p:nvGrpSpPr>
+      <p:grpSpPr>
+        <a:xfrm>
+          <a:off x="0" y="0"/>
+          <a:ext cx="0" cy="0"/>
+          <a:chOff x="0" y="0"/>
+          <a:chExt cx="0" cy="0"/>
+        </a:xfrm>
+      </p:grpSpPr>
+      <p:grpSp>
+        <p:nvGrpSpPr>
+          <p:cNvPr id="204" name="Group 203"/>
+          <p:cNvGrpSpPr/>
+          <p:nvPr/>
+        </p:nvGrpSpPr>
+        <p:grpSpPr>
+          <a:xfrm>
+            <a:off x="202579" y="147888"/>
+            <a:ext cx="11494122" cy="6562224"/>
+            <a:chOff x="202579" y="0"/>
+            <a:chExt cx="11494122" cy="6562224"/>
+          </a:xfrm>
+        </p:grpSpPr>
+        <p:grpSp>
+          <p:nvGrpSpPr>
+            <p:cNvPr id="20" name="Group 19"/>
+            <p:cNvGrpSpPr/>
+            <p:nvPr/>
+          </p:nvGrpSpPr>
+          <p:grpSpPr>
+            <a:xfrm>
+              <a:off x="202579" y="254000"/>
+              <a:ext cx="667170" cy="1065196"/>
+              <a:chOff x="1927529" y="2184400"/>
+              <a:chExt cx="667170" cy="1065196"/>
+            </a:xfrm>
+          </p:grpSpPr>
+          <p:sp>
+            <p:nvSpPr>
+              <p:cNvPr id="14" name="TextBox 149"/>
+              <p:cNvSpPr txBox="1"/>
+              <p:nvPr/>
+            </p:nvSpPr>
+            <p:spPr>
+              <a:xfrm>
+                <a:off x="1927529" y="3003375"/>
+                <a:ext cx="667170" cy="246221"/>
+              </a:xfrm>
+              <a:prstGeom prst="rect">
+                <a:avLst/>
+              </a:prstGeom>
+              <a:noFill/>
+            </p:spPr>
+            <p:txBody>
+              <a:bodyPr wrap="none" rtlCol="0">
+                <a:spAutoFit/>
+              </a:bodyPr>
+              <a:lstStyle/>
+              <a:p>
+                <a:pPr>
+                  <a:spcAft>
+                    <a:spcPts val="0"/>
+                  </a:spcAft>
+                </a:pPr>
+                <a:r>
+                  <a:rPr lang="id-ID" sz="1000" dirty="0" smtClean="0">
+                    <a:latin typeface="Calibri" panose="020F0502020204030204" pitchFamily="34" charset="0"/>
+                    <a:ea typeface="Times New Roman" panose="02020603050405020304" pitchFamily="18" charset="0"/>
+                    <a:cs typeface="Times New Roman" panose="02020603050405020304" pitchFamily="18" charset="0"/>
+                  </a:rPr>
+                  <a:t>Apoteker</a:t>
+                </a:r>
+                <a:endParaRPr lang="en-US" sz="1200" dirty="0">
+                  <a:effectLst/>
+                  <a:latin typeface="Times New Roman" panose="02020603050405020304" pitchFamily="18" charset="0"/>
+                  <a:ea typeface="Times New Roman" panose="02020603050405020304" pitchFamily="18" charset="0"/>
+                </a:endParaRPr>
+              </a:p>
+            </p:txBody>
+          </p:sp>
+          <p:grpSp>
+            <p:nvGrpSpPr>
+              <p:cNvPr id="19" name="Group 18"/>
+              <p:cNvGrpSpPr/>
+              <p:nvPr/>
+            </p:nvGrpSpPr>
+            <p:grpSpPr>
+              <a:xfrm>
+                <a:off x="1945202" y="2184400"/>
+                <a:ext cx="631825" cy="818975"/>
+                <a:chOff x="1837252" y="2184400"/>
+                <a:chExt cx="631825" cy="818975"/>
+              </a:xfrm>
+            </p:grpSpPr>
+            <p:grpSp>
+              <p:nvGrpSpPr>
+                <p:cNvPr id="18" name="Group 17"/>
+                <p:cNvGrpSpPr/>
+                <p:nvPr/>
+              </p:nvGrpSpPr>
+              <p:grpSpPr>
+                <a:xfrm>
+                  <a:off x="2069161" y="2248718"/>
+                  <a:ext cx="265403" cy="690339"/>
+                  <a:chOff x="2096324" y="2243721"/>
+                  <a:chExt cx="265403" cy="690339"/>
+                </a:xfrm>
+              </p:grpSpPr>
+              <p:sp>
+                <p:nvSpPr>
+                  <p:cNvPr id="9" name="Oval 8"/>
+                  <p:cNvSpPr/>
+                  <p:nvPr/>
+                </p:nvSpPr>
+                <p:spPr>
+                  <a:xfrm>
+                    <a:off x="2096324" y="2243721"/>
+                    <a:ext cx="265403" cy="259951"/>
+                  </a:xfrm>
+                  <a:prstGeom prst="ellipse">
+                    <a:avLst/>
+                  </a:prstGeom>
+                  <a:noFill/>
+                </p:spPr>
+                <p:style>
+                  <a:lnRef idx="2">
+                    <a:schemeClr val="dk1"/>
+                  </a:lnRef>
+                  <a:fillRef idx="1">
+                    <a:schemeClr val="lt1"/>
+                  </a:fillRef>
+                  <a:effectRef idx="0">
+                    <a:schemeClr val="dk1"/>
+                  </a:effectRef>
+                  <a:fontRef idx="minor">
+                    <a:schemeClr val="dk1"/>
+                  </a:fontRef>
+                </p:style>
+                <p:txBody>
+                  <a:bodyPr rot="0" spcFirstLastPara="0" vert="horz" wrap="square" lIns="91440" tIns="45720" rIns="91440" bIns="45720" numCol="1" spcCol="0" rtlCol="0" fromWordArt="0" anchor="ctr" anchorCtr="0" forceAA="0" compatLnSpc="1">
+                    <a:prstTxWarp prst="textNoShape">
+                      <a:avLst/>
+                    </a:prstTxWarp>
+                    <a:noAutofit/>
+                  </a:bodyPr>
+                  <a:lstStyle/>
+                  <a:p>
+                    <a:endParaRPr lang="en-US"/>
+                  </a:p>
+                </p:txBody>
+              </p:sp>
+              <p:cxnSp>
+                <p:nvCxnSpPr>
+                  <p:cNvPr id="10" name="Straight Connector 9"/>
+                  <p:cNvCxnSpPr/>
+                  <p:nvPr/>
+                </p:nvCxnSpPr>
+                <p:spPr>
+                  <a:xfrm>
+                    <a:off x="2229458" y="2502807"/>
+                    <a:ext cx="0" cy="287952"/>
+                  </a:xfrm>
+                  <a:prstGeom prst="line">
+                    <a:avLst/>
+                  </a:prstGeom>
+                  <a:ln w="12700"/>
+                </p:spPr>
+                <p:style>
+                  <a:lnRef idx="1">
+                    <a:schemeClr val="dk1"/>
+                  </a:lnRef>
+                  <a:fillRef idx="0">
+                    <a:schemeClr val="dk1"/>
+                  </a:fillRef>
+                  <a:effectRef idx="0">
+                    <a:schemeClr val="dk1"/>
+                  </a:effectRef>
+                  <a:fontRef idx="minor">
+                    <a:schemeClr val="tx1"/>
+                  </a:fontRef>
+                </p:style>
+              </p:cxnSp>
+              <p:cxnSp>
+                <p:nvCxnSpPr>
+                  <p:cNvPr id="11" name="Straight Connector 10"/>
+                  <p:cNvCxnSpPr/>
+                  <p:nvPr/>
+                </p:nvCxnSpPr>
+                <p:spPr>
+                  <a:xfrm>
+                    <a:off x="2227959" y="2790759"/>
+                    <a:ext cx="125387" cy="143301"/>
+                  </a:xfrm>
+                  <a:prstGeom prst="line">
+                    <a:avLst/>
+                  </a:prstGeom>
+                  <a:ln w="12700"/>
+                </p:spPr>
+                <p:style>
+                  <a:lnRef idx="1">
+                    <a:schemeClr val="dk1"/>
+                  </a:lnRef>
+                  <a:fillRef idx="0">
+                    <a:schemeClr val="dk1"/>
+                  </a:fillRef>
+                  <a:effectRef idx="0">
+                    <a:schemeClr val="dk1"/>
+                  </a:effectRef>
+                  <a:fontRef idx="minor">
+                    <a:schemeClr val="tx1"/>
+                  </a:fontRef>
+                </p:style>
+              </p:cxnSp>
+              <p:cxnSp>
+                <p:nvCxnSpPr>
+                  <p:cNvPr id="12" name="Straight Connector 11"/>
+                  <p:cNvCxnSpPr/>
+                  <p:nvPr/>
+                </p:nvCxnSpPr>
+                <p:spPr>
+                  <a:xfrm flipH="1">
+                    <a:off x="2104071" y="2790759"/>
+                    <a:ext cx="125387" cy="143301"/>
+                  </a:xfrm>
+                  <a:prstGeom prst="line">
+                    <a:avLst/>
+                  </a:prstGeom>
+                  <a:ln w="12700"/>
+                </p:spPr>
+                <p:style>
+                  <a:lnRef idx="1">
+                    <a:schemeClr val="dk1"/>
+                  </a:lnRef>
+                  <a:fillRef idx="0">
+                    <a:schemeClr val="dk1"/>
+                  </a:fillRef>
+                  <a:effectRef idx="0">
+                    <a:schemeClr val="dk1"/>
+                  </a:effectRef>
+                  <a:fontRef idx="minor">
+                    <a:schemeClr val="tx1"/>
+                  </a:fontRef>
+                </p:style>
+              </p:cxnSp>
+              <p:cxnSp>
+                <p:nvCxnSpPr>
+                  <p:cNvPr id="13" name="Straight Connector 12"/>
+                  <p:cNvCxnSpPr/>
+                  <p:nvPr/>
+                </p:nvCxnSpPr>
+                <p:spPr>
+                  <a:xfrm>
+                    <a:off x="2121362" y="2582173"/>
+                    <a:ext cx="208978" cy="0"/>
+                  </a:xfrm>
+                  <a:prstGeom prst="line">
+                    <a:avLst/>
+                  </a:prstGeom>
+                  <a:ln w="12700"/>
+                </p:spPr>
+                <p:style>
+                  <a:lnRef idx="1">
+                    <a:schemeClr val="dk1"/>
+                  </a:lnRef>
+                  <a:fillRef idx="0">
+                    <a:schemeClr val="dk1"/>
+                  </a:fillRef>
+                  <a:effectRef idx="0">
+                    <a:schemeClr val="dk1"/>
+                  </a:effectRef>
+                  <a:fontRef idx="minor">
+                    <a:schemeClr val="tx1"/>
+                  </a:fontRef>
+                </p:style>
+              </p:cxnSp>
+            </p:grpSp>
+            <p:sp>
+              <p:nvSpPr>
+                <p:cNvPr id="17" name="Rectangle 16"/>
+                <p:cNvSpPr/>
+                <p:nvPr/>
+              </p:nvSpPr>
+              <p:spPr>
+                <a:xfrm>
+                  <a:off x="1837252" y="2184400"/>
+                  <a:ext cx="631825" cy="818975"/>
+                </a:xfrm>
+                <a:prstGeom prst="rect">
+                  <a:avLst/>
+                </a:prstGeom>
+                <a:noFill/>
+              </p:spPr>
+              <p:style>
+                <a:lnRef idx="2">
+                  <a:schemeClr val="dk1"/>
+                </a:lnRef>
+                <a:fillRef idx="1">
+                  <a:schemeClr val="lt1"/>
+                </a:fillRef>
+                <a:effectRef idx="0">
+                  <a:schemeClr val="dk1"/>
+                </a:effectRef>
+                <a:fontRef idx="minor">
+                  <a:schemeClr val="dk1"/>
+                </a:fontRef>
+              </p:style>
+              <p:txBody>
+                <a:bodyPr rtlCol="0" anchor="ctr"/>
+                <a:lstStyle/>
+                <a:p>
+                  <a:pPr algn="ctr"/>
+                  <a:endParaRPr lang="en-US"/>
+                </a:p>
+              </p:txBody>
+            </p:sp>
+          </p:grpSp>
+        </p:grpSp>
+        <p:grpSp>
+          <p:nvGrpSpPr>
+            <p:cNvPr id="21" name="Group 20"/>
+            <p:cNvGrpSpPr/>
+            <p:nvPr/>
+          </p:nvGrpSpPr>
+          <p:grpSpPr>
+            <a:xfrm>
+              <a:off x="202579" y="2875514"/>
+              <a:ext cx="729221" cy="1065196"/>
+              <a:chOff x="1896504" y="2184400"/>
+              <a:chExt cx="729221" cy="1065196"/>
+            </a:xfrm>
+          </p:grpSpPr>
+          <p:sp>
+            <p:nvSpPr>
+              <p:cNvPr id="22" name="TextBox 149"/>
+              <p:cNvSpPr txBox="1"/>
+              <p:nvPr/>
+            </p:nvSpPr>
+            <p:spPr>
+              <a:xfrm>
+                <a:off x="1896504" y="3003375"/>
+                <a:ext cx="606256" cy="246221"/>
+              </a:xfrm>
+              <a:prstGeom prst="rect">
+                <a:avLst/>
+              </a:prstGeom>
+              <a:noFill/>
+            </p:spPr>
+            <p:txBody>
+              <a:bodyPr wrap="none" rtlCol="0">
+                <a:spAutoFit/>
+              </a:bodyPr>
+              <a:lstStyle/>
+              <a:p>
+                <a:pPr>
+                  <a:spcAft>
+                    <a:spcPts val="0"/>
+                  </a:spcAft>
+                </a:pPr>
+                <a:r>
+                  <a:rPr lang="id-ID" sz="1000" dirty="0" smtClean="0">
+                    <a:latin typeface="Calibri" panose="020F0502020204030204" pitchFamily="34" charset="0"/>
+                    <a:ea typeface="Times New Roman" panose="02020603050405020304" pitchFamily="18" charset="0"/>
+                    <a:cs typeface="Times New Roman" panose="02020603050405020304" pitchFamily="18" charset="0"/>
+                  </a:rPr>
+                  <a:t>Pembeli</a:t>
+                </a:r>
+              </a:p>
+            </p:txBody>
+          </p:sp>
+          <p:grpSp>
+            <p:nvGrpSpPr>
+              <p:cNvPr id="23" name="Group 22"/>
+              <p:cNvGrpSpPr/>
+              <p:nvPr/>
+            </p:nvGrpSpPr>
+            <p:grpSpPr>
+              <a:xfrm>
+                <a:off x="1993900" y="2184400"/>
+                <a:ext cx="631825" cy="818975"/>
+                <a:chOff x="1885950" y="2184400"/>
+                <a:chExt cx="631825" cy="818975"/>
+              </a:xfrm>
+            </p:grpSpPr>
+            <p:grpSp>
+              <p:nvGrpSpPr>
+                <p:cNvPr id="24" name="Group 23"/>
+                <p:cNvGrpSpPr/>
+                <p:nvPr/>
+              </p:nvGrpSpPr>
+              <p:grpSpPr>
+                <a:xfrm>
+                  <a:off x="2069161" y="2248718"/>
+                  <a:ext cx="265403" cy="690339"/>
+                  <a:chOff x="2096324" y="2243721"/>
+                  <a:chExt cx="265403" cy="690339"/>
+                </a:xfrm>
+              </p:grpSpPr>
+              <p:sp>
+                <p:nvSpPr>
+                  <p:cNvPr id="26" name="Oval 25"/>
+                  <p:cNvSpPr/>
+                  <p:nvPr/>
+                </p:nvSpPr>
+                <p:spPr>
+                  <a:xfrm>
+                    <a:off x="2096324" y="2243721"/>
+                    <a:ext cx="265403" cy="259951"/>
+                  </a:xfrm>
+                  <a:prstGeom prst="ellipse">
+                    <a:avLst/>
+                  </a:prstGeom>
+                  <a:noFill/>
+                </p:spPr>
+                <p:style>
+                  <a:lnRef idx="2">
+                    <a:schemeClr val="dk1"/>
+                  </a:lnRef>
+                  <a:fillRef idx="1">
+                    <a:schemeClr val="lt1"/>
+                  </a:fillRef>
+                  <a:effectRef idx="0">
+                    <a:schemeClr val="dk1"/>
+                  </a:effectRef>
+                  <a:fontRef idx="minor">
+                    <a:schemeClr val="dk1"/>
+                  </a:fontRef>
+                </p:style>
+                <p:txBody>
+                  <a:bodyPr rot="0" spcFirstLastPara="0" vert="horz" wrap="square" lIns="91440" tIns="45720" rIns="91440" bIns="45720" numCol="1" spcCol="0" rtlCol="0" fromWordArt="0" anchor="ctr" anchorCtr="0" forceAA="0" compatLnSpc="1">
+                    <a:prstTxWarp prst="textNoShape">
+                      <a:avLst/>
+                    </a:prstTxWarp>
+                    <a:noAutofit/>
+                  </a:bodyPr>
+                  <a:lstStyle/>
+                  <a:p>
+                    <a:endParaRPr lang="en-US"/>
+                  </a:p>
+                </p:txBody>
+              </p:sp>
+              <p:cxnSp>
+                <p:nvCxnSpPr>
+                  <p:cNvPr id="27" name="Straight Connector 26"/>
+                  <p:cNvCxnSpPr/>
+                  <p:nvPr/>
+                </p:nvCxnSpPr>
+                <p:spPr>
+                  <a:xfrm>
+                    <a:off x="2229458" y="2502807"/>
+                    <a:ext cx="0" cy="287952"/>
+                  </a:xfrm>
+                  <a:prstGeom prst="line">
+                    <a:avLst/>
+                  </a:prstGeom>
+                  <a:ln w="12700"/>
+                </p:spPr>
+                <p:style>
+                  <a:lnRef idx="1">
+                    <a:schemeClr val="dk1"/>
+                  </a:lnRef>
+                  <a:fillRef idx="0">
+                    <a:schemeClr val="dk1"/>
+                  </a:fillRef>
+                  <a:effectRef idx="0">
+                    <a:schemeClr val="dk1"/>
+                  </a:effectRef>
+                  <a:fontRef idx="minor">
+                    <a:schemeClr val="tx1"/>
+                  </a:fontRef>
+                </p:style>
+              </p:cxnSp>
+              <p:cxnSp>
+                <p:nvCxnSpPr>
+                  <p:cNvPr id="28" name="Straight Connector 27"/>
+                  <p:cNvCxnSpPr/>
+                  <p:nvPr/>
+                </p:nvCxnSpPr>
+                <p:spPr>
+                  <a:xfrm>
+                    <a:off x="2227959" y="2790759"/>
+                    <a:ext cx="125387" cy="143301"/>
+                  </a:xfrm>
+                  <a:prstGeom prst="line">
+                    <a:avLst/>
+                  </a:prstGeom>
+                  <a:ln w="12700"/>
+                </p:spPr>
+                <p:style>
+                  <a:lnRef idx="1">
+                    <a:schemeClr val="dk1"/>
+                  </a:lnRef>
+                  <a:fillRef idx="0">
+                    <a:schemeClr val="dk1"/>
+                  </a:fillRef>
+                  <a:effectRef idx="0">
+                    <a:schemeClr val="dk1"/>
+                  </a:effectRef>
+                  <a:fontRef idx="minor">
+                    <a:schemeClr val="tx1"/>
+                  </a:fontRef>
+                </p:style>
+              </p:cxnSp>
+              <p:cxnSp>
+                <p:nvCxnSpPr>
+                  <p:cNvPr id="29" name="Straight Connector 28"/>
+                  <p:cNvCxnSpPr/>
+                  <p:nvPr/>
+                </p:nvCxnSpPr>
+                <p:spPr>
+                  <a:xfrm flipH="1">
+                    <a:off x="2104071" y="2790759"/>
+                    <a:ext cx="125387" cy="143301"/>
+                  </a:xfrm>
+                  <a:prstGeom prst="line">
+                    <a:avLst/>
+                  </a:prstGeom>
+                  <a:ln w="12700"/>
+                </p:spPr>
+                <p:style>
+                  <a:lnRef idx="1">
+                    <a:schemeClr val="dk1"/>
+                  </a:lnRef>
+                  <a:fillRef idx="0">
+                    <a:schemeClr val="dk1"/>
+                  </a:fillRef>
+                  <a:effectRef idx="0">
+                    <a:schemeClr val="dk1"/>
+                  </a:effectRef>
+                  <a:fontRef idx="minor">
+                    <a:schemeClr val="tx1"/>
+                  </a:fontRef>
+                </p:style>
+              </p:cxnSp>
+              <p:cxnSp>
+                <p:nvCxnSpPr>
+                  <p:cNvPr id="30" name="Straight Connector 29"/>
+                  <p:cNvCxnSpPr/>
+                  <p:nvPr/>
+                </p:nvCxnSpPr>
+                <p:spPr>
+                  <a:xfrm>
+                    <a:off x="2121362" y="2582173"/>
+                    <a:ext cx="208978" cy="0"/>
+                  </a:xfrm>
+                  <a:prstGeom prst="line">
+                    <a:avLst/>
+                  </a:prstGeom>
+                  <a:ln w="12700"/>
+                </p:spPr>
+                <p:style>
+                  <a:lnRef idx="1">
+                    <a:schemeClr val="dk1"/>
+                  </a:lnRef>
+                  <a:fillRef idx="0">
+                    <a:schemeClr val="dk1"/>
+                  </a:fillRef>
+                  <a:effectRef idx="0">
+                    <a:schemeClr val="dk1"/>
+                  </a:effectRef>
+                  <a:fontRef idx="minor">
+                    <a:schemeClr val="tx1"/>
+                  </a:fontRef>
+                </p:style>
+              </p:cxnSp>
+            </p:grpSp>
+            <p:sp>
+              <p:nvSpPr>
+                <p:cNvPr id="25" name="Rectangle 24"/>
+                <p:cNvSpPr/>
+                <p:nvPr/>
+              </p:nvSpPr>
+              <p:spPr>
+                <a:xfrm>
+                  <a:off x="1885950" y="2184400"/>
+                  <a:ext cx="631825" cy="818975"/>
+                </a:xfrm>
+                <a:prstGeom prst="rect">
+                  <a:avLst/>
+                </a:prstGeom>
+                <a:noFill/>
+              </p:spPr>
+              <p:style>
+                <a:lnRef idx="2">
+                  <a:schemeClr val="dk1"/>
+                </a:lnRef>
+                <a:fillRef idx="1">
+                  <a:schemeClr val="lt1"/>
+                </a:fillRef>
+                <a:effectRef idx="0">
+                  <a:schemeClr val="dk1"/>
+                </a:effectRef>
+                <a:fontRef idx="minor">
+                  <a:schemeClr val="dk1"/>
+                </a:fontRef>
+              </p:style>
+              <p:txBody>
+                <a:bodyPr rtlCol="0" anchor="ctr"/>
+                <a:lstStyle/>
+                <a:p>
+                  <a:pPr algn="ctr"/>
+                  <a:endParaRPr lang="en-US"/>
+                </a:p>
+              </p:txBody>
+            </p:sp>
+          </p:grpSp>
+        </p:grpSp>
+        <p:grpSp>
+          <p:nvGrpSpPr>
+            <p:cNvPr id="31" name="Group 30"/>
+            <p:cNvGrpSpPr/>
+            <p:nvPr/>
+          </p:nvGrpSpPr>
+          <p:grpSpPr>
+            <a:xfrm>
+              <a:off x="202579" y="5497028"/>
+              <a:ext cx="729221" cy="1065196"/>
+              <a:chOff x="1896504" y="2184400"/>
+              <a:chExt cx="729221" cy="1065196"/>
+            </a:xfrm>
+          </p:grpSpPr>
+          <p:sp>
+            <p:nvSpPr>
+              <p:cNvPr id="32" name="TextBox 149"/>
+              <p:cNvSpPr txBox="1"/>
+              <p:nvPr/>
+            </p:nvSpPr>
+            <p:spPr>
+              <a:xfrm>
+                <a:off x="1896504" y="3003375"/>
+                <a:ext cx="561372" cy="246221"/>
+              </a:xfrm>
+              <a:prstGeom prst="rect">
+                <a:avLst/>
+              </a:prstGeom>
+              <a:noFill/>
+            </p:spPr>
+            <p:txBody>
+              <a:bodyPr wrap="none" rtlCol="0">
+                <a:spAutoFit/>
+              </a:bodyPr>
+              <a:lstStyle/>
+              <a:p>
+                <a:pPr>
+                  <a:spcAft>
+                    <a:spcPts val="0"/>
+                  </a:spcAft>
+                </a:pPr>
+                <a:r>
+                  <a:rPr lang="id-ID" sz="1000" dirty="0" smtClean="0">
+                    <a:latin typeface="Calibri" panose="020F0502020204030204" pitchFamily="34" charset="0"/>
+                    <a:ea typeface="Times New Roman" panose="02020603050405020304" pitchFamily="18" charset="0"/>
+                    <a:cs typeface="Times New Roman" panose="02020603050405020304" pitchFamily="18" charset="0"/>
+                  </a:rPr>
+                  <a:t>Pemilik</a:t>
+                </a:r>
+                <a:endParaRPr lang="en-US" sz="1200" dirty="0">
+                  <a:effectLst/>
+                  <a:latin typeface="Times New Roman" panose="02020603050405020304" pitchFamily="18" charset="0"/>
+                  <a:ea typeface="Times New Roman" panose="02020603050405020304" pitchFamily="18" charset="0"/>
+                </a:endParaRPr>
+              </a:p>
+            </p:txBody>
+          </p:sp>
+          <p:grpSp>
+            <p:nvGrpSpPr>
+              <p:cNvPr id="33" name="Group 32"/>
+              <p:cNvGrpSpPr/>
+              <p:nvPr/>
+            </p:nvGrpSpPr>
+            <p:grpSpPr>
+              <a:xfrm>
+                <a:off x="1993900" y="2184400"/>
+                <a:ext cx="631825" cy="818975"/>
+                <a:chOff x="1885950" y="2184400"/>
+                <a:chExt cx="631825" cy="818975"/>
+              </a:xfrm>
+            </p:grpSpPr>
+            <p:grpSp>
+              <p:nvGrpSpPr>
+                <p:cNvPr id="34" name="Group 33"/>
+                <p:cNvGrpSpPr/>
+                <p:nvPr/>
+              </p:nvGrpSpPr>
+              <p:grpSpPr>
+                <a:xfrm>
+                  <a:off x="2069161" y="2248718"/>
+                  <a:ext cx="265403" cy="690339"/>
+                  <a:chOff x="2096324" y="2243721"/>
+                  <a:chExt cx="265403" cy="690339"/>
+                </a:xfrm>
+              </p:grpSpPr>
+              <p:sp>
+                <p:nvSpPr>
+                  <p:cNvPr id="36" name="Oval 35"/>
+                  <p:cNvSpPr/>
+                  <p:nvPr/>
+                </p:nvSpPr>
+                <p:spPr>
+                  <a:xfrm>
+                    <a:off x="2096324" y="2243721"/>
+                    <a:ext cx="265403" cy="259951"/>
+                  </a:xfrm>
+                  <a:prstGeom prst="ellipse">
+                    <a:avLst/>
+                  </a:prstGeom>
+                  <a:noFill/>
+                </p:spPr>
+                <p:style>
+                  <a:lnRef idx="2">
+                    <a:schemeClr val="dk1"/>
+                  </a:lnRef>
+                  <a:fillRef idx="1">
+                    <a:schemeClr val="lt1"/>
+                  </a:fillRef>
+                  <a:effectRef idx="0">
+                    <a:schemeClr val="dk1"/>
+                  </a:effectRef>
+                  <a:fontRef idx="minor">
+                    <a:schemeClr val="dk1"/>
+                  </a:fontRef>
+                </p:style>
+                <p:txBody>
+                  <a:bodyPr rot="0" spcFirstLastPara="0" vert="horz" wrap="square" lIns="91440" tIns="45720" rIns="91440" bIns="45720" numCol="1" spcCol="0" rtlCol="0" fromWordArt="0" anchor="ctr" anchorCtr="0" forceAA="0" compatLnSpc="1">
+                    <a:prstTxWarp prst="textNoShape">
+                      <a:avLst/>
+                    </a:prstTxWarp>
+                    <a:noAutofit/>
+                  </a:bodyPr>
+                  <a:lstStyle/>
+                  <a:p>
+                    <a:endParaRPr lang="en-US"/>
+                  </a:p>
+                </p:txBody>
+              </p:sp>
+              <p:cxnSp>
+                <p:nvCxnSpPr>
+                  <p:cNvPr id="37" name="Straight Connector 36"/>
+                  <p:cNvCxnSpPr/>
+                  <p:nvPr/>
+                </p:nvCxnSpPr>
+                <p:spPr>
+                  <a:xfrm>
+                    <a:off x="2229458" y="2502807"/>
+                    <a:ext cx="0" cy="287952"/>
+                  </a:xfrm>
+                  <a:prstGeom prst="line">
+                    <a:avLst/>
+                  </a:prstGeom>
+                  <a:ln w="12700"/>
+                </p:spPr>
+                <p:style>
+                  <a:lnRef idx="1">
+                    <a:schemeClr val="dk1"/>
+                  </a:lnRef>
+                  <a:fillRef idx="0">
+                    <a:schemeClr val="dk1"/>
+                  </a:fillRef>
+                  <a:effectRef idx="0">
+                    <a:schemeClr val="dk1"/>
+                  </a:effectRef>
+                  <a:fontRef idx="minor">
+                    <a:schemeClr val="tx1"/>
+                  </a:fontRef>
+                </p:style>
+              </p:cxnSp>
+              <p:cxnSp>
+                <p:nvCxnSpPr>
+                  <p:cNvPr id="38" name="Straight Connector 37"/>
+                  <p:cNvCxnSpPr/>
+                  <p:nvPr/>
+                </p:nvCxnSpPr>
+                <p:spPr>
+                  <a:xfrm>
+                    <a:off x="2227959" y="2790759"/>
+                    <a:ext cx="125387" cy="143301"/>
+                  </a:xfrm>
+                  <a:prstGeom prst="line">
+                    <a:avLst/>
+                  </a:prstGeom>
+                  <a:ln w="12700"/>
+                </p:spPr>
+                <p:style>
+                  <a:lnRef idx="1">
+                    <a:schemeClr val="dk1"/>
+                  </a:lnRef>
+                  <a:fillRef idx="0">
+                    <a:schemeClr val="dk1"/>
+                  </a:fillRef>
+                  <a:effectRef idx="0">
+                    <a:schemeClr val="dk1"/>
+                  </a:effectRef>
+                  <a:fontRef idx="minor">
+                    <a:schemeClr val="tx1"/>
+                  </a:fontRef>
+                </p:style>
+              </p:cxnSp>
+              <p:cxnSp>
+                <p:nvCxnSpPr>
+                  <p:cNvPr id="39" name="Straight Connector 38"/>
+                  <p:cNvCxnSpPr/>
+                  <p:nvPr/>
+                </p:nvCxnSpPr>
+                <p:spPr>
+                  <a:xfrm flipH="1">
+                    <a:off x="2104071" y="2790759"/>
+                    <a:ext cx="125387" cy="143301"/>
+                  </a:xfrm>
+                  <a:prstGeom prst="line">
+                    <a:avLst/>
+                  </a:prstGeom>
+                  <a:ln w="12700"/>
+                </p:spPr>
+                <p:style>
+                  <a:lnRef idx="1">
+                    <a:schemeClr val="dk1"/>
+                  </a:lnRef>
+                  <a:fillRef idx="0">
+                    <a:schemeClr val="dk1"/>
+                  </a:fillRef>
+                  <a:effectRef idx="0">
+                    <a:schemeClr val="dk1"/>
+                  </a:effectRef>
+                  <a:fontRef idx="minor">
+                    <a:schemeClr val="tx1"/>
+                  </a:fontRef>
+                </p:style>
+              </p:cxnSp>
+              <p:cxnSp>
+                <p:nvCxnSpPr>
+                  <p:cNvPr id="40" name="Straight Connector 39"/>
+                  <p:cNvCxnSpPr/>
+                  <p:nvPr/>
+                </p:nvCxnSpPr>
+                <p:spPr>
+                  <a:xfrm>
+                    <a:off x="2121362" y="2582173"/>
+                    <a:ext cx="208978" cy="0"/>
+                  </a:xfrm>
+                  <a:prstGeom prst="line">
+                    <a:avLst/>
+                  </a:prstGeom>
+                  <a:ln w="12700"/>
+                </p:spPr>
+                <p:style>
+                  <a:lnRef idx="1">
+                    <a:schemeClr val="dk1"/>
+                  </a:lnRef>
+                  <a:fillRef idx="0">
+                    <a:schemeClr val="dk1"/>
+                  </a:fillRef>
+                  <a:effectRef idx="0">
+                    <a:schemeClr val="dk1"/>
+                  </a:effectRef>
+                  <a:fontRef idx="minor">
+                    <a:schemeClr val="tx1"/>
+                  </a:fontRef>
+                </p:style>
+              </p:cxnSp>
+            </p:grpSp>
+            <p:sp>
+              <p:nvSpPr>
+                <p:cNvPr id="35" name="Rectangle 34"/>
+                <p:cNvSpPr/>
+                <p:nvPr/>
+              </p:nvSpPr>
+              <p:spPr>
+                <a:xfrm>
+                  <a:off x="1885950" y="2184400"/>
+                  <a:ext cx="631825" cy="818975"/>
+                </a:xfrm>
+                <a:prstGeom prst="rect">
+                  <a:avLst/>
+                </a:prstGeom>
+                <a:noFill/>
+              </p:spPr>
+              <p:style>
+                <a:lnRef idx="2">
+                  <a:schemeClr val="dk1"/>
+                </a:lnRef>
+                <a:fillRef idx="1">
+                  <a:schemeClr val="lt1"/>
+                </a:fillRef>
+                <a:effectRef idx="0">
+                  <a:schemeClr val="dk1"/>
+                </a:effectRef>
+                <a:fontRef idx="minor">
+                  <a:schemeClr val="dk1"/>
+                </a:fontRef>
+              </p:style>
+              <p:txBody>
+                <a:bodyPr rtlCol="0" anchor="ctr"/>
+                <a:lstStyle/>
+                <a:p>
+                  <a:pPr algn="ctr"/>
+                  <a:endParaRPr lang="en-US"/>
+                </a:p>
+              </p:txBody>
+            </p:sp>
+          </p:grpSp>
+        </p:grpSp>
+        <p:sp>
+          <p:nvSpPr>
+            <p:cNvPr id="41" name="Rectangle 40"/>
+            <p:cNvSpPr/>
+            <p:nvPr/>
+          </p:nvSpPr>
+          <p:spPr>
+            <a:xfrm>
+              <a:off x="2717801" y="0"/>
+              <a:ext cx="8978900" cy="6453155"/>
+            </a:xfrm>
+            <a:prstGeom prst="rect">
+              <a:avLst/>
+            </a:prstGeom>
+            <a:noFill/>
+          </p:spPr>
+          <p:style>
+            <a:lnRef idx="2">
+              <a:schemeClr val="dk1"/>
+            </a:lnRef>
+            <a:fillRef idx="1">
+              <a:schemeClr val="lt1"/>
+            </a:fillRef>
+            <a:effectRef idx="0">
+              <a:schemeClr val="dk1"/>
+            </a:effectRef>
+            <a:fontRef idx="minor">
+              <a:schemeClr val="dk1"/>
+            </a:fontRef>
+          </p:style>
+          <p:txBody>
+            <a:bodyPr rtlCol="0" anchor="t"/>
+            <a:lstStyle/>
+            <a:p>
+              <a:pPr algn="ctr"/>
+              <a:r>
+                <a:rPr lang="id-ID" dirty="0" smtClean="0"/>
+                <a:t>Sistem Informasi Pengelolaan Apotek</a:t>
+              </a:r>
+              <a:endParaRPr lang="en-US" dirty="0"/>
+            </a:p>
+          </p:txBody>
+        </p:sp>
+        <p:sp>
+          <p:nvSpPr>
+            <p:cNvPr id="42" name="Oval 41"/>
+            <p:cNvSpPr/>
+            <p:nvPr/>
+          </p:nvSpPr>
+          <p:spPr>
+            <a:xfrm>
+              <a:off x="3218478" y="481166"/>
+              <a:ext cx="1473109" cy="384190"/>
+            </a:xfrm>
+            <a:prstGeom prst="ellipse">
+              <a:avLst/>
+            </a:prstGeom>
+          </p:spPr>
+          <p:style>
+            <a:lnRef idx="2">
+              <a:schemeClr val="dk1"/>
+            </a:lnRef>
+            <a:fillRef idx="1">
+              <a:schemeClr val="lt1"/>
+            </a:fillRef>
+            <a:effectRef idx="0">
+              <a:schemeClr val="dk1"/>
+            </a:effectRef>
+            <a:fontRef idx="minor">
+              <a:schemeClr val="dk1"/>
+            </a:fontRef>
+          </p:style>
+          <p:txBody>
+            <a:bodyPr rot="0" spcFirstLastPara="0" vert="horz" wrap="square" lIns="91440" tIns="45720" rIns="91440" bIns="45720" numCol="1" spcCol="0" rtlCol="0" fromWordArt="0" anchor="ctr" anchorCtr="0" forceAA="0" compatLnSpc="1">
+              <a:prstTxWarp prst="textNoShape">
+                <a:avLst/>
+              </a:prstTxWarp>
+              <a:noAutofit/>
+            </a:bodyPr>
+            <a:lstStyle/>
+            <a:p>
+              <a:pPr algn="ctr">
+                <a:spcAft>
+                  <a:spcPts val="0"/>
+                </a:spcAft>
+              </a:pPr>
+              <a:r>
+                <a:rPr lang="id-ID" sz="900" kern="1200" dirty="0" smtClean="0">
+                  <a:solidFill>
+                    <a:srgbClr val="000000"/>
+                  </a:solidFill>
+                  <a:effectLst/>
+                  <a:ea typeface="Times New Roman" panose="02020603050405020304" pitchFamily="18" charset="0"/>
+                  <a:cs typeface="Times New Roman" panose="02020603050405020304" pitchFamily="18" charset="0"/>
+                </a:rPr>
+                <a:t>Penjualan</a:t>
+              </a:r>
+              <a:endParaRPr lang="en-US" sz="1600" dirty="0">
+                <a:effectLst/>
+                <a:latin typeface="Times New Roman" panose="02020603050405020304" pitchFamily="18" charset="0"/>
+                <a:ea typeface="Times New Roman" panose="02020603050405020304" pitchFamily="18" charset="0"/>
+              </a:endParaRPr>
+            </a:p>
+          </p:txBody>
+        </p:sp>
+        <p:sp>
+          <p:nvSpPr>
+            <p:cNvPr id="43" name="Oval 42"/>
+            <p:cNvSpPr/>
+            <p:nvPr/>
+          </p:nvSpPr>
+          <p:spPr>
+            <a:xfrm>
+              <a:off x="3218478" y="1549019"/>
+              <a:ext cx="1473109" cy="384190"/>
+            </a:xfrm>
+            <a:prstGeom prst="ellipse">
+              <a:avLst/>
+            </a:prstGeom>
+          </p:spPr>
+          <p:style>
+            <a:lnRef idx="2">
+              <a:schemeClr val="dk1"/>
+            </a:lnRef>
+            <a:fillRef idx="1">
+              <a:schemeClr val="lt1"/>
+            </a:fillRef>
+            <a:effectRef idx="0">
+              <a:schemeClr val="dk1"/>
+            </a:effectRef>
+            <a:fontRef idx="minor">
+              <a:schemeClr val="dk1"/>
+            </a:fontRef>
+          </p:style>
+          <p:txBody>
+            <a:bodyPr rot="0" spcFirstLastPara="0" vert="horz" wrap="square" lIns="91440" tIns="45720" rIns="91440" bIns="45720" numCol="1" spcCol="0" rtlCol="0" fromWordArt="0" anchor="ctr" anchorCtr="0" forceAA="0" compatLnSpc="1">
+              <a:prstTxWarp prst="textNoShape">
+                <a:avLst/>
+              </a:prstTxWarp>
+              <a:noAutofit/>
+            </a:bodyPr>
+            <a:lstStyle/>
+            <a:p>
+              <a:pPr algn="ctr">
+                <a:spcAft>
+                  <a:spcPts val="0"/>
+                </a:spcAft>
+              </a:pPr>
+              <a:r>
+                <a:rPr lang="id-ID" sz="900" kern="1200" dirty="0" smtClean="0">
+                  <a:solidFill>
+                    <a:srgbClr val="000000"/>
+                  </a:solidFill>
+                  <a:effectLst/>
+                  <a:ea typeface="Times New Roman" panose="02020603050405020304" pitchFamily="18" charset="0"/>
+                  <a:cs typeface="Times New Roman" panose="02020603050405020304" pitchFamily="18" charset="0"/>
+                </a:rPr>
+                <a:t>Pengadaan</a:t>
+              </a:r>
+              <a:endParaRPr lang="en-US" sz="1600" dirty="0">
+                <a:effectLst/>
+                <a:latin typeface="Times New Roman" panose="02020603050405020304" pitchFamily="18" charset="0"/>
+                <a:ea typeface="Times New Roman" panose="02020603050405020304" pitchFamily="18" charset="0"/>
+              </a:endParaRPr>
+            </a:p>
+          </p:txBody>
+        </p:sp>
+        <p:sp>
+          <p:nvSpPr>
+            <p:cNvPr id="44" name="Oval 43"/>
+            <p:cNvSpPr/>
+            <p:nvPr/>
+          </p:nvSpPr>
+          <p:spPr>
+            <a:xfrm>
+              <a:off x="3218478" y="2426372"/>
+              <a:ext cx="1473109" cy="384190"/>
+            </a:xfrm>
+            <a:prstGeom prst="ellipse">
+              <a:avLst/>
+            </a:prstGeom>
+          </p:spPr>
+          <p:style>
+            <a:lnRef idx="2">
+              <a:schemeClr val="dk1"/>
+            </a:lnRef>
+            <a:fillRef idx="1">
+              <a:schemeClr val="lt1"/>
+            </a:fillRef>
+            <a:effectRef idx="0">
+              <a:schemeClr val="dk1"/>
+            </a:effectRef>
+            <a:fontRef idx="minor">
+              <a:schemeClr val="dk1"/>
+            </a:fontRef>
+          </p:style>
+          <p:txBody>
+            <a:bodyPr rot="0" spcFirstLastPara="0" vert="horz" wrap="square" lIns="91440" tIns="45720" rIns="91440" bIns="45720" numCol="1" spcCol="0" rtlCol="0" fromWordArt="0" anchor="ctr" anchorCtr="0" forceAA="0" compatLnSpc="1">
+              <a:prstTxWarp prst="textNoShape">
+                <a:avLst/>
+              </a:prstTxWarp>
+              <a:noAutofit/>
+            </a:bodyPr>
+            <a:lstStyle/>
+            <a:p>
+              <a:pPr algn="ctr">
+                <a:spcAft>
+                  <a:spcPts val="0"/>
+                </a:spcAft>
+              </a:pPr>
+              <a:r>
+                <a:rPr lang="id-ID" sz="900" kern="1200" dirty="0" smtClean="0">
+                  <a:solidFill>
+                    <a:srgbClr val="000000"/>
+                  </a:solidFill>
+                  <a:effectLst/>
+                  <a:ea typeface="Times New Roman" panose="02020603050405020304" pitchFamily="18" charset="0"/>
+                  <a:cs typeface="Times New Roman" panose="02020603050405020304" pitchFamily="18" charset="0"/>
+                </a:rPr>
+                <a:t>Pengelolaan Data Obat</a:t>
+              </a:r>
+              <a:endParaRPr lang="en-US" sz="1600" dirty="0">
+                <a:effectLst/>
+                <a:latin typeface="Times New Roman" panose="02020603050405020304" pitchFamily="18" charset="0"/>
+                <a:ea typeface="Times New Roman" panose="02020603050405020304" pitchFamily="18" charset="0"/>
+              </a:endParaRPr>
+            </a:p>
+          </p:txBody>
+        </p:sp>
+        <p:sp>
+          <p:nvSpPr>
+            <p:cNvPr id="45" name="Oval 44"/>
+            <p:cNvSpPr/>
+            <p:nvPr/>
+          </p:nvSpPr>
+          <p:spPr>
+            <a:xfrm>
+              <a:off x="3218478" y="3684725"/>
+              <a:ext cx="1473109" cy="384190"/>
+            </a:xfrm>
+            <a:prstGeom prst="ellipse">
+              <a:avLst/>
+            </a:prstGeom>
+          </p:spPr>
+          <p:style>
+            <a:lnRef idx="2">
+              <a:schemeClr val="dk1"/>
+            </a:lnRef>
+            <a:fillRef idx="1">
+              <a:schemeClr val="lt1"/>
+            </a:fillRef>
+            <a:effectRef idx="0">
+              <a:schemeClr val="dk1"/>
+            </a:effectRef>
+            <a:fontRef idx="minor">
+              <a:schemeClr val="dk1"/>
+            </a:fontRef>
+          </p:style>
+          <p:txBody>
+            <a:bodyPr rot="0" spcFirstLastPara="0" vert="horz" wrap="square" lIns="91440" tIns="45720" rIns="91440" bIns="45720" numCol="1" spcCol="0" rtlCol="0" fromWordArt="0" anchor="ctr" anchorCtr="0" forceAA="0" compatLnSpc="1">
+              <a:prstTxWarp prst="textNoShape">
+                <a:avLst/>
+              </a:prstTxWarp>
+              <a:noAutofit/>
+            </a:bodyPr>
+            <a:lstStyle/>
+            <a:p>
+              <a:pPr algn="ctr">
+                <a:spcAft>
+                  <a:spcPts val="0"/>
+                </a:spcAft>
+              </a:pPr>
+              <a:r>
+                <a:rPr lang="id-ID" sz="900" kern="1200" dirty="0" smtClean="0">
+                  <a:solidFill>
+                    <a:srgbClr val="000000"/>
+                  </a:solidFill>
+                  <a:effectLst/>
+                  <a:ea typeface="Times New Roman" panose="02020603050405020304" pitchFamily="18" charset="0"/>
+                  <a:cs typeface="Times New Roman" panose="02020603050405020304" pitchFamily="18" charset="0"/>
+                </a:rPr>
+                <a:t>Ganti Password</a:t>
+              </a:r>
+              <a:endParaRPr lang="en-US" sz="1600" dirty="0">
+                <a:effectLst/>
+                <a:latin typeface="Times New Roman" panose="02020603050405020304" pitchFamily="18" charset="0"/>
+                <a:ea typeface="Times New Roman" panose="02020603050405020304" pitchFamily="18" charset="0"/>
+              </a:endParaRPr>
+            </a:p>
+          </p:txBody>
+        </p:sp>
+        <p:sp>
+          <p:nvSpPr>
+            <p:cNvPr id="46" name="Oval 45"/>
+            <p:cNvSpPr/>
+            <p:nvPr/>
+          </p:nvSpPr>
+          <p:spPr>
+            <a:xfrm>
+              <a:off x="3218478" y="4752578"/>
+              <a:ext cx="1473109" cy="384190"/>
+            </a:xfrm>
+            <a:prstGeom prst="ellipse">
+              <a:avLst/>
+            </a:prstGeom>
+          </p:spPr>
+          <p:style>
+            <a:lnRef idx="2">
+              <a:schemeClr val="dk1"/>
+            </a:lnRef>
+            <a:fillRef idx="1">
+              <a:schemeClr val="lt1"/>
+            </a:fillRef>
+            <a:effectRef idx="0">
+              <a:schemeClr val="dk1"/>
+            </a:effectRef>
+            <a:fontRef idx="minor">
+              <a:schemeClr val="dk1"/>
+            </a:fontRef>
+          </p:style>
+          <p:txBody>
+            <a:bodyPr rot="0" spcFirstLastPara="0" vert="horz" wrap="square" lIns="91440" tIns="45720" rIns="91440" bIns="45720" numCol="1" spcCol="0" rtlCol="0" fromWordArt="0" anchor="ctr" anchorCtr="0" forceAA="0" compatLnSpc="1">
+              <a:prstTxWarp prst="textNoShape">
+                <a:avLst/>
+              </a:prstTxWarp>
+              <a:noAutofit/>
+            </a:bodyPr>
+            <a:lstStyle/>
+            <a:p>
+              <a:pPr algn="ctr">
+                <a:spcAft>
+                  <a:spcPts val="0"/>
+                </a:spcAft>
+              </a:pPr>
+              <a:r>
+                <a:rPr lang="id-ID" sz="900" kern="1200" dirty="0" smtClean="0">
+                  <a:solidFill>
+                    <a:srgbClr val="000000"/>
+                  </a:solidFill>
+                  <a:effectLst/>
+                  <a:ea typeface="Times New Roman" panose="02020603050405020304" pitchFamily="18" charset="0"/>
+                  <a:cs typeface="Times New Roman" panose="02020603050405020304" pitchFamily="18" charset="0"/>
+                </a:rPr>
+                <a:t>Laporan</a:t>
+              </a:r>
+              <a:endParaRPr lang="en-US" sz="1600" dirty="0">
+                <a:effectLst/>
+                <a:latin typeface="Times New Roman" panose="02020603050405020304" pitchFamily="18" charset="0"/>
+                <a:ea typeface="Times New Roman" panose="02020603050405020304" pitchFamily="18" charset="0"/>
+              </a:endParaRPr>
+            </a:p>
+          </p:txBody>
+        </p:sp>
+        <p:sp>
+          <p:nvSpPr>
+            <p:cNvPr id="47" name="Oval 46"/>
+            <p:cNvSpPr/>
+            <p:nvPr/>
+          </p:nvSpPr>
+          <p:spPr>
+            <a:xfrm>
+              <a:off x="3218478" y="5820432"/>
+              <a:ext cx="1473109" cy="384190"/>
+            </a:xfrm>
+            <a:prstGeom prst="ellipse">
+              <a:avLst/>
+            </a:prstGeom>
+          </p:spPr>
+          <p:style>
+            <a:lnRef idx="2">
+              <a:schemeClr val="dk1"/>
+            </a:lnRef>
+            <a:fillRef idx="1">
+              <a:schemeClr val="lt1"/>
+            </a:fillRef>
+            <a:effectRef idx="0">
+              <a:schemeClr val="dk1"/>
+            </a:effectRef>
+            <a:fontRef idx="minor">
+              <a:schemeClr val="dk1"/>
+            </a:fontRef>
+          </p:style>
+          <p:txBody>
+            <a:bodyPr rot="0" spcFirstLastPara="0" vert="horz" wrap="square" lIns="91440" tIns="45720" rIns="91440" bIns="45720" numCol="1" spcCol="0" rtlCol="0" fromWordArt="0" anchor="ctr" anchorCtr="0" forceAA="0" compatLnSpc="1">
+              <a:prstTxWarp prst="textNoShape">
+                <a:avLst/>
+              </a:prstTxWarp>
+              <a:noAutofit/>
+            </a:bodyPr>
+            <a:lstStyle/>
+            <a:p>
+              <a:pPr algn="ctr">
+                <a:spcAft>
+                  <a:spcPts val="0"/>
+                </a:spcAft>
+              </a:pPr>
+              <a:r>
+                <a:rPr lang="id-ID" sz="900" dirty="0" smtClean="0">
+                  <a:solidFill>
+                    <a:srgbClr val="000000"/>
+                  </a:solidFill>
+                  <a:ea typeface="Times New Roman" panose="02020603050405020304" pitchFamily="18" charset="0"/>
+                  <a:cs typeface="Times New Roman" panose="02020603050405020304" pitchFamily="18" charset="0"/>
+                </a:rPr>
+                <a:t>Pengelolaan Data Pegawai</a:t>
+              </a:r>
+              <a:endParaRPr lang="en-US" sz="1600" dirty="0">
+                <a:effectLst/>
+                <a:latin typeface="Times New Roman" panose="02020603050405020304" pitchFamily="18" charset="0"/>
+                <a:ea typeface="Times New Roman" panose="02020603050405020304" pitchFamily="18" charset="0"/>
+              </a:endParaRPr>
+            </a:p>
+          </p:txBody>
+        </p:sp>
+        <p:sp>
+          <p:nvSpPr>
+            <p:cNvPr id="48" name="Oval 47"/>
+            <p:cNvSpPr/>
+            <p:nvPr/>
+          </p:nvSpPr>
+          <p:spPr>
+            <a:xfrm>
+              <a:off x="9968528" y="3236905"/>
+              <a:ext cx="1473109" cy="384190"/>
+            </a:xfrm>
+            <a:prstGeom prst="ellipse">
+              <a:avLst/>
+            </a:prstGeom>
+          </p:spPr>
+          <p:style>
+            <a:lnRef idx="2">
+              <a:schemeClr val="dk1"/>
+            </a:lnRef>
+            <a:fillRef idx="1">
+              <a:schemeClr val="lt1"/>
+            </a:fillRef>
+            <a:effectRef idx="0">
+              <a:schemeClr val="dk1"/>
+            </a:effectRef>
+            <a:fontRef idx="minor">
+              <a:schemeClr val="dk1"/>
+            </a:fontRef>
+          </p:style>
+          <p:txBody>
+            <a:bodyPr rot="0" spcFirstLastPara="0" vert="horz" wrap="square" lIns="91440" tIns="45720" rIns="91440" bIns="45720" numCol="1" spcCol="0" rtlCol="0" fromWordArt="0" anchor="ctr" anchorCtr="0" forceAA="0" compatLnSpc="1">
+              <a:prstTxWarp prst="textNoShape">
+                <a:avLst/>
+              </a:prstTxWarp>
+              <a:noAutofit/>
+            </a:bodyPr>
+            <a:lstStyle/>
+            <a:p>
+              <a:pPr algn="ctr">
+                <a:spcAft>
+                  <a:spcPts val="0"/>
+                </a:spcAft>
+              </a:pPr>
+              <a:r>
+                <a:rPr lang="id-ID" sz="900" kern="1200" dirty="0" smtClean="0">
+                  <a:solidFill>
+                    <a:srgbClr val="000000"/>
+                  </a:solidFill>
+                  <a:effectLst/>
+                  <a:ea typeface="Times New Roman" panose="02020603050405020304" pitchFamily="18" charset="0"/>
+                  <a:cs typeface="Times New Roman" panose="02020603050405020304" pitchFamily="18" charset="0"/>
+                </a:rPr>
+                <a:t>Login</a:t>
+              </a:r>
+              <a:endParaRPr lang="en-US" sz="1600" dirty="0">
+                <a:effectLst/>
+                <a:latin typeface="Times New Roman" panose="02020603050405020304" pitchFamily="18" charset="0"/>
+                <a:ea typeface="Times New Roman" panose="02020603050405020304" pitchFamily="18" charset="0"/>
+              </a:endParaRPr>
+            </a:p>
+          </p:txBody>
+        </p:sp>
+        <p:cxnSp>
+          <p:nvCxnSpPr>
+            <p:cNvPr id="49" name="Elbow Connector 48"/>
+            <p:cNvCxnSpPr>
+              <a:stCxn id="42" idx="6"/>
+              <a:endCxn id="48" idx="0"/>
+            </p:cNvCxnSpPr>
+            <p:nvPr/>
+          </p:nvCxnSpPr>
+          <p:spPr>
+            <a:xfrm>
+              <a:off x="4691587" y="673261"/>
+              <a:ext cx="6013496" cy="2563644"/>
+            </a:xfrm>
+            <a:prstGeom prst="bentConnector2">
+              <a:avLst/>
+            </a:prstGeom>
+            <a:ln w="12700">
+              <a:prstDash val="dash"/>
+              <a:tailEnd type="triangle"/>
+            </a:ln>
+          </p:spPr>
+          <p:style>
+            <a:lnRef idx="1">
+              <a:schemeClr val="dk1"/>
+            </a:lnRef>
+            <a:fillRef idx="0">
+              <a:schemeClr val="dk1"/>
+            </a:fillRef>
+            <a:effectRef idx="0">
+              <a:schemeClr val="dk1"/>
+            </a:effectRef>
+            <a:fontRef idx="minor">
+              <a:schemeClr val="tx1"/>
+            </a:fontRef>
+          </p:style>
+        </p:cxnSp>
+        <p:cxnSp>
+          <p:nvCxnSpPr>
+            <p:cNvPr id="52" name="Elbow Connector 51"/>
+            <p:cNvCxnSpPr>
+              <a:stCxn id="43" idx="6"/>
+              <a:endCxn id="48" idx="0"/>
+            </p:cNvCxnSpPr>
+            <p:nvPr/>
+          </p:nvCxnSpPr>
+          <p:spPr>
+            <a:xfrm>
+              <a:off x="4691587" y="1741114"/>
+              <a:ext cx="6013496" cy="1495791"/>
+            </a:xfrm>
+            <a:prstGeom prst="bentConnector2">
+              <a:avLst/>
+            </a:prstGeom>
+            <a:ln w="12700">
+              <a:prstDash val="dash"/>
+              <a:tailEnd type="triangle"/>
+            </a:ln>
+          </p:spPr>
+          <p:style>
+            <a:lnRef idx="1">
+              <a:schemeClr val="dk1"/>
+            </a:lnRef>
+            <a:fillRef idx="0">
+              <a:schemeClr val="dk1"/>
+            </a:fillRef>
+            <a:effectRef idx="0">
+              <a:schemeClr val="dk1"/>
+            </a:effectRef>
+            <a:fontRef idx="minor">
+              <a:schemeClr val="tx1"/>
+            </a:fontRef>
+          </p:style>
+        </p:cxnSp>
+        <p:cxnSp>
+          <p:nvCxnSpPr>
+            <p:cNvPr id="55" name="Elbow Connector 54"/>
+            <p:cNvCxnSpPr>
+              <a:stCxn id="44" idx="6"/>
+              <a:endCxn id="48" idx="0"/>
+            </p:cNvCxnSpPr>
+            <p:nvPr/>
+          </p:nvCxnSpPr>
+          <p:spPr>
+            <a:xfrm>
+              <a:off x="4691587" y="2618467"/>
+              <a:ext cx="6013496" cy="618438"/>
+            </a:xfrm>
+            <a:prstGeom prst="bentConnector2">
+              <a:avLst/>
+            </a:prstGeom>
+            <a:ln w="12700">
+              <a:prstDash val="dash"/>
+              <a:tailEnd type="triangle"/>
+            </a:ln>
+          </p:spPr>
+          <p:style>
+            <a:lnRef idx="1">
+              <a:schemeClr val="dk1"/>
+            </a:lnRef>
+            <a:fillRef idx="0">
+              <a:schemeClr val="dk1"/>
+            </a:fillRef>
+            <a:effectRef idx="0">
+              <a:schemeClr val="dk1"/>
+            </a:effectRef>
+            <a:fontRef idx="minor">
+              <a:schemeClr val="tx1"/>
+            </a:fontRef>
+          </p:style>
+        </p:cxnSp>
+        <p:cxnSp>
+          <p:nvCxnSpPr>
+            <p:cNvPr id="58" name="Elbow Connector 57"/>
+            <p:cNvCxnSpPr>
+              <a:stCxn id="45" idx="6"/>
+              <a:endCxn id="48" idx="4"/>
+            </p:cNvCxnSpPr>
+            <p:nvPr/>
+          </p:nvCxnSpPr>
+          <p:spPr>
+            <a:xfrm flipV="1">
+              <a:off x="4691587" y="3621095"/>
+              <a:ext cx="6013496" cy="255725"/>
+            </a:xfrm>
+            <a:prstGeom prst="bentConnector2">
+              <a:avLst/>
+            </a:prstGeom>
+            <a:ln w="12700">
+              <a:prstDash val="dash"/>
+              <a:tailEnd type="triangle"/>
+            </a:ln>
+          </p:spPr>
+          <p:style>
+            <a:lnRef idx="1">
+              <a:schemeClr val="dk1"/>
+            </a:lnRef>
+            <a:fillRef idx="0">
+              <a:schemeClr val="dk1"/>
+            </a:fillRef>
+            <a:effectRef idx="0">
+              <a:schemeClr val="dk1"/>
+            </a:effectRef>
+            <a:fontRef idx="minor">
+              <a:schemeClr val="tx1"/>
+            </a:fontRef>
+          </p:style>
+        </p:cxnSp>
+        <p:cxnSp>
+          <p:nvCxnSpPr>
+            <p:cNvPr id="61" name="Elbow Connector 60"/>
+            <p:cNvCxnSpPr>
+              <a:stCxn id="46" idx="6"/>
+              <a:endCxn id="48" idx="4"/>
+            </p:cNvCxnSpPr>
+            <p:nvPr/>
+          </p:nvCxnSpPr>
+          <p:spPr>
+            <a:xfrm flipV="1">
+              <a:off x="4691587" y="3621095"/>
+              <a:ext cx="6013496" cy="1323578"/>
+            </a:xfrm>
+            <a:prstGeom prst="bentConnector2">
+              <a:avLst/>
+            </a:prstGeom>
+            <a:ln w="12700">
+              <a:prstDash val="dash"/>
+              <a:tailEnd type="triangle"/>
+            </a:ln>
+          </p:spPr>
+          <p:style>
+            <a:lnRef idx="1">
+              <a:schemeClr val="dk1"/>
+            </a:lnRef>
+            <a:fillRef idx="0">
+              <a:schemeClr val="dk1"/>
+            </a:fillRef>
+            <a:effectRef idx="0">
+              <a:schemeClr val="dk1"/>
+            </a:effectRef>
+            <a:fontRef idx="minor">
+              <a:schemeClr val="tx1"/>
+            </a:fontRef>
+          </p:style>
+        </p:cxnSp>
+        <p:cxnSp>
+          <p:nvCxnSpPr>
+            <p:cNvPr id="64" name="Elbow Connector 63"/>
+            <p:cNvCxnSpPr>
+              <a:stCxn id="47" idx="6"/>
+              <a:endCxn id="48" idx="4"/>
+            </p:cNvCxnSpPr>
+            <p:nvPr/>
+          </p:nvCxnSpPr>
+          <p:spPr>
+            <a:xfrm flipV="1">
+              <a:off x="4691587" y="3621095"/>
+              <a:ext cx="6013496" cy="2391432"/>
+            </a:xfrm>
+            <a:prstGeom prst="bentConnector2">
+              <a:avLst/>
+            </a:prstGeom>
+            <a:ln w="12700">
+              <a:prstDash val="dash"/>
+              <a:tailEnd type="triangle"/>
+            </a:ln>
+          </p:spPr>
+          <p:style>
+            <a:lnRef idx="1">
+              <a:schemeClr val="dk1"/>
+            </a:lnRef>
+            <a:fillRef idx="0">
+              <a:schemeClr val="dk1"/>
+            </a:fillRef>
+            <a:effectRef idx="0">
+              <a:schemeClr val="dk1"/>
+            </a:effectRef>
+            <a:fontRef idx="minor">
+              <a:schemeClr val="tx1"/>
+            </a:fontRef>
+          </p:style>
+        </p:cxnSp>
+        <p:cxnSp>
+          <p:nvCxnSpPr>
+            <p:cNvPr id="72" name="Straight Arrow Connector 71"/>
+            <p:cNvCxnSpPr>
+              <a:stCxn id="25" idx="0"/>
+              <a:endCxn id="14" idx="2"/>
+            </p:cNvCxnSpPr>
+            <p:nvPr/>
+          </p:nvCxnSpPr>
+          <p:spPr>
+            <a:xfrm flipH="1" flipV="1">
+              <a:off x="536164" y="1319196"/>
+              <a:ext cx="79724" cy="1556318"/>
+            </a:xfrm>
+            <a:prstGeom prst="straightConnector1">
+              <a:avLst/>
+            </a:prstGeom>
+            <a:ln>
+              <a:tailEnd type="triangle"/>
+            </a:ln>
+          </p:spPr>
+          <p:style>
+            <a:lnRef idx="1">
+              <a:schemeClr val="dk1"/>
+            </a:lnRef>
+            <a:fillRef idx="0">
+              <a:schemeClr val="dk1"/>
+            </a:fillRef>
+            <a:effectRef idx="0">
+              <a:schemeClr val="dk1"/>
+            </a:effectRef>
+            <a:fontRef idx="minor">
+              <a:schemeClr val="tx1"/>
+            </a:fontRef>
+          </p:style>
+        </p:cxnSp>
+        <p:cxnSp>
+          <p:nvCxnSpPr>
+            <p:cNvPr id="75" name="Straight Connector 74"/>
+            <p:cNvCxnSpPr>
+              <a:stCxn id="42" idx="2"/>
+              <a:endCxn id="17" idx="3"/>
+            </p:cNvCxnSpPr>
+            <p:nvPr/>
+          </p:nvCxnSpPr>
+          <p:spPr>
+            <a:xfrm flipH="1" flipV="1">
+              <a:off x="852077" y="663488"/>
+              <a:ext cx="2366401" cy="9773"/>
+            </a:xfrm>
+            <a:prstGeom prst="line">
+              <a:avLst/>
+            </a:prstGeom>
+          </p:spPr>
+          <p:style>
+            <a:lnRef idx="1">
+              <a:schemeClr val="dk1"/>
+            </a:lnRef>
+            <a:fillRef idx="0">
+              <a:schemeClr val="dk1"/>
+            </a:fillRef>
+            <a:effectRef idx="0">
+              <a:schemeClr val="dk1"/>
+            </a:effectRef>
+            <a:fontRef idx="minor">
+              <a:schemeClr val="tx1"/>
+            </a:fontRef>
+          </p:style>
+        </p:cxnSp>
+        <p:cxnSp>
+          <p:nvCxnSpPr>
+            <p:cNvPr id="77" name="Straight Connector 76"/>
+            <p:cNvCxnSpPr>
+              <a:stCxn id="43" idx="2"/>
+              <a:endCxn id="17" idx="3"/>
+            </p:cNvCxnSpPr>
+            <p:nvPr/>
+          </p:nvCxnSpPr>
+          <p:spPr>
+            <a:xfrm flipH="1" flipV="1">
+              <a:off x="852077" y="663488"/>
+              <a:ext cx="2366401" cy="1077626"/>
+            </a:xfrm>
+            <a:prstGeom prst="line">
+              <a:avLst/>
+            </a:prstGeom>
+          </p:spPr>
+          <p:style>
+            <a:lnRef idx="1">
+              <a:schemeClr val="dk1"/>
+            </a:lnRef>
+            <a:fillRef idx="0">
+              <a:schemeClr val="dk1"/>
+            </a:fillRef>
+            <a:effectRef idx="0">
+              <a:schemeClr val="dk1"/>
+            </a:effectRef>
+            <a:fontRef idx="minor">
+              <a:schemeClr val="tx1"/>
+            </a:fontRef>
+          </p:style>
+        </p:cxnSp>
+        <p:cxnSp>
+          <p:nvCxnSpPr>
+            <p:cNvPr id="81" name="Straight Connector 80"/>
+            <p:cNvCxnSpPr>
+              <a:stCxn id="44" idx="2"/>
+              <a:endCxn id="17" idx="3"/>
+            </p:cNvCxnSpPr>
+            <p:nvPr/>
+          </p:nvCxnSpPr>
+          <p:spPr>
+            <a:xfrm flipH="1" flipV="1">
+              <a:off x="852077" y="663488"/>
+              <a:ext cx="2366401" cy="1954979"/>
+            </a:xfrm>
+            <a:prstGeom prst="line">
+              <a:avLst/>
+            </a:prstGeom>
+          </p:spPr>
+          <p:style>
+            <a:lnRef idx="1">
+              <a:schemeClr val="dk1"/>
+            </a:lnRef>
+            <a:fillRef idx="0">
+              <a:schemeClr val="dk1"/>
+            </a:fillRef>
+            <a:effectRef idx="0">
+              <a:schemeClr val="dk1"/>
+            </a:effectRef>
+            <a:fontRef idx="minor">
+              <a:schemeClr val="tx1"/>
+            </a:fontRef>
+          </p:style>
+        </p:cxnSp>
+        <p:cxnSp>
+          <p:nvCxnSpPr>
+            <p:cNvPr id="84" name="Straight Connector 83"/>
+            <p:cNvCxnSpPr>
+              <a:stCxn id="45" idx="2"/>
+              <a:endCxn id="17" idx="3"/>
+            </p:cNvCxnSpPr>
+            <p:nvPr/>
+          </p:nvCxnSpPr>
+          <p:spPr>
+            <a:xfrm flipH="1" flipV="1">
+              <a:off x="852077" y="663488"/>
+              <a:ext cx="2366401" cy="3213332"/>
+            </a:xfrm>
+            <a:prstGeom prst="line">
+              <a:avLst/>
+            </a:prstGeom>
+          </p:spPr>
+          <p:style>
+            <a:lnRef idx="1">
+              <a:schemeClr val="dk1"/>
+            </a:lnRef>
+            <a:fillRef idx="0">
+              <a:schemeClr val="dk1"/>
+            </a:fillRef>
+            <a:effectRef idx="0">
+              <a:schemeClr val="dk1"/>
+            </a:effectRef>
+            <a:fontRef idx="minor">
+              <a:schemeClr val="tx1"/>
+            </a:fontRef>
+          </p:style>
+        </p:cxnSp>
+        <p:cxnSp>
+          <p:nvCxnSpPr>
+            <p:cNvPr id="86" name="Straight Connector 85"/>
+            <p:cNvCxnSpPr>
+              <a:stCxn id="46" idx="2"/>
+              <a:endCxn id="17" idx="3"/>
+            </p:cNvCxnSpPr>
+            <p:nvPr/>
+          </p:nvCxnSpPr>
+          <p:spPr>
+            <a:xfrm flipH="1" flipV="1">
+              <a:off x="852077" y="663488"/>
+              <a:ext cx="2366401" cy="4281185"/>
+            </a:xfrm>
+            <a:prstGeom prst="line">
+              <a:avLst/>
+            </a:prstGeom>
+          </p:spPr>
+          <p:style>
+            <a:lnRef idx="1">
+              <a:schemeClr val="dk1"/>
+            </a:lnRef>
+            <a:fillRef idx="0">
+              <a:schemeClr val="dk1"/>
+            </a:fillRef>
+            <a:effectRef idx="0">
+              <a:schemeClr val="dk1"/>
+            </a:effectRef>
+            <a:fontRef idx="minor">
+              <a:schemeClr val="tx1"/>
+            </a:fontRef>
+          </p:style>
+        </p:cxnSp>
+        <p:cxnSp>
+          <p:nvCxnSpPr>
+            <p:cNvPr id="88" name="Straight Connector 87"/>
+            <p:cNvCxnSpPr>
+              <a:stCxn id="42" idx="2"/>
+              <a:endCxn id="35" idx="3"/>
+            </p:cNvCxnSpPr>
+            <p:nvPr/>
+          </p:nvCxnSpPr>
+          <p:spPr>
+            <a:xfrm flipH="1">
+              <a:off x="931800" y="673261"/>
+              <a:ext cx="2286678" cy="5233255"/>
+            </a:xfrm>
+            <a:prstGeom prst="line">
+              <a:avLst/>
+            </a:prstGeom>
+          </p:spPr>
+          <p:style>
+            <a:lnRef idx="1">
+              <a:schemeClr val="dk1"/>
+            </a:lnRef>
+            <a:fillRef idx="0">
+              <a:schemeClr val="dk1"/>
+            </a:fillRef>
+            <a:effectRef idx="0">
+              <a:schemeClr val="dk1"/>
+            </a:effectRef>
+            <a:fontRef idx="minor">
+              <a:schemeClr val="tx1"/>
+            </a:fontRef>
+          </p:style>
+        </p:cxnSp>
+        <p:cxnSp>
+          <p:nvCxnSpPr>
+            <p:cNvPr id="89" name="Straight Connector 88"/>
+            <p:cNvCxnSpPr>
+              <a:stCxn id="43" idx="2"/>
+              <a:endCxn id="35" idx="3"/>
+            </p:cNvCxnSpPr>
+            <p:nvPr/>
+          </p:nvCxnSpPr>
+          <p:spPr>
+            <a:xfrm flipH="1">
+              <a:off x="931800" y="1741114"/>
+              <a:ext cx="2286678" cy="4165402"/>
+            </a:xfrm>
+            <a:prstGeom prst="line">
+              <a:avLst/>
+            </a:prstGeom>
+          </p:spPr>
+          <p:style>
+            <a:lnRef idx="1">
+              <a:schemeClr val="dk1"/>
+            </a:lnRef>
+            <a:fillRef idx="0">
+              <a:schemeClr val="dk1"/>
+            </a:fillRef>
+            <a:effectRef idx="0">
+              <a:schemeClr val="dk1"/>
+            </a:effectRef>
+            <a:fontRef idx="minor">
+              <a:schemeClr val="tx1"/>
+            </a:fontRef>
+          </p:style>
+        </p:cxnSp>
+        <p:cxnSp>
+          <p:nvCxnSpPr>
+            <p:cNvPr id="90" name="Straight Connector 89"/>
+            <p:cNvCxnSpPr>
+              <a:stCxn id="44" idx="2"/>
+              <a:endCxn id="35" idx="3"/>
+            </p:cNvCxnSpPr>
+            <p:nvPr/>
+          </p:nvCxnSpPr>
+          <p:spPr>
+            <a:xfrm flipH="1">
+              <a:off x="931800" y="2618467"/>
+              <a:ext cx="2286678" cy="3288049"/>
+            </a:xfrm>
+            <a:prstGeom prst="line">
+              <a:avLst/>
+            </a:prstGeom>
+          </p:spPr>
+          <p:style>
+            <a:lnRef idx="1">
+              <a:schemeClr val="dk1"/>
+            </a:lnRef>
+            <a:fillRef idx="0">
+              <a:schemeClr val="dk1"/>
+            </a:fillRef>
+            <a:effectRef idx="0">
+              <a:schemeClr val="dk1"/>
+            </a:effectRef>
+            <a:fontRef idx="minor">
+              <a:schemeClr val="tx1"/>
+            </a:fontRef>
+          </p:style>
+        </p:cxnSp>
+        <p:cxnSp>
+          <p:nvCxnSpPr>
+            <p:cNvPr id="91" name="Straight Connector 90"/>
+            <p:cNvCxnSpPr>
+              <a:stCxn id="46" idx="2"/>
+              <a:endCxn id="35" idx="3"/>
+            </p:cNvCxnSpPr>
+            <p:nvPr/>
+          </p:nvCxnSpPr>
+          <p:spPr>
+            <a:xfrm flipH="1">
+              <a:off x="931800" y="4944673"/>
+              <a:ext cx="2286678" cy="961843"/>
+            </a:xfrm>
+            <a:prstGeom prst="line">
+              <a:avLst/>
+            </a:prstGeom>
+          </p:spPr>
+          <p:style>
+            <a:lnRef idx="1">
+              <a:schemeClr val="dk1"/>
+            </a:lnRef>
+            <a:fillRef idx="0">
+              <a:schemeClr val="dk1"/>
+            </a:fillRef>
+            <a:effectRef idx="0">
+              <a:schemeClr val="dk1"/>
+            </a:effectRef>
+            <a:fontRef idx="minor">
+              <a:schemeClr val="tx1"/>
+            </a:fontRef>
+          </p:style>
+        </p:cxnSp>
+        <p:cxnSp>
+          <p:nvCxnSpPr>
+            <p:cNvPr id="92" name="Straight Connector 91"/>
+            <p:cNvCxnSpPr>
+              <a:stCxn id="47" idx="2"/>
+              <a:endCxn id="35" idx="3"/>
+            </p:cNvCxnSpPr>
+            <p:nvPr/>
+          </p:nvCxnSpPr>
+          <p:spPr>
+            <a:xfrm flipH="1" flipV="1">
+              <a:off x="931800" y="5906516"/>
+              <a:ext cx="2286678" cy="106011"/>
+            </a:xfrm>
+            <a:prstGeom prst="line">
+              <a:avLst/>
+            </a:prstGeom>
+          </p:spPr>
+          <p:style>
+            <a:lnRef idx="1">
+              <a:schemeClr val="dk1"/>
+            </a:lnRef>
+            <a:fillRef idx="0">
+              <a:schemeClr val="dk1"/>
+            </a:fillRef>
+            <a:effectRef idx="0">
+              <a:schemeClr val="dk1"/>
+            </a:effectRef>
+            <a:fontRef idx="minor">
+              <a:schemeClr val="tx1"/>
+            </a:fontRef>
+          </p:style>
+        </p:cxnSp>
+        <p:cxnSp>
+          <p:nvCxnSpPr>
+            <p:cNvPr id="106" name="Straight Connector 105"/>
+            <p:cNvCxnSpPr>
+              <a:stCxn id="45" idx="2"/>
+              <a:endCxn id="35" idx="3"/>
+            </p:cNvCxnSpPr>
+            <p:nvPr/>
+          </p:nvCxnSpPr>
+          <p:spPr>
+            <a:xfrm flipH="1">
+              <a:off x="931800" y="3876820"/>
+              <a:ext cx="2286678" cy="2029696"/>
+            </a:xfrm>
+            <a:prstGeom prst="line">
+              <a:avLst/>
+            </a:prstGeom>
+          </p:spPr>
+          <p:style>
+            <a:lnRef idx="1">
+              <a:schemeClr val="dk1"/>
+            </a:lnRef>
+            <a:fillRef idx="0">
+              <a:schemeClr val="dk1"/>
+            </a:fillRef>
+            <a:effectRef idx="0">
+              <a:schemeClr val="dk1"/>
+            </a:effectRef>
+            <a:fontRef idx="minor">
+              <a:schemeClr val="tx1"/>
+            </a:fontRef>
+          </p:style>
+        </p:cxnSp>
+        <p:sp>
+          <p:nvSpPr>
+            <p:cNvPr id="113" name="Oval 112"/>
+            <p:cNvSpPr/>
+            <p:nvPr/>
+          </p:nvSpPr>
+          <p:spPr>
+            <a:xfrm>
+              <a:off x="6604836" y="5112838"/>
+              <a:ext cx="1473109" cy="384190"/>
+            </a:xfrm>
+            <a:prstGeom prst="ellipse">
+              <a:avLst/>
+            </a:prstGeom>
+          </p:spPr>
+          <p:style>
+            <a:lnRef idx="2">
+              <a:schemeClr val="dk1"/>
+            </a:lnRef>
+            <a:fillRef idx="1">
+              <a:schemeClr val="lt1"/>
+            </a:fillRef>
+            <a:effectRef idx="0">
+              <a:schemeClr val="dk1"/>
+            </a:effectRef>
+            <a:fontRef idx="minor">
+              <a:schemeClr val="dk1"/>
+            </a:fontRef>
+          </p:style>
+          <p:txBody>
+            <a:bodyPr rot="0" spcFirstLastPara="0" vert="horz" wrap="square" lIns="91440" tIns="45720" rIns="91440" bIns="45720" numCol="1" spcCol="0" rtlCol="0" fromWordArt="0" anchor="ctr" anchorCtr="0" forceAA="0" compatLnSpc="1">
+              <a:prstTxWarp prst="textNoShape">
+                <a:avLst/>
+              </a:prstTxWarp>
+              <a:noAutofit/>
+            </a:bodyPr>
+            <a:lstStyle/>
+            <a:p>
+              <a:pPr algn="ctr">
+                <a:spcAft>
+                  <a:spcPts val="0"/>
+                </a:spcAft>
+              </a:pPr>
+              <a:r>
+                <a:rPr lang="id-ID" sz="900" dirty="0" smtClean="0">
+                  <a:solidFill>
+                    <a:srgbClr val="000000"/>
+                  </a:solidFill>
+                  <a:ea typeface="Times New Roman" panose="02020603050405020304" pitchFamily="18" charset="0"/>
+                  <a:cs typeface="Times New Roman" panose="02020603050405020304" pitchFamily="18" charset="0"/>
+                </a:rPr>
+                <a:t>Ubah dan hapus data pegawai</a:t>
+              </a:r>
+            </a:p>
+          </p:txBody>
+        </p:sp>
+        <p:sp>
+          <p:nvSpPr>
+            <p:cNvPr id="114" name="Oval 113"/>
+            <p:cNvSpPr/>
+            <p:nvPr/>
+          </p:nvSpPr>
+          <p:spPr>
+            <a:xfrm>
+              <a:off x="4826847" y="5112838"/>
+              <a:ext cx="1473109" cy="384190"/>
+            </a:xfrm>
+            <a:prstGeom prst="ellipse">
+              <a:avLst/>
+            </a:prstGeom>
+          </p:spPr>
+          <p:style>
+            <a:lnRef idx="2">
+              <a:schemeClr val="dk1"/>
+            </a:lnRef>
+            <a:fillRef idx="1">
+              <a:schemeClr val="lt1"/>
+            </a:fillRef>
+            <a:effectRef idx="0">
+              <a:schemeClr val="dk1"/>
+            </a:effectRef>
+            <a:fontRef idx="minor">
+              <a:schemeClr val="dk1"/>
+            </a:fontRef>
+          </p:style>
+          <p:txBody>
+            <a:bodyPr rot="0" spcFirstLastPara="0" vert="horz" wrap="square" lIns="91440" tIns="45720" rIns="91440" bIns="45720" numCol="1" spcCol="0" rtlCol="0" fromWordArt="0" anchor="ctr" anchorCtr="0" forceAA="0" compatLnSpc="1">
+              <a:prstTxWarp prst="textNoShape">
+                <a:avLst/>
+              </a:prstTxWarp>
+              <a:noAutofit/>
+            </a:bodyPr>
+            <a:lstStyle/>
+            <a:p>
+              <a:pPr algn="ctr">
+                <a:spcAft>
+                  <a:spcPts val="0"/>
+                </a:spcAft>
+              </a:pPr>
+              <a:r>
+                <a:rPr lang="id-ID" sz="900" dirty="0" smtClean="0">
+                  <a:solidFill>
+                    <a:srgbClr val="000000"/>
+                  </a:solidFill>
+                  <a:ea typeface="Times New Roman" panose="02020603050405020304" pitchFamily="18" charset="0"/>
+                  <a:cs typeface="Times New Roman" panose="02020603050405020304" pitchFamily="18" charset="0"/>
+                </a:rPr>
+                <a:t>Tambah pegawai</a:t>
+              </a:r>
+              <a:endParaRPr lang="en-US" sz="1600" dirty="0">
+                <a:effectLst/>
+                <a:latin typeface="Times New Roman" panose="02020603050405020304" pitchFamily="18" charset="0"/>
+                <a:ea typeface="Times New Roman" panose="02020603050405020304" pitchFamily="18" charset="0"/>
+              </a:endParaRPr>
+            </a:p>
+          </p:txBody>
+        </p:sp>
+        <p:sp>
+          <p:nvSpPr>
+            <p:cNvPr id="119" name="Oval 118"/>
+            <p:cNvSpPr/>
+            <p:nvPr/>
+          </p:nvSpPr>
+          <p:spPr>
+            <a:xfrm>
+              <a:off x="6343295" y="3967542"/>
+              <a:ext cx="1138880" cy="384190"/>
+            </a:xfrm>
+            <a:prstGeom prst="ellipse">
+              <a:avLst/>
+            </a:prstGeom>
+          </p:spPr>
+          <p:style>
+            <a:lnRef idx="2">
+              <a:schemeClr val="dk1"/>
+            </a:lnRef>
+            <a:fillRef idx="1">
+              <a:schemeClr val="lt1"/>
+            </a:fillRef>
+            <a:effectRef idx="0">
+              <a:schemeClr val="dk1"/>
+            </a:effectRef>
+            <a:fontRef idx="minor">
+              <a:schemeClr val="dk1"/>
+            </a:fontRef>
+          </p:style>
+          <p:txBody>
+            <a:bodyPr rot="0" spcFirstLastPara="0" vert="horz" wrap="square" lIns="91440" tIns="45720" rIns="91440" bIns="45720" numCol="1" spcCol="0" rtlCol="0" fromWordArt="0" anchor="ctr" anchorCtr="0" forceAA="0" compatLnSpc="1">
+              <a:prstTxWarp prst="textNoShape">
+                <a:avLst/>
+              </a:prstTxWarp>
+              <a:noAutofit/>
+            </a:bodyPr>
+            <a:lstStyle/>
+            <a:p>
+              <a:pPr algn="ctr">
+                <a:spcAft>
+                  <a:spcPts val="0"/>
+                </a:spcAft>
+              </a:pPr>
+              <a:r>
+                <a:rPr lang="id-ID" sz="900" dirty="0" smtClean="0">
+                  <a:solidFill>
+                    <a:srgbClr val="000000"/>
+                  </a:solidFill>
+                  <a:ea typeface="Times New Roman" panose="02020603050405020304" pitchFamily="18" charset="0"/>
+                  <a:cs typeface="Times New Roman" panose="02020603050405020304" pitchFamily="18" charset="0"/>
+                </a:rPr>
+                <a:t>Laporan Pengadaan</a:t>
+              </a:r>
+            </a:p>
+          </p:txBody>
+        </p:sp>
+        <p:sp>
+          <p:nvSpPr>
+            <p:cNvPr id="120" name="Oval 119"/>
+            <p:cNvSpPr/>
+            <p:nvPr/>
+          </p:nvSpPr>
+          <p:spPr>
+            <a:xfrm>
+              <a:off x="4826847" y="3967542"/>
+              <a:ext cx="967372" cy="384190"/>
+            </a:xfrm>
+            <a:prstGeom prst="ellipse">
+              <a:avLst/>
+            </a:prstGeom>
+          </p:spPr>
+          <p:style>
+            <a:lnRef idx="2">
+              <a:schemeClr val="dk1"/>
+            </a:lnRef>
+            <a:fillRef idx="1">
+              <a:schemeClr val="lt1"/>
+            </a:fillRef>
+            <a:effectRef idx="0">
+              <a:schemeClr val="dk1"/>
+            </a:effectRef>
+            <a:fontRef idx="minor">
+              <a:schemeClr val="dk1"/>
+            </a:fontRef>
+          </p:style>
+          <p:txBody>
+            <a:bodyPr rot="0" spcFirstLastPara="0" vert="horz" wrap="square" lIns="91440" tIns="45720" rIns="91440" bIns="45720" numCol="1" spcCol="0" rtlCol="0" fromWordArt="0" anchor="ctr" anchorCtr="0" forceAA="0" compatLnSpc="1">
+              <a:prstTxWarp prst="textNoShape">
+                <a:avLst/>
+              </a:prstTxWarp>
+              <a:noAutofit/>
+            </a:bodyPr>
+            <a:lstStyle/>
+            <a:p>
+              <a:pPr algn="ctr">
+                <a:spcAft>
+                  <a:spcPts val="0"/>
+                </a:spcAft>
+              </a:pPr>
+              <a:r>
+                <a:rPr lang="id-ID" sz="900" dirty="0" smtClean="0">
+                  <a:solidFill>
+                    <a:srgbClr val="000000"/>
+                  </a:solidFill>
+                  <a:ea typeface="Times New Roman" panose="02020603050405020304" pitchFamily="18" charset="0"/>
+                  <a:cs typeface="Times New Roman" panose="02020603050405020304" pitchFamily="18" charset="0"/>
+                </a:rPr>
+                <a:t>Laporan Penjualan</a:t>
+              </a:r>
+              <a:endParaRPr lang="en-US" sz="1600" dirty="0">
+                <a:effectLst/>
+                <a:latin typeface="Times New Roman" panose="02020603050405020304" pitchFamily="18" charset="0"/>
+                <a:ea typeface="Times New Roman" panose="02020603050405020304" pitchFamily="18" charset="0"/>
+              </a:endParaRPr>
+            </a:p>
+          </p:txBody>
+        </p:sp>
+        <p:sp>
+          <p:nvSpPr>
+            <p:cNvPr id="121" name="Oval 120"/>
+            <p:cNvSpPr/>
+            <p:nvPr/>
+          </p:nvSpPr>
+          <p:spPr>
+            <a:xfrm>
+              <a:off x="8031251" y="3967542"/>
+              <a:ext cx="932856" cy="384190"/>
+            </a:xfrm>
+            <a:prstGeom prst="ellipse">
+              <a:avLst/>
+            </a:prstGeom>
+          </p:spPr>
+          <p:style>
+            <a:lnRef idx="2">
+              <a:schemeClr val="dk1"/>
+            </a:lnRef>
+            <a:fillRef idx="1">
+              <a:schemeClr val="lt1"/>
+            </a:fillRef>
+            <a:effectRef idx="0">
+              <a:schemeClr val="dk1"/>
+            </a:effectRef>
+            <a:fontRef idx="minor">
+              <a:schemeClr val="dk1"/>
+            </a:fontRef>
+          </p:style>
+          <p:txBody>
+            <a:bodyPr rot="0" spcFirstLastPara="0" vert="horz" wrap="square" lIns="91440" tIns="45720" rIns="91440" bIns="45720" numCol="1" spcCol="0" rtlCol="0" fromWordArt="0" anchor="ctr" anchorCtr="0" forceAA="0" compatLnSpc="1">
+              <a:prstTxWarp prst="textNoShape">
+                <a:avLst/>
+              </a:prstTxWarp>
+              <a:noAutofit/>
+            </a:bodyPr>
+            <a:lstStyle/>
+            <a:p>
+              <a:pPr algn="ctr">
+                <a:spcAft>
+                  <a:spcPts val="0"/>
+                </a:spcAft>
+              </a:pPr>
+              <a:r>
+                <a:rPr lang="id-ID" sz="900" dirty="0" smtClean="0">
+                  <a:solidFill>
+                    <a:srgbClr val="000000"/>
+                  </a:solidFill>
+                  <a:ea typeface="Times New Roman" panose="02020603050405020304" pitchFamily="18" charset="0"/>
+                  <a:cs typeface="Times New Roman" panose="02020603050405020304" pitchFamily="18" charset="0"/>
+                </a:rPr>
+                <a:t>Laporan Pegawai</a:t>
+              </a:r>
+              <a:endParaRPr lang="en-US" sz="1600" dirty="0">
+                <a:effectLst/>
+                <a:latin typeface="Times New Roman" panose="02020603050405020304" pitchFamily="18" charset="0"/>
+                <a:ea typeface="Times New Roman" panose="02020603050405020304" pitchFamily="18" charset="0"/>
+              </a:endParaRPr>
+            </a:p>
+          </p:txBody>
+        </p:sp>
+        <p:sp>
+          <p:nvSpPr>
+            <p:cNvPr id="122" name="Oval 121"/>
+            <p:cNvSpPr/>
+            <p:nvPr/>
+          </p:nvSpPr>
+          <p:spPr>
+            <a:xfrm>
+              <a:off x="6584776" y="3264556"/>
+              <a:ext cx="1473109" cy="384190"/>
+            </a:xfrm>
+            <a:prstGeom prst="ellipse">
+              <a:avLst/>
+            </a:prstGeom>
+          </p:spPr>
+          <p:style>
+            <a:lnRef idx="2">
+              <a:schemeClr val="dk1"/>
+            </a:lnRef>
+            <a:fillRef idx="1">
+              <a:schemeClr val="lt1"/>
+            </a:fillRef>
+            <a:effectRef idx="0">
+              <a:schemeClr val="dk1"/>
+            </a:effectRef>
+            <a:fontRef idx="minor">
+              <a:schemeClr val="dk1"/>
+            </a:fontRef>
+          </p:style>
+          <p:txBody>
+            <a:bodyPr rot="0" spcFirstLastPara="0" vert="horz" wrap="square" lIns="91440" tIns="45720" rIns="91440" bIns="45720" numCol="1" spcCol="0" rtlCol="0" fromWordArt="0" anchor="ctr" anchorCtr="0" forceAA="0" compatLnSpc="1">
+              <a:prstTxWarp prst="textNoShape">
+                <a:avLst/>
+              </a:prstTxWarp>
+              <a:noAutofit/>
+            </a:bodyPr>
+            <a:lstStyle/>
+            <a:p>
+              <a:pPr algn="ctr">
+                <a:spcAft>
+                  <a:spcPts val="0"/>
+                </a:spcAft>
+              </a:pPr>
+              <a:r>
+                <a:rPr lang="id-ID" sz="900" dirty="0" smtClean="0">
+                  <a:solidFill>
+                    <a:srgbClr val="000000"/>
+                  </a:solidFill>
+                  <a:ea typeface="Times New Roman" panose="02020603050405020304" pitchFamily="18" charset="0"/>
+                  <a:cs typeface="Times New Roman" panose="02020603050405020304" pitchFamily="18" charset="0"/>
+                </a:rPr>
+                <a:t>Tambah data obat</a:t>
+              </a:r>
+            </a:p>
+          </p:txBody>
+        </p:sp>
+        <p:sp>
+          <p:nvSpPr>
+            <p:cNvPr id="123" name="Oval 122"/>
+            <p:cNvSpPr/>
+            <p:nvPr/>
+          </p:nvSpPr>
+          <p:spPr>
+            <a:xfrm>
+              <a:off x="4826847" y="3264556"/>
+              <a:ext cx="1473109" cy="384190"/>
+            </a:xfrm>
+            <a:prstGeom prst="ellipse">
+              <a:avLst/>
+            </a:prstGeom>
+          </p:spPr>
+          <p:style>
+            <a:lnRef idx="2">
+              <a:schemeClr val="dk1"/>
+            </a:lnRef>
+            <a:fillRef idx="1">
+              <a:schemeClr val="lt1"/>
+            </a:fillRef>
+            <a:effectRef idx="0">
+              <a:schemeClr val="dk1"/>
+            </a:effectRef>
+            <a:fontRef idx="minor">
+              <a:schemeClr val="dk1"/>
+            </a:fontRef>
+          </p:style>
+          <p:txBody>
+            <a:bodyPr rot="0" spcFirstLastPara="0" vert="horz" wrap="square" lIns="91440" tIns="45720" rIns="91440" bIns="45720" numCol="1" spcCol="0" rtlCol="0" fromWordArt="0" anchor="ctr" anchorCtr="0" forceAA="0" compatLnSpc="1">
+              <a:prstTxWarp prst="textNoShape">
+                <a:avLst/>
+              </a:prstTxWarp>
+              <a:noAutofit/>
+            </a:bodyPr>
+            <a:lstStyle/>
+            <a:p>
+              <a:pPr algn="ctr">
+                <a:spcAft>
+                  <a:spcPts val="0"/>
+                </a:spcAft>
+              </a:pPr>
+              <a:r>
+                <a:rPr lang="id-ID" sz="900" dirty="0" smtClean="0">
+                  <a:solidFill>
+                    <a:srgbClr val="000000"/>
+                  </a:solidFill>
+                  <a:ea typeface="Times New Roman" panose="02020603050405020304" pitchFamily="18" charset="0"/>
+                  <a:cs typeface="Times New Roman" panose="02020603050405020304" pitchFamily="18" charset="0"/>
+                </a:rPr>
+                <a:t>Ubah dan hapus data obat</a:t>
+              </a:r>
+            </a:p>
+          </p:txBody>
+        </p:sp>
+        <p:sp>
+          <p:nvSpPr>
+            <p:cNvPr id="124" name="Oval 123"/>
+            <p:cNvSpPr/>
+            <p:nvPr/>
+          </p:nvSpPr>
+          <p:spPr>
+            <a:xfrm>
+              <a:off x="8342705" y="3264556"/>
+              <a:ext cx="1473109" cy="384190"/>
+            </a:xfrm>
+            <a:prstGeom prst="ellipse">
+              <a:avLst/>
+            </a:prstGeom>
+          </p:spPr>
+          <p:style>
+            <a:lnRef idx="2">
+              <a:schemeClr val="dk1"/>
+            </a:lnRef>
+            <a:fillRef idx="1">
+              <a:schemeClr val="lt1"/>
+            </a:fillRef>
+            <a:effectRef idx="0">
+              <a:schemeClr val="dk1"/>
+            </a:effectRef>
+            <a:fontRef idx="minor">
+              <a:schemeClr val="dk1"/>
+            </a:fontRef>
+          </p:style>
+          <p:txBody>
+            <a:bodyPr rot="0" spcFirstLastPara="0" vert="horz" wrap="square" lIns="91440" tIns="45720" rIns="91440" bIns="45720" numCol="1" spcCol="0" rtlCol="0" fromWordArt="0" anchor="ctr" anchorCtr="0" forceAA="0" compatLnSpc="1">
+              <a:prstTxWarp prst="textNoShape">
+                <a:avLst/>
+              </a:prstTxWarp>
+              <a:noAutofit/>
+            </a:bodyPr>
+            <a:lstStyle/>
+            <a:p>
+              <a:pPr algn="ctr">
+                <a:spcAft>
+                  <a:spcPts val="0"/>
+                </a:spcAft>
+              </a:pPr>
+              <a:r>
+                <a:rPr lang="id-ID" sz="900" dirty="0" smtClean="0">
+                  <a:solidFill>
+                    <a:srgbClr val="000000"/>
+                  </a:solidFill>
+                  <a:ea typeface="Times New Roman" panose="02020603050405020304" pitchFamily="18" charset="0"/>
+                  <a:cs typeface="Times New Roman" panose="02020603050405020304" pitchFamily="18" charset="0"/>
+                </a:rPr>
+                <a:t>Cek Kadaluarsa</a:t>
+              </a:r>
+              <a:endParaRPr lang="en-US" sz="1600" dirty="0">
+                <a:effectLst/>
+                <a:latin typeface="Times New Roman" panose="02020603050405020304" pitchFamily="18" charset="0"/>
+                <a:ea typeface="Times New Roman" panose="02020603050405020304" pitchFamily="18" charset="0"/>
+              </a:endParaRPr>
+            </a:p>
+          </p:txBody>
+        </p:sp>
+        <p:sp>
+          <p:nvSpPr>
+            <p:cNvPr id="125" name="Oval 124"/>
+            <p:cNvSpPr/>
+            <p:nvPr/>
+          </p:nvSpPr>
+          <p:spPr>
+            <a:xfrm>
+              <a:off x="9513183" y="3967542"/>
+              <a:ext cx="1002418" cy="384190"/>
+            </a:xfrm>
+            <a:prstGeom prst="ellipse">
+              <a:avLst/>
+            </a:prstGeom>
+          </p:spPr>
+          <p:style>
+            <a:lnRef idx="2">
+              <a:schemeClr val="dk1"/>
+            </a:lnRef>
+            <a:fillRef idx="1">
+              <a:schemeClr val="lt1"/>
+            </a:fillRef>
+            <a:effectRef idx="0">
+              <a:schemeClr val="dk1"/>
+            </a:effectRef>
+            <a:fontRef idx="minor">
+              <a:schemeClr val="dk1"/>
+            </a:fontRef>
+          </p:style>
+          <p:txBody>
+            <a:bodyPr rot="0" spcFirstLastPara="0" vert="horz" wrap="square" lIns="91440" tIns="45720" rIns="91440" bIns="45720" numCol="1" spcCol="0" rtlCol="0" fromWordArt="0" anchor="ctr" anchorCtr="0" forceAA="0" compatLnSpc="1">
+              <a:prstTxWarp prst="textNoShape">
+                <a:avLst/>
+              </a:prstTxWarp>
+              <a:noAutofit/>
+            </a:bodyPr>
+            <a:lstStyle/>
+            <a:p>
+              <a:pPr algn="ctr">
+                <a:spcAft>
+                  <a:spcPts val="0"/>
+                </a:spcAft>
+              </a:pPr>
+              <a:r>
+                <a:rPr lang="id-ID" sz="900" dirty="0" smtClean="0">
+                  <a:solidFill>
+                    <a:srgbClr val="000000"/>
+                  </a:solidFill>
+                  <a:ea typeface="Times New Roman" panose="02020603050405020304" pitchFamily="18" charset="0"/>
+                  <a:cs typeface="Times New Roman" panose="02020603050405020304" pitchFamily="18" charset="0"/>
+                </a:rPr>
+                <a:t>Laporan Obat</a:t>
+              </a:r>
+              <a:endParaRPr lang="en-US" sz="1600" dirty="0">
+                <a:effectLst/>
+                <a:latin typeface="Times New Roman" panose="02020603050405020304" pitchFamily="18" charset="0"/>
+                <a:ea typeface="Times New Roman" panose="02020603050405020304" pitchFamily="18" charset="0"/>
+              </a:endParaRPr>
+            </a:p>
+          </p:txBody>
+        </p:sp>
+        <p:sp>
+          <p:nvSpPr>
+            <p:cNvPr id="130" name="Oval 129"/>
+            <p:cNvSpPr/>
+            <p:nvPr/>
+          </p:nvSpPr>
+          <p:spPr>
+            <a:xfrm>
+              <a:off x="9403783" y="2728536"/>
+              <a:ext cx="932856" cy="384190"/>
+            </a:xfrm>
+            <a:prstGeom prst="ellipse">
+              <a:avLst/>
+            </a:prstGeom>
+          </p:spPr>
+          <p:style>
+            <a:lnRef idx="2">
+              <a:schemeClr val="dk1"/>
+            </a:lnRef>
+            <a:fillRef idx="1">
+              <a:schemeClr val="lt1"/>
+            </a:fillRef>
+            <a:effectRef idx="0">
+              <a:schemeClr val="dk1"/>
+            </a:effectRef>
+            <a:fontRef idx="minor">
+              <a:schemeClr val="dk1"/>
+            </a:fontRef>
+          </p:style>
+          <p:txBody>
+            <a:bodyPr rot="0" spcFirstLastPara="0" vert="horz" wrap="square" lIns="91440" tIns="45720" rIns="91440" bIns="45720" numCol="1" spcCol="0" rtlCol="0" fromWordArt="0" anchor="ctr" anchorCtr="0" forceAA="0" compatLnSpc="1">
+              <a:prstTxWarp prst="textNoShape">
+                <a:avLst/>
+              </a:prstTxWarp>
+              <a:noAutofit/>
+            </a:bodyPr>
+            <a:lstStyle/>
+            <a:p>
+              <a:pPr algn="ctr">
+                <a:spcAft>
+                  <a:spcPts val="0"/>
+                </a:spcAft>
+              </a:pPr>
+              <a:r>
+                <a:rPr lang="id-ID" sz="900" dirty="0" smtClean="0">
+                  <a:solidFill>
+                    <a:srgbClr val="000000"/>
+                  </a:solidFill>
+                  <a:ea typeface="Times New Roman" panose="02020603050405020304" pitchFamily="18" charset="0"/>
+                  <a:cs typeface="Times New Roman" panose="02020603050405020304" pitchFamily="18" charset="0"/>
+                </a:rPr>
+                <a:t>Cek Stok</a:t>
+              </a:r>
+              <a:endParaRPr lang="en-US" sz="1600" dirty="0">
+                <a:effectLst/>
+                <a:latin typeface="Times New Roman" panose="02020603050405020304" pitchFamily="18" charset="0"/>
+                <a:ea typeface="Times New Roman" panose="02020603050405020304" pitchFamily="18" charset="0"/>
+              </a:endParaRPr>
+            </a:p>
+          </p:txBody>
+        </p:sp>
+        <p:sp>
+          <p:nvSpPr>
+            <p:cNvPr id="132" name="Oval 131"/>
+            <p:cNvSpPr/>
+            <p:nvPr/>
+          </p:nvSpPr>
+          <p:spPr>
+            <a:xfrm>
+              <a:off x="4826846" y="1225615"/>
+              <a:ext cx="1473109" cy="384190"/>
+            </a:xfrm>
+            <a:prstGeom prst="ellipse">
+              <a:avLst/>
+            </a:prstGeom>
+          </p:spPr>
+          <p:style>
+            <a:lnRef idx="2">
+              <a:schemeClr val="dk1"/>
+            </a:lnRef>
+            <a:fillRef idx="1">
+              <a:schemeClr val="lt1"/>
+            </a:fillRef>
+            <a:effectRef idx="0">
+              <a:schemeClr val="dk1"/>
+            </a:effectRef>
+            <a:fontRef idx="minor">
+              <a:schemeClr val="dk1"/>
+            </a:fontRef>
+          </p:style>
+          <p:txBody>
+            <a:bodyPr rot="0" spcFirstLastPara="0" vert="horz" wrap="square" lIns="91440" tIns="45720" rIns="91440" bIns="45720" numCol="1" spcCol="0" rtlCol="0" fromWordArt="0" anchor="ctr" anchorCtr="0" forceAA="0" compatLnSpc="1">
+              <a:prstTxWarp prst="textNoShape">
+                <a:avLst/>
+              </a:prstTxWarp>
+              <a:noAutofit/>
+            </a:bodyPr>
+            <a:lstStyle/>
+            <a:p>
+              <a:pPr algn="ctr">
+                <a:spcAft>
+                  <a:spcPts val="0"/>
+                </a:spcAft>
+              </a:pPr>
+              <a:r>
+                <a:rPr lang="id-ID" sz="900" dirty="0" smtClean="0">
+                  <a:solidFill>
+                    <a:srgbClr val="000000"/>
+                  </a:solidFill>
+                  <a:ea typeface="Times New Roman" panose="02020603050405020304" pitchFamily="18" charset="0"/>
+                  <a:cs typeface="Times New Roman" panose="02020603050405020304" pitchFamily="18" charset="0"/>
+                </a:rPr>
+                <a:t>Pencarian Obat</a:t>
+              </a:r>
+            </a:p>
+          </p:txBody>
+        </p:sp>
+        <p:sp>
+          <p:nvSpPr>
+            <p:cNvPr id="133" name="Oval 132"/>
+            <p:cNvSpPr/>
+            <p:nvPr/>
+          </p:nvSpPr>
+          <p:spPr>
+            <a:xfrm>
+              <a:off x="6672694" y="1225615"/>
+              <a:ext cx="932856" cy="384190"/>
+            </a:xfrm>
+            <a:prstGeom prst="ellipse">
+              <a:avLst/>
+            </a:prstGeom>
+          </p:spPr>
+          <p:style>
+            <a:lnRef idx="2">
+              <a:schemeClr val="dk1"/>
+            </a:lnRef>
+            <a:fillRef idx="1">
+              <a:schemeClr val="lt1"/>
+            </a:fillRef>
+            <a:effectRef idx="0">
+              <a:schemeClr val="dk1"/>
+            </a:effectRef>
+            <a:fontRef idx="minor">
+              <a:schemeClr val="dk1"/>
+            </a:fontRef>
+          </p:style>
+          <p:txBody>
+            <a:bodyPr rot="0" spcFirstLastPara="0" vert="horz" wrap="square" lIns="91440" tIns="45720" rIns="91440" bIns="45720" numCol="1" spcCol="0" rtlCol="0" fromWordArt="0" anchor="ctr" anchorCtr="0" forceAA="0" compatLnSpc="1">
+              <a:prstTxWarp prst="textNoShape">
+                <a:avLst/>
+              </a:prstTxWarp>
+              <a:noAutofit/>
+            </a:bodyPr>
+            <a:lstStyle/>
+            <a:p>
+              <a:pPr algn="ctr">
+                <a:spcAft>
+                  <a:spcPts val="0"/>
+                </a:spcAft>
+              </a:pPr>
+              <a:r>
+                <a:rPr lang="id-ID" sz="900" dirty="0" smtClean="0">
+                  <a:solidFill>
+                    <a:srgbClr val="000000"/>
+                  </a:solidFill>
+                  <a:ea typeface="Times New Roman" panose="02020603050405020304" pitchFamily="18" charset="0"/>
+                  <a:cs typeface="Times New Roman" panose="02020603050405020304" pitchFamily="18" charset="0"/>
+                </a:rPr>
+                <a:t>Dengan Resep</a:t>
+              </a:r>
+              <a:endParaRPr lang="en-US" sz="1600" dirty="0">
+                <a:effectLst/>
+                <a:latin typeface="Times New Roman" panose="02020603050405020304" pitchFamily="18" charset="0"/>
+                <a:ea typeface="Times New Roman" panose="02020603050405020304" pitchFamily="18" charset="0"/>
+              </a:endParaRPr>
+            </a:p>
+          </p:txBody>
+        </p:sp>
+        <p:sp>
+          <p:nvSpPr>
+            <p:cNvPr id="134" name="Oval 133"/>
+            <p:cNvSpPr/>
+            <p:nvPr/>
+          </p:nvSpPr>
+          <p:spPr>
+            <a:xfrm>
+              <a:off x="7978290" y="1225615"/>
+              <a:ext cx="932856" cy="384190"/>
+            </a:xfrm>
+            <a:prstGeom prst="ellipse">
+              <a:avLst/>
+            </a:prstGeom>
+          </p:spPr>
+          <p:style>
+            <a:lnRef idx="2">
+              <a:schemeClr val="dk1"/>
+            </a:lnRef>
+            <a:fillRef idx="1">
+              <a:schemeClr val="lt1"/>
+            </a:fillRef>
+            <a:effectRef idx="0">
+              <a:schemeClr val="dk1"/>
+            </a:effectRef>
+            <a:fontRef idx="minor">
+              <a:schemeClr val="dk1"/>
+            </a:fontRef>
+          </p:style>
+          <p:txBody>
+            <a:bodyPr rot="0" spcFirstLastPara="0" vert="horz" wrap="square" lIns="91440" tIns="45720" rIns="91440" bIns="45720" numCol="1" spcCol="0" rtlCol="0" fromWordArt="0" anchor="ctr" anchorCtr="0" forceAA="0" compatLnSpc="1">
+              <a:prstTxWarp prst="textNoShape">
+                <a:avLst/>
+              </a:prstTxWarp>
+              <a:noAutofit/>
+            </a:bodyPr>
+            <a:lstStyle/>
+            <a:p>
+              <a:pPr algn="ctr">
+                <a:spcAft>
+                  <a:spcPts val="0"/>
+                </a:spcAft>
+              </a:pPr>
+              <a:r>
+                <a:rPr lang="id-ID" sz="900" dirty="0" smtClean="0">
+                  <a:solidFill>
+                    <a:srgbClr val="000000"/>
+                  </a:solidFill>
+                  <a:ea typeface="Times New Roman" panose="02020603050405020304" pitchFamily="18" charset="0"/>
+                  <a:cs typeface="Times New Roman" panose="02020603050405020304" pitchFamily="18" charset="0"/>
+                </a:rPr>
+                <a:t>Tanpa Resep</a:t>
+              </a:r>
+              <a:endParaRPr lang="en-US" sz="1600" dirty="0">
+                <a:effectLst/>
+                <a:latin typeface="Times New Roman" panose="02020603050405020304" pitchFamily="18" charset="0"/>
+                <a:ea typeface="Times New Roman" panose="02020603050405020304" pitchFamily="18" charset="0"/>
+              </a:endParaRPr>
+            </a:p>
+          </p:txBody>
+        </p:sp>
+        <p:cxnSp>
+          <p:nvCxnSpPr>
+            <p:cNvPr id="135" name="Elbow Connector 134"/>
+            <p:cNvCxnSpPr>
+              <a:stCxn id="132" idx="0"/>
+              <a:endCxn id="42" idx="4"/>
+            </p:cNvCxnSpPr>
+            <p:nvPr/>
+          </p:nvCxnSpPr>
+          <p:spPr>
+            <a:xfrm rot="16200000" flipV="1">
+              <a:off x="4579088" y="241302"/>
+              <a:ext cx="360259" cy="1608368"/>
+            </a:xfrm>
+            <a:prstGeom prst="bentConnector3">
+              <a:avLst>
+                <a:gd name="adj1" fmla="val 50000"/>
+              </a:avLst>
+            </a:prstGeom>
+            <a:ln w="12700">
+              <a:prstDash val="dash"/>
+              <a:tailEnd type="triangle"/>
+            </a:ln>
+          </p:spPr>
+          <p:style>
+            <a:lnRef idx="1">
+              <a:schemeClr val="dk1"/>
+            </a:lnRef>
+            <a:fillRef idx="0">
+              <a:schemeClr val="dk1"/>
+            </a:fillRef>
+            <a:effectRef idx="0">
+              <a:schemeClr val="dk1"/>
+            </a:effectRef>
+            <a:fontRef idx="minor">
+              <a:schemeClr val="tx1"/>
+            </a:fontRef>
+          </p:style>
+        </p:cxnSp>
+        <p:cxnSp>
+          <p:nvCxnSpPr>
+            <p:cNvPr id="144" name="Elbow Connector 143"/>
+            <p:cNvCxnSpPr>
+              <a:stCxn id="133" idx="0"/>
+              <a:endCxn id="42" idx="5"/>
+            </p:cNvCxnSpPr>
+            <p:nvPr/>
+          </p:nvCxnSpPr>
+          <p:spPr>
+            <a:xfrm rot="16200000" flipV="1">
+              <a:off x="5599228" y="-314280"/>
+              <a:ext cx="416522" cy="2663267"/>
+            </a:xfrm>
+            <a:prstGeom prst="bentConnector3">
+              <a:avLst/>
+            </a:prstGeom>
+            <a:ln>
+              <a:tailEnd type="triangle"/>
+            </a:ln>
+          </p:spPr>
+          <p:style>
+            <a:lnRef idx="1">
+              <a:schemeClr val="dk1"/>
+            </a:lnRef>
+            <a:fillRef idx="0">
+              <a:schemeClr val="dk1"/>
+            </a:fillRef>
+            <a:effectRef idx="0">
+              <a:schemeClr val="dk1"/>
+            </a:effectRef>
+            <a:fontRef idx="minor">
+              <a:schemeClr val="tx1"/>
+            </a:fontRef>
+          </p:style>
+        </p:cxnSp>
+        <p:cxnSp>
+          <p:nvCxnSpPr>
+            <p:cNvPr id="146" name="Elbow Connector 145"/>
+            <p:cNvCxnSpPr>
+              <a:stCxn id="134" idx="0"/>
+              <a:endCxn id="42" idx="5"/>
+            </p:cNvCxnSpPr>
+            <p:nvPr/>
+          </p:nvCxnSpPr>
+          <p:spPr>
+            <a:xfrm rot="16200000" flipV="1">
+              <a:off x="6252026" y="-967078"/>
+              <a:ext cx="416522" cy="3968863"/>
+            </a:xfrm>
+            <a:prstGeom prst="bentConnector3">
+              <a:avLst>
+                <a:gd name="adj1" fmla="val 50000"/>
+              </a:avLst>
+            </a:prstGeom>
+            <a:ln>
+              <a:tailEnd type="triangle"/>
+            </a:ln>
+          </p:spPr>
+          <p:style>
+            <a:lnRef idx="1">
+              <a:schemeClr val="dk1"/>
+            </a:lnRef>
+            <a:fillRef idx="0">
+              <a:schemeClr val="dk1"/>
+            </a:fillRef>
+            <a:effectRef idx="0">
+              <a:schemeClr val="dk1"/>
+            </a:effectRef>
+            <a:fontRef idx="minor">
+              <a:schemeClr val="tx1"/>
+            </a:fontRef>
+          </p:style>
+        </p:cxnSp>
+        <p:cxnSp>
+          <p:nvCxnSpPr>
+            <p:cNvPr id="149" name="Elbow Connector 148"/>
+            <p:cNvCxnSpPr>
+              <a:stCxn id="122" idx="0"/>
+              <a:endCxn id="44" idx="4"/>
+            </p:cNvCxnSpPr>
+            <p:nvPr/>
+          </p:nvCxnSpPr>
+          <p:spPr>
+            <a:xfrm rot="16200000" flipV="1">
+              <a:off x="5411185" y="1354410"/>
+              <a:ext cx="453994" cy="3366298"/>
+            </a:xfrm>
+            <a:prstGeom prst="bentConnector3">
+              <a:avLst>
+                <a:gd name="adj1" fmla="val 16431"/>
+              </a:avLst>
+            </a:prstGeom>
+            <a:ln>
+              <a:tailEnd type="triangle"/>
+            </a:ln>
+          </p:spPr>
+          <p:style>
+            <a:lnRef idx="1">
+              <a:schemeClr val="dk1"/>
+            </a:lnRef>
+            <a:fillRef idx="0">
+              <a:schemeClr val="dk1"/>
+            </a:fillRef>
+            <a:effectRef idx="0">
+              <a:schemeClr val="dk1"/>
+            </a:effectRef>
+            <a:fontRef idx="minor">
+              <a:schemeClr val="tx1"/>
+            </a:fontRef>
+          </p:style>
+        </p:cxnSp>
+        <p:cxnSp>
+          <p:nvCxnSpPr>
+            <p:cNvPr id="155" name="Elbow Connector 154"/>
+            <p:cNvCxnSpPr>
+              <a:stCxn id="124" idx="0"/>
+              <a:endCxn id="44" idx="5"/>
+            </p:cNvCxnSpPr>
+            <p:nvPr/>
+          </p:nvCxnSpPr>
+          <p:spPr>
+            <a:xfrm rot="16200000" flipV="1">
+              <a:off x="6522430" y="707725"/>
+              <a:ext cx="510257" cy="4603405"/>
+            </a:xfrm>
+            <a:prstGeom prst="bentConnector3">
+              <a:avLst>
+                <a:gd name="adj1" fmla="val 40045"/>
+              </a:avLst>
+            </a:prstGeom>
+            <a:ln w="12700">
+              <a:prstDash val="dash"/>
+              <a:tailEnd type="triangle"/>
+            </a:ln>
+          </p:spPr>
+          <p:style>
+            <a:lnRef idx="1">
+              <a:schemeClr val="dk1"/>
+            </a:lnRef>
+            <a:fillRef idx="0">
+              <a:schemeClr val="dk1"/>
+            </a:fillRef>
+            <a:effectRef idx="0">
+              <a:schemeClr val="dk1"/>
+            </a:effectRef>
+            <a:fontRef idx="minor">
+              <a:schemeClr val="tx1"/>
+            </a:fontRef>
+          </p:style>
+        </p:cxnSp>
+        <p:cxnSp>
+          <p:nvCxnSpPr>
+            <p:cNvPr id="161" name="Elbow Connector 160"/>
+            <p:cNvCxnSpPr>
+              <a:stCxn id="130" idx="2"/>
+              <a:endCxn id="44" idx="5"/>
+            </p:cNvCxnSpPr>
+            <p:nvPr/>
+          </p:nvCxnSpPr>
+          <p:spPr>
+            <a:xfrm rot="10800000">
+              <a:off x="4475855" y="2754299"/>
+              <a:ext cx="4927928" cy="166332"/>
+            </a:xfrm>
+            <a:prstGeom prst="bentConnector2">
+              <a:avLst/>
+            </a:prstGeom>
+            <a:ln w="12700">
+              <a:prstDash val="dash"/>
+              <a:tailEnd type="triangle"/>
+            </a:ln>
+          </p:spPr>
+          <p:style>
+            <a:lnRef idx="1">
+              <a:schemeClr val="dk1"/>
+            </a:lnRef>
+            <a:fillRef idx="0">
+              <a:schemeClr val="dk1"/>
+            </a:fillRef>
+            <a:effectRef idx="0">
+              <a:schemeClr val="dk1"/>
+            </a:effectRef>
+            <a:fontRef idx="minor">
+              <a:schemeClr val="tx1"/>
+            </a:fontRef>
+          </p:style>
+        </p:cxnSp>
+        <p:cxnSp>
+          <p:nvCxnSpPr>
+            <p:cNvPr id="166" name="Elbow Connector 165"/>
+            <p:cNvCxnSpPr>
+              <a:stCxn id="123" idx="0"/>
+              <a:endCxn id="44" idx="4"/>
+            </p:cNvCxnSpPr>
+            <p:nvPr/>
+          </p:nvCxnSpPr>
+          <p:spPr>
+            <a:xfrm rot="16200000" flipV="1">
+              <a:off x="4532221" y="2233374"/>
+              <a:ext cx="453994" cy="1608369"/>
+            </a:xfrm>
+            <a:prstGeom prst="bentConnector3">
+              <a:avLst>
+                <a:gd name="adj1" fmla="val 19228"/>
+              </a:avLst>
+            </a:prstGeom>
+            <a:ln>
+              <a:tailEnd type="triangle"/>
+            </a:ln>
+          </p:spPr>
+          <p:style>
+            <a:lnRef idx="1">
+              <a:schemeClr val="dk1"/>
+            </a:lnRef>
+            <a:fillRef idx="0">
+              <a:schemeClr val="dk1"/>
+            </a:fillRef>
+            <a:effectRef idx="0">
+              <a:schemeClr val="dk1"/>
+            </a:effectRef>
+            <a:fontRef idx="minor">
+              <a:schemeClr val="tx1"/>
+            </a:fontRef>
+          </p:style>
+        </p:cxnSp>
+        <p:cxnSp>
+          <p:nvCxnSpPr>
+            <p:cNvPr id="169" name="Elbow Connector 168"/>
+            <p:cNvCxnSpPr>
+              <a:stCxn id="125" idx="4"/>
+              <a:endCxn id="46" idx="7"/>
+            </p:cNvCxnSpPr>
+            <p:nvPr/>
+          </p:nvCxnSpPr>
+          <p:spPr>
+            <a:xfrm rot="5400000">
+              <a:off x="7016570" y="1811018"/>
+              <a:ext cx="457109" cy="5538537"/>
+            </a:xfrm>
+            <a:prstGeom prst="bentConnector3">
+              <a:avLst>
+                <a:gd name="adj1" fmla="val 50000"/>
+              </a:avLst>
+            </a:prstGeom>
+            <a:ln>
+              <a:tailEnd type="triangle"/>
+            </a:ln>
+          </p:spPr>
+          <p:style>
+            <a:lnRef idx="1">
+              <a:schemeClr val="dk1"/>
+            </a:lnRef>
+            <a:fillRef idx="0">
+              <a:schemeClr val="dk1"/>
+            </a:fillRef>
+            <a:effectRef idx="0">
+              <a:schemeClr val="dk1"/>
+            </a:effectRef>
+            <a:fontRef idx="minor">
+              <a:schemeClr val="tx1"/>
+            </a:fontRef>
+          </p:style>
+        </p:cxnSp>
+        <p:cxnSp>
+          <p:nvCxnSpPr>
+            <p:cNvPr id="173" name="Elbow Connector 172"/>
+            <p:cNvCxnSpPr>
+              <a:stCxn id="121" idx="4"/>
+              <a:endCxn id="46" idx="0"/>
+            </p:cNvCxnSpPr>
+            <p:nvPr/>
+          </p:nvCxnSpPr>
+          <p:spPr>
+            <a:xfrm rot="5400000">
+              <a:off x="6025933" y="2280832"/>
+              <a:ext cx="400846" cy="4542646"/>
+            </a:xfrm>
+            <a:prstGeom prst="bentConnector3">
+              <a:avLst>
+                <a:gd name="adj1" fmla="val 50000"/>
+              </a:avLst>
+            </a:prstGeom>
+            <a:ln>
+              <a:tailEnd type="triangle"/>
+            </a:ln>
+          </p:spPr>
+          <p:style>
+            <a:lnRef idx="1">
+              <a:schemeClr val="dk1"/>
+            </a:lnRef>
+            <a:fillRef idx="0">
+              <a:schemeClr val="dk1"/>
+            </a:fillRef>
+            <a:effectRef idx="0">
+              <a:schemeClr val="dk1"/>
+            </a:effectRef>
+            <a:fontRef idx="minor">
+              <a:schemeClr val="tx1"/>
+            </a:fontRef>
+          </p:style>
+        </p:cxnSp>
+        <p:cxnSp>
+          <p:nvCxnSpPr>
+            <p:cNvPr id="176" name="Elbow Connector 175"/>
+            <p:cNvCxnSpPr>
+              <a:stCxn id="119" idx="4"/>
+              <a:endCxn id="46" idx="0"/>
+            </p:cNvCxnSpPr>
+            <p:nvPr/>
+          </p:nvCxnSpPr>
+          <p:spPr>
+            <a:xfrm rot="5400000">
+              <a:off x="5233461" y="3073304"/>
+              <a:ext cx="400846" cy="2957702"/>
+            </a:xfrm>
+            <a:prstGeom prst="bentConnector3">
+              <a:avLst>
+                <a:gd name="adj1" fmla="val 50000"/>
+              </a:avLst>
+            </a:prstGeom>
+            <a:ln>
+              <a:tailEnd type="triangle"/>
+            </a:ln>
+          </p:spPr>
+          <p:style>
+            <a:lnRef idx="1">
+              <a:schemeClr val="dk1"/>
+            </a:lnRef>
+            <a:fillRef idx="0">
+              <a:schemeClr val="dk1"/>
+            </a:fillRef>
+            <a:effectRef idx="0">
+              <a:schemeClr val="dk1"/>
+            </a:effectRef>
+            <a:fontRef idx="minor">
+              <a:schemeClr val="tx1"/>
+            </a:fontRef>
+          </p:style>
+        </p:cxnSp>
+        <p:cxnSp>
+          <p:nvCxnSpPr>
+            <p:cNvPr id="179" name="Elbow Connector 178"/>
+            <p:cNvCxnSpPr>
+              <a:stCxn id="120" idx="4"/>
+              <a:endCxn id="46" idx="0"/>
+            </p:cNvCxnSpPr>
+            <p:nvPr/>
+          </p:nvCxnSpPr>
+          <p:spPr>
+            <a:xfrm rot="5400000">
+              <a:off x="4432360" y="3874405"/>
+              <a:ext cx="400846" cy="1355500"/>
+            </a:xfrm>
+            <a:prstGeom prst="bentConnector3">
+              <a:avLst>
+                <a:gd name="adj1" fmla="val 50000"/>
+              </a:avLst>
+            </a:prstGeom>
+            <a:ln>
+              <a:tailEnd type="triangle"/>
+            </a:ln>
+          </p:spPr>
+          <p:style>
+            <a:lnRef idx="1">
+              <a:schemeClr val="dk1"/>
+            </a:lnRef>
+            <a:fillRef idx="0">
+              <a:schemeClr val="dk1"/>
+            </a:fillRef>
+            <a:effectRef idx="0">
+              <a:schemeClr val="dk1"/>
+            </a:effectRef>
+            <a:fontRef idx="minor">
+              <a:schemeClr val="tx1"/>
+            </a:fontRef>
+          </p:style>
+        </p:cxnSp>
+        <p:cxnSp>
+          <p:nvCxnSpPr>
+            <p:cNvPr id="182" name="Elbow Connector 181"/>
+            <p:cNvCxnSpPr>
+              <a:stCxn id="114" idx="4"/>
+              <a:endCxn id="47" idx="0"/>
+            </p:cNvCxnSpPr>
+            <p:nvPr/>
+          </p:nvCxnSpPr>
+          <p:spPr>
+            <a:xfrm rot="5400000">
+              <a:off x="4597516" y="4854546"/>
+              <a:ext cx="323404" cy="1608369"/>
+            </a:xfrm>
+            <a:prstGeom prst="bentConnector3">
+              <a:avLst>
+                <a:gd name="adj1" fmla="val 50000"/>
+              </a:avLst>
+            </a:prstGeom>
+            <a:ln>
+              <a:tailEnd type="triangle"/>
+            </a:ln>
+          </p:spPr>
+          <p:style>
+            <a:lnRef idx="1">
+              <a:schemeClr val="dk1"/>
+            </a:lnRef>
+            <a:fillRef idx="0">
+              <a:schemeClr val="dk1"/>
+            </a:fillRef>
+            <a:effectRef idx="0">
+              <a:schemeClr val="dk1"/>
+            </a:effectRef>
+            <a:fontRef idx="minor">
+              <a:schemeClr val="tx1"/>
+            </a:fontRef>
+          </p:style>
+        </p:cxnSp>
+        <p:cxnSp>
+          <p:nvCxnSpPr>
+            <p:cNvPr id="185" name="Elbow Connector 184"/>
+            <p:cNvCxnSpPr>
+              <a:stCxn id="113" idx="4"/>
+              <a:endCxn id="47" idx="7"/>
+            </p:cNvCxnSpPr>
+            <p:nvPr/>
+          </p:nvCxnSpPr>
+          <p:spPr>
+            <a:xfrm rot="5400000">
+              <a:off x="5718790" y="4254093"/>
+              <a:ext cx="379667" cy="2865536"/>
+            </a:xfrm>
+            <a:prstGeom prst="bentConnector3">
+              <a:avLst>
+                <a:gd name="adj1" fmla="val 50000"/>
+              </a:avLst>
+            </a:prstGeom>
+            <a:ln>
+              <a:tailEnd type="triangle"/>
+            </a:ln>
+          </p:spPr>
+          <p:style>
+            <a:lnRef idx="1">
+              <a:schemeClr val="dk1"/>
+            </a:lnRef>
+            <a:fillRef idx="0">
+              <a:schemeClr val="dk1"/>
+            </a:fillRef>
+            <a:effectRef idx="0">
+              <a:schemeClr val="dk1"/>
+            </a:effectRef>
+            <a:fontRef idx="minor">
+              <a:schemeClr val="tx1"/>
+            </a:fontRef>
+          </p:style>
+        </p:cxnSp>
+        <p:sp>
+          <p:nvSpPr>
+            <p:cNvPr id="194" name="TextBox 145"/>
+            <p:cNvSpPr txBox="1"/>
+            <p:nvPr/>
+          </p:nvSpPr>
+          <p:spPr>
+            <a:xfrm>
+              <a:off x="4616946" y="5790570"/>
+              <a:ext cx="868627" cy="246341"/>
+            </a:xfrm>
+            <a:prstGeom prst="rect">
+              <a:avLst/>
+            </a:prstGeom>
+            <a:noFill/>
+          </p:spPr>
+          <p:txBody>
+            <a:bodyPr wrap="none" rtlCol="0">
+              <a:spAutoFit/>
+            </a:bodyPr>
+            <a:lstStyle/>
+            <a:p>
+              <a:pPr>
+                <a:spcAft>
+                  <a:spcPts val="0"/>
+                </a:spcAft>
+              </a:pPr>
+              <a:r>
+                <a:rPr lang="id-ID" sz="1000" kern="1200" dirty="0">
+                  <a:solidFill>
+                    <a:srgbClr val="5B9BD5"/>
+                  </a:solidFill>
+                  <a:effectLst/>
+                  <a:latin typeface="Calibri" panose="020F0502020204030204" pitchFamily="34" charset="0"/>
+                  <a:ea typeface="Times New Roman" panose="02020603050405020304" pitchFamily="18" charset="0"/>
+                  <a:cs typeface="Times New Roman" panose="02020603050405020304" pitchFamily="18" charset="0"/>
+                </a:rPr>
+                <a:t>&lt;&lt; include &gt;&gt;</a:t>
+              </a:r>
+              <a:endParaRPr lang="en-US" sz="1200" dirty="0">
+                <a:effectLst/>
+                <a:latin typeface="Times New Roman" panose="02020603050405020304" pitchFamily="18" charset="0"/>
+                <a:ea typeface="Times New Roman" panose="02020603050405020304" pitchFamily="18" charset="0"/>
+              </a:endParaRPr>
+            </a:p>
+          </p:txBody>
+        </p:sp>
+        <p:sp>
+          <p:nvSpPr>
+            <p:cNvPr id="195" name="TextBox 145"/>
+            <p:cNvSpPr txBox="1"/>
+            <p:nvPr/>
+          </p:nvSpPr>
+          <p:spPr>
+            <a:xfrm>
+              <a:off x="4616946" y="4734837"/>
+              <a:ext cx="868627" cy="246341"/>
+            </a:xfrm>
+            <a:prstGeom prst="rect">
+              <a:avLst/>
+            </a:prstGeom>
+            <a:noFill/>
+          </p:spPr>
+          <p:txBody>
+            <a:bodyPr wrap="none" rtlCol="0">
+              <a:spAutoFit/>
+            </a:bodyPr>
+            <a:lstStyle/>
+            <a:p>
+              <a:pPr>
+                <a:spcAft>
+                  <a:spcPts val="0"/>
+                </a:spcAft>
+              </a:pPr>
+              <a:r>
+                <a:rPr lang="id-ID" sz="1000" kern="1200" dirty="0">
+                  <a:solidFill>
+                    <a:srgbClr val="5B9BD5"/>
+                  </a:solidFill>
+                  <a:effectLst/>
+                  <a:latin typeface="Calibri" panose="020F0502020204030204" pitchFamily="34" charset="0"/>
+                  <a:ea typeface="Times New Roman" panose="02020603050405020304" pitchFamily="18" charset="0"/>
+                  <a:cs typeface="Times New Roman" panose="02020603050405020304" pitchFamily="18" charset="0"/>
+                </a:rPr>
+                <a:t>&lt;&lt; include &gt;&gt;</a:t>
+              </a:r>
+              <a:endParaRPr lang="en-US" sz="1200" dirty="0">
+                <a:effectLst/>
+                <a:latin typeface="Times New Roman" panose="02020603050405020304" pitchFamily="18" charset="0"/>
+                <a:ea typeface="Times New Roman" panose="02020603050405020304" pitchFamily="18" charset="0"/>
+              </a:endParaRPr>
+            </a:p>
+          </p:txBody>
+        </p:sp>
+        <p:sp>
+          <p:nvSpPr>
+            <p:cNvPr id="197" name="TextBox 145"/>
+            <p:cNvSpPr txBox="1"/>
+            <p:nvPr/>
+          </p:nvSpPr>
+          <p:spPr>
+            <a:xfrm>
+              <a:off x="4616946" y="1750847"/>
+              <a:ext cx="868627" cy="246341"/>
+            </a:xfrm>
+            <a:prstGeom prst="rect">
+              <a:avLst/>
+            </a:prstGeom>
+            <a:noFill/>
+          </p:spPr>
+          <p:txBody>
+            <a:bodyPr wrap="none" rtlCol="0">
+              <a:spAutoFit/>
+            </a:bodyPr>
+            <a:lstStyle/>
+            <a:p>
+              <a:pPr>
+                <a:spcAft>
+                  <a:spcPts val="0"/>
+                </a:spcAft>
+              </a:pPr>
+              <a:r>
+                <a:rPr lang="id-ID" sz="1000" kern="1200" dirty="0">
+                  <a:solidFill>
+                    <a:srgbClr val="5B9BD5"/>
+                  </a:solidFill>
+                  <a:effectLst/>
+                  <a:latin typeface="Calibri" panose="020F0502020204030204" pitchFamily="34" charset="0"/>
+                  <a:ea typeface="Times New Roman" panose="02020603050405020304" pitchFamily="18" charset="0"/>
+                  <a:cs typeface="Times New Roman" panose="02020603050405020304" pitchFamily="18" charset="0"/>
+                </a:rPr>
+                <a:t>&lt;&lt; include &gt;&gt;</a:t>
+              </a:r>
+              <a:endParaRPr lang="en-US" sz="1200" dirty="0">
+                <a:effectLst/>
+                <a:latin typeface="Times New Roman" panose="02020603050405020304" pitchFamily="18" charset="0"/>
+                <a:ea typeface="Times New Roman" panose="02020603050405020304" pitchFamily="18" charset="0"/>
+              </a:endParaRPr>
+            </a:p>
+          </p:txBody>
+        </p:sp>
+        <p:sp>
+          <p:nvSpPr>
+            <p:cNvPr id="198" name="TextBox 145"/>
+            <p:cNvSpPr txBox="1"/>
+            <p:nvPr/>
+          </p:nvSpPr>
+          <p:spPr>
+            <a:xfrm>
+              <a:off x="4616946" y="2411694"/>
+              <a:ext cx="868627" cy="246341"/>
+            </a:xfrm>
+            <a:prstGeom prst="rect">
+              <a:avLst/>
+            </a:prstGeom>
+            <a:noFill/>
+          </p:spPr>
+          <p:txBody>
+            <a:bodyPr wrap="none" rtlCol="0">
+              <a:spAutoFit/>
+            </a:bodyPr>
+            <a:lstStyle/>
+            <a:p>
+              <a:pPr>
+                <a:spcAft>
+                  <a:spcPts val="0"/>
+                </a:spcAft>
+              </a:pPr>
+              <a:r>
+                <a:rPr lang="id-ID" sz="1000" kern="1200" dirty="0">
+                  <a:solidFill>
+                    <a:srgbClr val="5B9BD5"/>
+                  </a:solidFill>
+                  <a:effectLst/>
+                  <a:latin typeface="Calibri" panose="020F0502020204030204" pitchFamily="34" charset="0"/>
+                  <a:ea typeface="Times New Roman" panose="02020603050405020304" pitchFamily="18" charset="0"/>
+                  <a:cs typeface="Times New Roman" panose="02020603050405020304" pitchFamily="18" charset="0"/>
+                </a:rPr>
+                <a:t>&lt;&lt; include &gt;&gt;</a:t>
+              </a:r>
+              <a:endParaRPr lang="en-US" sz="1200" dirty="0">
+                <a:effectLst/>
+                <a:latin typeface="Times New Roman" panose="02020603050405020304" pitchFamily="18" charset="0"/>
+                <a:ea typeface="Times New Roman" panose="02020603050405020304" pitchFamily="18" charset="0"/>
+              </a:endParaRPr>
+            </a:p>
+          </p:txBody>
+        </p:sp>
+        <p:sp>
+          <p:nvSpPr>
+            <p:cNvPr id="199" name="TextBox 145"/>
+            <p:cNvSpPr txBox="1"/>
+            <p:nvPr/>
+          </p:nvSpPr>
+          <p:spPr>
+            <a:xfrm>
+              <a:off x="4616946" y="431442"/>
+              <a:ext cx="868627" cy="246341"/>
+            </a:xfrm>
+            <a:prstGeom prst="rect">
+              <a:avLst/>
+            </a:prstGeom>
+            <a:noFill/>
+          </p:spPr>
+          <p:txBody>
+            <a:bodyPr wrap="none" rtlCol="0">
+              <a:spAutoFit/>
+            </a:bodyPr>
+            <a:lstStyle/>
+            <a:p>
+              <a:pPr>
+                <a:spcAft>
+                  <a:spcPts val="0"/>
+                </a:spcAft>
+              </a:pPr>
+              <a:r>
+                <a:rPr lang="id-ID" sz="1000" kern="1200" dirty="0">
+                  <a:solidFill>
+                    <a:srgbClr val="5B9BD5"/>
+                  </a:solidFill>
+                  <a:effectLst/>
+                  <a:latin typeface="Calibri" panose="020F0502020204030204" pitchFamily="34" charset="0"/>
+                  <a:ea typeface="Times New Roman" panose="02020603050405020304" pitchFamily="18" charset="0"/>
+                  <a:cs typeface="Times New Roman" panose="02020603050405020304" pitchFamily="18" charset="0"/>
+                </a:rPr>
+                <a:t>&lt;&lt; include &gt;&gt;</a:t>
+              </a:r>
+              <a:endParaRPr lang="en-US" sz="1200" dirty="0">
+                <a:effectLst/>
+                <a:latin typeface="Times New Roman" panose="02020603050405020304" pitchFamily="18" charset="0"/>
+                <a:ea typeface="Times New Roman" panose="02020603050405020304" pitchFamily="18" charset="0"/>
+              </a:endParaRPr>
+            </a:p>
+          </p:txBody>
+        </p:sp>
+        <p:sp>
+          <p:nvSpPr>
+            <p:cNvPr id="200" name="TextBox 152"/>
+            <p:cNvSpPr txBox="1"/>
+            <p:nvPr/>
+          </p:nvSpPr>
+          <p:spPr>
+            <a:xfrm>
+              <a:off x="3699969" y="1007883"/>
+              <a:ext cx="850848" cy="246341"/>
+            </a:xfrm>
+            <a:prstGeom prst="rect">
+              <a:avLst/>
+            </a:prstGeom>
+            <a:noFill/>
+          </p:spPr>
+          <p:txBody>
+            <a:bodyPr wrap="none" rtlCol="0">
+              <a:spAutoFit/>
+            </a:bodyPr>
+            <a:lstStyle/>
+            <a:p>
+              <a:pPr>
+                <a:spcAft>
+                  <a:spcPts val="0"/>
+                </a:spcAft>
+              </a:pPr>
+              <a:r>
+                <a:rPr lang="id-ID" sz="1000" kern="1200" dirty="0">
+                  <a:solidFill>
+                    <a:srgbClr val="FF0000"/>
+                  </a:solidFill>
+                  <a:effectLst/>
+                  <a:latin typeface="Calibri" panose="020F0502020204030204" pitchFamily="34" charset="0"/>
+                  <a:ea typeface="Times New Roman" panose="02020603050405020304" pitchFamily="18" charset="0"/>
+                  <a:cs typeface="Times New Roman" panose="02020603050405020304" pitchFamily="18" charset="0"/>
+                </a:rPr>
+                <a:t>&lt;&lt; extend &gt;&gt;</a:t>
+              </a:r>
+              <a:endParaRPr lang="en-US" sz="1200" dirty="0">
+                <a:effectLst/>
+                <a:latin typeface="Times New Roman" panose="02020603050405020304" pitchFamily="18" charset="0"/>
+                <a:ea typeface="Times New Roman" panose="02020603050405020304" pitchFamily="18" charset="0"/>
+              </a:endParaRPr>
+            </a:p>
+          </p:txBody>
+        </p:sp>
+        <p:sp>
+          <p:nvSpPr>
+            <p:cNvPr id="201" name="TextBox 152"/>
+            <p:cNvSpPr txBox="1"/>
+            <p:nvPr/>
+          </p:nvSpPr>
+          <p:spPr>
+            <a:xfrm>
+              <a:off x="8210598" y="3053181"/>
+              <a:ext cx="850848" cy="246341"/>
+            </a:xfrm>
+            <a:prstGeom prst="rect">
+              <a:avLst/>
+            </a:prstGeom>
+            <a:noFill/>
+          </p:spPr>
+          <p:txBody>
+            <a:bodyPr wrap="none" rtlCol="0">
+              <a:spAutoFit/>
+            </a:bodyPr>
+            <a:lstStyle/>
+            <a:p>
+              <a:pPr>
+                <a:spcAft>
+                  <a:spcPts val="0"/>
+                </a:spcAft>
+              </a:pPr>
+              <a:r>
+                <a:rPr lang="id-ID" sz="1000" kern="1200" dirty="0">
+                  <a:solidFill>
+                    <a:srgbClr val="FF0000"/>
+                  </a:solidFill>
+                  <a:effectLst/>
+                  <a:latin typeface="Calibri" panose="020F0502020204030204" pitchFamily="34" charset="0"/>
+                  <a:ea typeface="Times New Roman" panose="02020603050405020304" pitchFamily="18" charset="0"/>
+                  <a:cs typeface="Times New Roman" panose="02020603050405020304" pitchFamily="18" charset="0"/>
+                </a:rPr>
+                <a:t>&lt;&lt; extend &gt;&gt;</a:t>
+              </a:r>
+              <a:endParaRPr lang="en-US" sz="1200" dirty="0">
+                <a:effectLst/>
+                <a:latin typeface="Times New Roman" panose="02020603050405020304" pitchFamily="18" charset="0"/>
+                <a:ea typeface="Times New Roman" panose="02020603050405020304" pitchFamily="18" charset="0"/>
+              </a:endParaRPr>
+            </a:p>
+          </p:txBody>
+        </p:sp>
+        <p:sp>
+          <p:nvSpPr>
+            <p:cNvPr id="202" name="TextBox 152"/>
+            <p:cNvSpPr txBox="1"/>
+            <p:nvPr/>
+          </p:nvSpPr>
+          <p:spPr>
+            <a:xfrm>
+              <a:off x="8629668" y="2687390"/>
+              <a:ext cx="850848" cy="246341"/>
+            </a:xfrm>
+            <a:prstGeom prst="rect">
+              <a:avLst/>
+            </a:prstGeom>
+            <a:noFill/>
+          </p:spPr>
+          <p:txBody>
+            <a:bodyPr wrap="none" rtlCol="0">
+              <a:spAutoFit/>
+            </a:bodyPr>
+            <a:lstStyle/>
+            <a:p>
+              <a:pPr>
+                <a:spcAft>
+                  <a:spcPts val="0"/>
+                </a:spcAft>
+              </a:pPr>
+              <a:r>
+                <a:rPr lang="id-ID" sz="1000" kern="1200" dirty="0">
+                  <a:solidFill>
+                    <a:srgbClr val="FF0000"/>
+                  </a:solidFill>
+                  <a:effectLst/>
+                  <a:latin typeface="Calibri" panose="020F0502020204030204" pitchFamily="34" charset="0"/>
+                  <a:ea typeface="Times New Roman" panose="02020603050405020304" pitchFamily="18" charset="0"/>
+                  <a:cs typeface="Times New Roman" panose="02020603050405020304" pitchFamily="18" charset="0"/>
+                </a:rPr>
+                <a:t>&lt;&lt; extend &gt;&gt;</a:t>
+              </a:r>
+              <a:endParaRPr lang="en-US" sz="1200" dirty="0">
+                <a:effectLst/>
+                <a:latin typeface="Times New Roman" panose="02020603050405020304" pitchFamily="18" charset="0"/>
+                <a:ea typeface="Times New Roman" panose="02020603050405020304" pitchFamily="18" charset="0"/>
+              </a:endParaRPr>
+            </a:p>
+          </p:txBody>
+        </p:sp>
+      </p:grpSp>
+    </p:spTree>
+    <p:extLst>
+      <p:ext uri="{BB962C8B-B14F-4D97-AF65-F5344CB8AC3E}">
+        <p14:creationId xmlns:p14="http://schemas.microsoft.com/office/powerpoint/2010/main" val="1557083118"/>
+      </p:ext>
+    </p:extLst>
+  </p:cSld>
+  <p:clrMapOvr>
+    <a:masterClrMapping/>
+  </p:clrMapOvr>
+</p:sld>
+</file>
+
 <file path=ppt/theme/theme1.xml><?xml version="1.0" encoding="utf-8"?>
 <a:theme xmlns:a="http://schemas.openxmlformats.org/drawingml/2006/main" name="Office Theme">
   <a:themeElements>

--- a/Selasa/Pemodelan Sistem Berorentasi Objek/Minggu 5 - Usecase Diagram/tugas/perpustakaan.pptx
+++ b/Selasa/Pemodelan Sistem Berorentasi Objek/Minggu 5 - Usecase Diagram/tugas/perpustakaan.pptx
@@ -6,7 +6,6 @@
   </p:sldMasterIdLst>
   <p:sldIdLst>
     <p:sldId id="257" r:id="rId2"/>
-    <p:sldId id="258" r:id="rId3"/>
   </p:sldIdLst>
   <p:sldSz cx="12192000" cy="6858000"/>
   <p:notesSz cx="6858000" cy="9144000"/>
@@ -244,7 +243,7 @@
           <a:p>
             <a:fld id="{589191EA-6EF7-47D5-BED8-6793080C45E4}" type="datetimeFigureOut">
               <a:rPr lang="en-US" smtClean="0"/>
-              <a:t>11/23/2020</a:t>
+              <a:t>12/5/2020</a:t>
             </a:fld>
             <a:endParaRPr lang="en-US"/>
           </a:p>
@@ -414,7 +413,7 @@
           <a:p>
             <a:fld id="{589191EA-6EF7-47D5-BED8-6793080C45E4}" type="datetimeFigureOut">
               <a:rPr lang="en-US" smtClean="0"/>
-              <a:t>11/23/2020</a:t>
+              <a:t>12/5/2020</a:t>
             </a:fld>
             <a:endParaRPr lang="en-US"/>
           </a:p>
@@ -594,7 +593,7 @@
           <a:p>
             <a:fld id="{589191EA-6EF7-47D5-BED8-6793080C45E4}" type="datetimeFigureOut">
               <a:rPr lang="en-US" smtClean="0"/>
-              <a:t>11/23/2020</a:t>
+              <a:t>12/5/2020</a:t>
             </a:fld>
             <a:endParaRPr lang="en-US"/>
           </a:p>
@@ -764,7 +763,7 @@
           <a:p>
             <a:fld id="{589191EA-6EF7-47D5-BED8-6793080C45E4}" type="datetimeFigureOut">
               <a:rPr lang="en-US" smtClean="0"/>
-              <a:t>11/23/2020</a:t>
+              <a:t>12/5/2020</a:t>
             </a:fld>
             <a:endParaRPr lang="en-US"/>
           </a:p>
@@ -1010,7 +1009,7 @@
           <a:p>
             <a:fld id="{589191EA-6EF7-47D5-BED8-6793080C45E4}" type="datetimeFigureOut">
               <a:rPr lang="en-US" smtClean="0"/>
-              <a:t>11/23/2020</a:t>
+              <a:t>12/5/2020</a:t>
             </a:fld>
             <a:endParaRPr lang="en-US"/>
           </a:p>
@@ -1242,7 +1241,7 @@
           <a:p>
             <a:fld id="{589191EA-6EF7-47D5-BED8-6793080C45E4}" type="datetimeFigureOut">
               <a:rPr lang="en-US" smtClean="0"/>
-              <a:t>11/23/2020</a:t>
+              <a:t>12/5/2020</a:t>
             </a:fld>
             <a:endParaRPr lang="en-US"/>
           </a:p>
@@ -1609,7 +1608,7 @@
           <a:p>
             <a:fld id="{589191EA-6EF7-47D5-BED8-6793080C45E4}" type="datetimeFigureOut">
               <a:rPr lang="en-US" smtClean="0"/>
-              <a:t>11/23/2020</a:t>
+              <a:t>12/5/2020</a:t>
             </a:fld>
             <a:endParaRPr lang="en-US"/>
           </a:p>
@@ -1727,7 +1726,7 @@
           <a:p>
             <a:fld id="{589191EA-6EF7-47D5-BED8-6793080C45E4}" type="datetimeFigureOut">
               <a:rPr lang="en-US" smtClean="0"/>
-              <a:t>11/23/2020</a:t>
+              <a:t>12/5/2020</a:t>
             </a:fld>
             <a:endParaRPr lang="en-US"/>
           </a:p>
@@ -1822,7 +1821,7 @@
           <a:p>
             <a:fld id="{589191EA-6EF7-47D5-BED8-6793080C45E4}" type="datetimeFigureOut">
               <a:rPr lang="en-US" smtClean="0"/>
-              <a:t>11/23/2020</a:t>
+              <a:t>12/5/2020</a:t>
             </a:fld>
             <a:endParaRPr lang="en-US"/>
           </a:p>
@@ -2099,7 +2098,7 @@
           <a:p>
             <a:fld id="{589191EA-6EF7-47D5-BED8-6793080C45E4}" type="datetimeFigureOut">
               <a:rPr lang="en-US" smtClean="0"/>
-              <a:t>11/23/2020</a:t>
+              <a:t>12/5/2020</a:t>
             </a:fld>
             <a:endParaRPr lang="en-US"/>
           </a:p>
@@ -2352,7 +2351,7 @@
           <a:p>
             <a:fld id="{589191EA-6EF7-47D5-BED8-6793080C45E4}" type="datetimeFigureOut">
               <a:rPr lang="en-US" smtClean="0"/>
-              <a:t>11/23/2020</a:t>
+              <a:t>12/5/2020</a:t>
             </a:fld>
             <a:endParaRPr lang="en-US"/>
           </a:p>
@@ -2565,7 +2564,7 @@
           <a:p>
             <a:fld id="{589191EA-6EF7-47D5-BED8-6793080C45E4}" type="datetimeFigureOut">
               <a:rPr lang="en-US" smtClean="0"/>
-              <a:t>11/23/2020</a:t>
+              <a:t>12/5/2020</a:t>
             </a:fld>
             <a:endParaRPr lang="en-US"/>
           </a:p>
@@ -3648,86 +3647,6 @@
             </a:fillRef>
             <a:effectRef idx="0">
               <a:schemeClr val="dk1"/>
-            </a:effectRef>
-            <a:fontRef idx="minor">
-              <a:schemeClr val="tx1"/>
-            </a:fontRef>
-          </p:style>
-        </p:cxnSp>
-        <p:cxnSp>
-          <p:nvCxnSpPr>
-            <p:cNvPr id="85" name="Straight Arrow Connector 84"/>
-            <p:cNvCxnSpPr>
-              <a:stCxn id="71" idx="2"/>
-              <a:endCxn id="66" idx="5"/>
-            </p:cNvCxnSpPr>
-            <p:nvPr/>
-          </p:nvCxnSpPr>
-          <p:spPr>
-            <a:xfrm flipH="1" flipV="1">
-              <a:off x="5891904" y="2923229"/>
-              <a:ext cx="695627" cy="248358"/>
-            </a:xfrm>
-            <a:prstGeom prst="straightConnector1">
-              <a:avLst/>
-            </a:prstGeom>
-            <a:ln w="12700">
-              <a:solidFill>
-                <a:schemeClr val="tx1"/>
-              </a:solidFill>
-              <a:prstDash val="dash"/>
-              <a:tailEnd type="triangle"/>
-            </a:ln>
-          </p:spPr>
-          <p:style>
-            <a:lnRef idx="1">
-              <a:schemeClr val="accent1"/>
-            </a:lnRef>
-            <a:fillRef idx="0">
-              <a:schemeClr val="accent1"/>
-            </a:fillRef>
-            <a:effectRef idx="0">
-              <a:schemeClr val="accent1"/>
-            </a:effectRef>
-            <a:fontRef idx="minor">
-              <a:schemeClr val="tx1"/>
-            </a:fontRef>
-          </p:style>
-        </p:cxnSp>
-        <p:cxnSp>
-          <p:nvCxnSpPr>
-            <p:cNvPr id="88" name="Straight Arrow Connector 87"/>
-            <p:cNvCxnSpPr>
-              <a:stCxn id="72" idx="2"/>
-              <a:endCxn id="66" idx="4"/>
-            </p:cNvCxnSpPr>
-            <p:nvPr/>
-          </p:nvCxnSpPr>
-          <p:spPr>
-            <a:xfrm flipH="1" flipV="1">
-              <a:off x="5371082" y="2979492"/>
-              <a:ext cx="1216449" cy="743356"/>
-            </a:xfrm>
-            <a:prstGeom prst="straightConnector1">
-              <a:avLst/>
-            </a:prstGeom>
-            <a:ln w="12700">
-              <a:solidFill>
-                <a:schemeClr val="tx1"/>
-              </a:solidFill>
-              <a:prstDash val="dash"/>
-              <a:tailEnd type="triangle"/>
-            </a:ln>
-          </p:spPr>
-          <p:style>
-            <a:lnRef idx="1">
-              <a:schemeClr val="accent1"/>
-            </a:lnRef>
-            <a:fillRef idx="0">
-              <a:schemeClr val="accent1"/>
-            </a:fillRef>
-            <a:effectRef idx="0">
-              <a:schemeClr val="accent1"/>
             </a:effectRef>
             <a:fontRef idx="minor">
               <a:schemeClr val="tx1"/>
@@ -4257,100 +4176,6 @@
         </p:grpSp>
         <p:sp>
           <p:nvSpPr>
-            <p:cNvPr id="110" name="TextBox 152"/>
-            <p:cNvSpPr txBox="1"/>
-            <p:nvPr/>
-          </p:nvSpPr>
-          <p:spPr>
-            <a:xfrm>
-              <a:off x="5364364" y="3206662"/>
-              <a:ext cx="850848" cy="246341"/>
-            </a:xfrm>
-            <a:prstGeom prst="rect">
-              <a:avLst/>
-            </a:prstGeom>
-            <a:noFill/>
-          </p:spPr>
-          <p:txBody>
-            <a:bodyPr wrap="none" rtlCol="0">
-              <a:spAutoFit/>
-            </a:bodyPr>
-            <a:lstStyle/>
-            <a:p>
-              <a:pPr>
-                <a:spcAft>
-                  <a:spcPts val="0"/>
-                </a:spcAft>
-              </a:pPr>
-              <a:r>
-                <a:rPr lang="id-ID" sz="1000" kern="1200" dirty="0">
-                  <a:solidFill>
-                    <a:srgbClr val="FF0000"/>
-                  </a:solidFill>
-                  <a:effectLst/>
-                  <a:latin typeface="Calibri" panose="020F0502020204030204" pitchFamily="34" charset="0"/>
-                  <a:ea typeface="Times New Roman" panose="02020603050405020304" pitchFamily="18" charset="0"/>
-                  <a:cs typeface="Times New Roman" panose="02020603050405020304" pitchFamily="18" charset="0"/>
-                </a:rPr>
-                <a:t>&lt;&lt; extend &gt;&gt;</a:t>
-              </a:r>
-              <a:endParaRPr lang="en-US" sz="1200" dirty="0">
-                <a:effectLst/>
-                <a:latin typeface="Times New Roman" panose="02020603050405020304" pitchFamily="18" charset="0"/>
-                <a:ea typeface="Times New Roman" panose="02020603050405020304" pitchFamily="18" charset="0"/>
-              </a:endParaRPr>
-            </a:p>
-          </p:txBody>
-        </p:sp>
-        <p:sp>
-          <p:nvSpPr>
-            <p:cNvPr id="111" name="TextBox 152"/>
-            <p:cNvSpPr txBox="1"/>
-            <p:nvPr/>
-          </p:nvSpPr>
-          <p:spPr>
-            <a:xfrm>
-              <a:off x="5802789" y="2912585"/>
-              <a:ext cx="850848" cy="246341"/>
-            </a:xfrm>
-            <a:prstGeom prst="rect">
-              <a:avLst/>
-            </a:prstGeom>
-            <a:noFill/>
-          </p:spPr>
-          <p:txBody>
-            <a:bodyPr wrap="none" rtlCol="0">
-              <a:spAutoFit/>
-            </a:bodyPr>
-            <a:lstStyle/>
-            <a:p>
-              <a:pPr>
-                <a:spcAft>
-                  <a:spcPts val="0"/>
-                </a:spcAft>
-              </a:pPr>
-              <a:r>
-                <a:rPr lang="id-ID" sz="1000" kern="1200" dirty="0">
-                  <a:solidFill>
-                    <a:srgbClr val="FF0000"/>
-                  </a:solidFill>
-                  <a:effectLst/>
-                  <a:latin typeface="Calibri" panose="020F0502020204030204" pitchFamily="34" charset="0"/>
-                  <a:ea typeface="Times New Roman" panose="02020603050405020304" pitchFamily="18" charset="0"/>
-                  <a:cs typeface="Times New Roman" panose="02020603050405020304" pitchFamily="18" charset="0"/>
-                </a:rPr>
-                <a:t>&lt;&lt; extend &gt;&gt;</a:t>
-              </a:r>
-              <a:endParaRPr lang="en-US" sz="1200" dirty="0">
-                <a:effectLst/>
-                <a:latin typeface="Times New Roman" panose="02020603050405020304" pitchFamily="18" charset="0"/>
-                <a:ea typeface="Times New Roman" panose="02020603050405020304" pitchFamily="18" charset="0"/>
-              </a:endParaRPr>
-            </a:p>
-          </p:txBody>
-        </p:sp>
-        <p:sp>
-          <p:nvSpPr>
             <p:cNvPr id="112" name="TextBox 152"/>
             <p:cNvSpPr txBox="1"/>
             <p:nvPr/>
@@ -4701,3666 +4526,82 @@
           </p:txBody>
         </p:sp>
       </p:grpSp>
+      <p:cxnSp>
+        <p:nvCxnSpPr>
+          <p:cNvPr id="4" name="Straight Arrow Connector 3"/>
+          <p:cNvCxnSpPr>
+            <a:stCxn id="71" idx="2"/>
+            <a:endCxn id="66" idx="5"/>
+          </p:cNvCxnSpPr>
+          <p:nvPr/>
+        </p:nvCxnSpPr>
+        <p:spPr>
+          <a:xfrm flipH="1" flipV="1">
+            <a:off x="5891904" y="2923229"/>
+            <a:ext cx="695627" cy="248358"/>
+          </a:xfrm>
+          <a:prstGeom prst="straightConnector1">
+            <a:avLst/>
+          </a:prstGeom>
+          <a:ln>
+            <a:tailEnd type="triangle"/>
+          </a:ln>
+        </p:spPr>
+        <p:style>
+          <a:lnRef idx="1">
+            <a:schemeClr val="dk1"/>
+          </a:lnRef>
+          <a:fillRef idx="0">
+            <a:schemeClr val="dk1"/>
+          </a:fillRef>
+          <a:effectRef idx="0">
+            <a:schemeClr val="dk1"/>
+          </a:effectRef>
+          <a:fontRef idx="minor">
+            <a:schemeClr val="tx1"/>
+          </a:fontRef>
+        </p:style>
+      </p:cxnSp>
+      <p:cxnSp>
+        <p:nvCxnSpPr>
+          <p:cNvPr id="6" name="Straight Arrow Connector 5"/>
+          <p:cNvCxnSpPr>
+            <a:stCxn id="72" idx="2"/>
+            <a:endCxn id="66" idx="4"/>
+          </p:cNvCxnSpPr>
+          <p:nvPr/>
+        </p:nvCxnSpPr>
+        <p:spPr>
+          <a:xfrm flipH="1" flipV="1">
+            <a:off x="5371082" y="2979492"/>
+            <a:ext cx="1216449" cy="743356"/>
+          </a:xfrm>
+          <a:prstGeom prst="straightConnector1">
+            <a:avLst/>
+          </a:prstGeom>
+          <a:ln>
+            <a:tailEnd type="triangle"/>
+          </a:ln>
+        </p:spPr>
+        <p:style>
+          <a:lnRef idx="1">
+            <a:schemeClr val="dk1"/>
+          </a:lnRef>
+          <a:fillRef idx="0">
+            <a:schemeClr val="dk1"/>
+          </a:fillRef>
+          <a:effectRef idx="0">
+            <a:schemeClr val="dk1"/>
+          </a:effectRef>
+          <a:fontRef idx="minor">
+            <a:schemeClr val="tx1"/>
+          </a:fontRef>
+        </p:style>
+      </p:cxnSp>
     </p:spTree>
     <p:extLst>
       <p:ext uri="{BB962C8B-B14F-4D97-AF65-F5344CB8AC3E}">
         <p14:creationId xmlns:p14="http://schemas.microsoft.com/office/powerpoint/2010/main" val="2255114629"/>
-      </p:ext>
-    </p:extLst>
-  </p:cSld>
-  <p:clrMapOvr>
-    <a:masterClrMapping/>
-  </p:clrMapOvr>
-</p:sld>
-</file>
-
-<file path=ppt/slides/slide2.xml><?xml version="1.0" encoding="utf-8"?>
-<p:sld xmlns:a="http://schemas.openxmlformats.org/drawingml/2006/main" xmlns:r="http://schemas.openxmlformats.org/officeDocument/2006/relationships" xmlns:p="http://schemas.openxmlformats.org/presentationml/2006/main">
-  <p:cSld>
-    <p:spTree>
-      <p:nvGrpSpPr>
-        <p:cNvPr id="1" name=""/>
-        <p:cNvGrpSpPr/>
-        <p:nvPr/>
-      </p:nvGrpSpPr>
-      <p:grpSpPr>
-        <a:xfrm>
-          <a:off x="0" y="0"/>
-          <a:ext cx="0" cy="0"/>
-          <a:chOff x="0" y="0"/>
-          <a:chExt cx="0" cy="0"/>
-        </a:xfrm>
-      </p:grpSpPr>
-      <p:grpSp>
-        <p:nvGrpSpPr>
-          <p:cNvPr id="204" name="Group 203"/>
-          <p:cNvGrpSpPr/>
-          <p:nvPr/>
-        </p:nvGrpSpPr>
-        <p:grpSpPr>
-          <a:xfrm>
-            <a:off x="202579" y="147888"/>
-            <a:ext cx="11494122" cy="6562224"/>
-            <a:chOff x="202579" y="0"/>
-            <a:chExt cx="11494122" cy="6562224"/>
-          </a:xfrm>
-        </p:grpSpPr>
-        <p:grpSp>
-          <p:nvGrpSpPr>
-            <p:cNvPr id="20" name="Group 19"/>
-            <p:cNvGrpSpPr/>
-            <p:nvPr/>
-          </p:nvGrpSpPr>
-          <p:grpSpPr>
-            <a:xfrm>
-              <a:off x="202579" y="254000"/>
-              <a:ext cx="667170" cy="1065196"/>
-              <a:chOff x="1927529" y="2184400"/>
-              <a:chExt cx="667170" cy="1065196"/>
-            </a:xfrm>
-          </p:grpSpPr>
-          <p:sp>
-            <p:nvSpPr>
-              <p:cNvPr id="14" name="TextBox 149"/>
-              <p:cNvSpPr txBox="1"/>
-              <p:nvPr/>
-            </p:nvSpPr>
-            <p:spPr>
-              <a:xfrm>
-                <a:off x="1927529" y="3003375"/>
-                <a:ext cx="667170" cy="246221"/>
-              </a:xfrm>
-              <a:prstGeom prst="rect">
-                <a:avLst/>
-              </a:prstGeom>
-              <a:noFill/>
-            </p:spPr>
-            <p:txBody>
-              <a:bodyPr wrap="none" rtlCol="0">
-                <a:spAutoFit/>
-              </a:bodyPr>
-              <a:lstStyle/>
-              <a:p>
-                <a:pPr>
-                  <a:spcAft>
-                    <a:spcPts val="0"/>
-                  </a:spcAft>
-                </a:pPr>
-                <a:r>
-                  <a:rPr lang="id-ID" sz="1000" dirty="0" smtClean="0">
-                    <a:latin typeface="Calibri" panose="020F0502020204030204" pitchFamily="34" charset="0"/>
-                    <a:ea typeface="Times New Roman" panose="02020603050405020304" pitchFamily="18" charset="0"/>
-                    <a:cs typeface="Times New Roman" panose="02020603050405020304" pitchFamily="18" charset="0"/>
-                  </a:rPr>
-                  <a:t>Apoteker</a:t>
-                </a:r>
-                <a:endParaRPr lang="en-US" sz="1200" dirty="0">
-                  <a:effectLst/>
-                  <a:latin typeface="Times New Roman" panose="02020603050405020304" pitchFamily="18" charset="0"/>
-                  <a:ea typeface="Times New Roman" panose="02020603050405020304" pitchFamily="18" charset="0"/>
-                </a:endParaRPr>
-              </a:p>
-            </p:txBody>
-          </p:sp>
-          <p:grpSp>
-            <p:nvGrpSpPr>
-              <p:cNvPr id="19" name="Group 18"/>
-              <p:cNvGrpSpPr/>
-              <p:nvPr/>
-            </p:nvGrpSpPr>
-            <p:grpSpPr>
-              <a:xfrm>
-                <a:off x="1945202" y="2184400"/>
-                <a:ext cx="631825" cy="818975"/>
-                <a:chOff x="1837252" y="2184400"/>
-                <a:chExt cx="631825" cy="818975"/>
-              </a:xfrm>
-            </p:grpSpPr>
-            <p:grpSp>
-              <p:nvGrpSpPr>
-                <p:cNvPr id="18" name="Group 17"/>
-                <p:cNvGrpSpPr/>
-                <p:nvPr/>
-              </p:nvGrpSpPr>
-              <p:grpSpPr>
-                <a:xfrm>
-                  <a:off x="2069161" y="2248718"/>
-                  <a:ext cx="265403" cy="690339"/>
-                  <a:chOff x="2096324" y="2243721"/>
-                  <a:chExt cx="265403" cy="690339"/>
-                </a:xfrm>
-              </p:grpSpPr>
-              <p:sp>
-                <p:nvSpPr>
-                  <p:cNvPr id="9" name="Oval 8"/>
-                  <p:cNvSpPr/>
-                  <p:nvPr/>
-                </p:nvSpPr>
-                <p:spPr>
-                  <a:xfrm>
-                    <a:off x="2096324" y="2243721"/>
-                    <a:ext cx="265403" cy="259951"/>
-                  </a:xfrm>
-                  <a:prstGeom prst="ellipse">
-                    <a:avLst/>
-                  </a:prstGeom>
-                  <a:noFill/>
-                </p:spPr>
-                <p:style>
-                  <a:lnRef idx="2">
-                    <a:schemeClr val="dk1"/>
-                  </a:lnRef>
-                  <a:fillRef idx="1">
-                    <a:schemeClr val="lt1"/>
-                  </a:fillRef>
-                  <a:effectRef idx="0">
-                    <a:schemeClr val="dk1"/>
-                  </a:effectRef>
-                  <a:fontRef idx="minor">
-                    <a:schemeClr val="dk1"/>
-                  </a:fontRef>
-                </p:style>
-                <p:txBody>
-                  <a:bodyPr rot="0" spcFirstLastPara="0" vert="horz" wrap="square" lIns="91440" tIns="45720" rIns="91440" bIns="45720" numCol="1" spcCol="0" rtlCol="0" fromWordArt="0" anchor="ctr" anchorCtr="0" forceAA="0" compatLnSpc="1">
-                    <a:prstTxWarp prst="textNoShape">
-                      <a:avLst/>
-                    </a:prstTxWarp>
-                    <a:noAutofit/>
-                  </a:bodyPr>
-                  <a:lstStyle/>
-                  <a:p>
-                    <a:endParaRPr lang="en-US"/>
-                  </a:p>
-                </p:txBody>
-              </p:sp>
-              <p:cxnSp>
-                <p:nvCxnSpPr>
-                  <p:cNvPr id="10" name="Straight Connector 9"/>
-                  <p:cNvCxnSpPr/>
-                  <p:nvPr/>
-                </p:nvCxnSpPr>
-                <p:spPr>
-                  <a:xfrm>
-                    <a:off x="2229458" y="2502807"/>
-                    <a:ext cx="0" cy="287952"/>
-                  </a:xfrm>
-                  <a:prstGeom prst="line">
-                    <a:avLst/>
-                  </a:prstGeom>
-                  <a:ln w="12700"/>
-                </p:spPr>
-                <p:style>
-                  <a:lnRef idx="1">
-                    <a:schemeClr val="dk1"/>
-                  </a:lnRef>
-                  <a:fillRef idx="0">
-                    <a:schemeClr val="dk1"/>
-                  </a:fillRef>
-                  <a:effectRef idx="0">
-                    <a:schemeClr val="dk1"/>
-                  </a:effectRef>
-                  <a:fontRef idx="minor">
-                    <a:schemeClr val="tx1"/>
-                  </a:fontRef>
-                </p:style>
-              </p:cxnSp>
-              <p:cxnSp>
-                <p:nvCxnSpPr>
-                  <p:cNvPr id="11" name="Straight Connector 10"/>
-                  <p:cNvCxnSpPr/>
-                  <p:nvPr/>
-                </p:nvCxnSpPr>
-                <p:spPr>
-                  <a:xfrm>
-                    <a:off x="2227959" y="2790759"/>
-                    <a:ext cx="125387" cy="143301"/>
-                  </a:xfrm>
-                  <a:prstGeom prst="line">
-                    <a:avLst/>
-                  </a:prstGeom>
-                  <a:ln w="12700"/>
-                </p:spPr>
-                <p:style>
-                  <a:lnRef idx="1">
-                    <a:schemeClr val="dk1"/>
-                  </a:lnRef>
-                  <a:fillRef idx="0">
-                    <a:schemeClr val="dk1"/>
-                  </a:fillRef>
-                  <a:effectRef idx="0">
-                    <a:schemeClr val="dk1"/>
-                  </a:effectRef>
-                  <a:fontRef idx="minor">
-                    <a:schemeClr val="tx1"/>
-                  </a:fontRef>
-                </p:style>
-              </p:cxnSp>
-              <p:cxnSp>
-                <p:nvCxnSpPr>
-                  <p:cNvPr id="12" name="Straight Connector 11"/>
-                  <p:cNvCxnSpPr/>
-                  <p:nvPr/>
-                </p:nvCxnSpPr>
-                <p:spPr>
-                  <a:xfrm flipH="1">
-                    <a:off x="2104071" y="2790759"/>
-                    <a:ext cx="125387" cy="143301"/>
-                  </a:xfrm>
-                  <a:prstGeom prst="line">
-                    <a:avLst/>
-                  </a:prstGeom>
-                  <a:ln w="12700"/>
-                </p:spPr>
-                <p:style>
-                  <a:lnRef idx="1">
-                    <a:schemeClr val="dk1"/>
-                  </a:lnRef>
-                  <a:fillRef idx="0">
-                    <a:schemeClr val="dk1"/>
-                  </a:fillRef>
-                  <a:effectRef idx="0">
-                    <a:schemeClr val="dk1"/>
-                  </a:effectRef>
-                  <a:fontRef idx="minor">
-                    <a:schemeClr val="tx1"/>
-                  </a:fontRef>
-                </p:style>
-              </p:cxnSp>
-              <p:cxnSp>
-                <p:nvCxnSpPr>
-                  <p:cNvPr id="13" name="Straight Connector 12"/>
-                  <p:cNvCxnSpPr/>
-                  <p:nvPr/>
-                </p:nvCxnSpPr>
-                <p:spPr>
-                  <a:xfrm>
-                    <a:off x="2121362" y="2582173"/>
-                    <a:ext cx="208978" cy="0"/>
-                  </a:xfrm>
-                  <a:prstGeom prst="line">
-                    <a:avLst/>
-                  </a:prstGeom>
-                  <a:ln w="12700"/>
-                </p:spPr>
-                <p:style>
-                  <a:lnRef idx="1">
-                    <a:schemeClr val="dk1"/>
-                  </a:lnRef>
-                  <a:fillRef idx="0">
-                    <a:schemeClr val="dk1"/>
-                  </a:fillRef>
-                  <a:effectRef idx="0">
-                    <a:schemeClr val="dk1"/>
-                  </a:effectRef>
-                  <a:fontRef idx="minor">
-                    <a:schemeClr val="tx1"/>
-                  </a:fontRef>
-                </p:style>
-              </p:cxnSp>
-            </p:grpSp>
-            <p:sp>
-              <p:nvSpPr>
-                <p:cNvPr id="17" name="Rectangle 16"/>
-                <p:cNvSpPr/>
-                <p:nvPr/>
-              </p:nvSpPr>
-              <p:spPr>
-                <a:xfrm>
-                  <a:off x="1837252" y="2184400"/>
-                  <a:ext cx="631825" cy="818975"/>
-                </a:xfrm>
-                <a:prstGeom prst="rect">
-                  <a:avLst/>
-                </a:prstGeom>
-                <a:noFill/>
-              </p:spPr>
-              <p:style>
-                <a:lnRef idx="2">
-                  <a:schemeClr val="dk1"/>
-                </a:lnRef>
-                <a:fillRef idx="1">
-                  <a:schemeClr val="lt1"/>
-                </a:fillRef>
-                <a:effectRef idx="0">
-                  <a:schemeClr val="dk1"/>
-                </a:effectRef>
-                <a:fontRef idx="minor">
-                  <a:schemeClr val="dk1"/>
-                </a:fontRef>
-              </p:style>
-              <p:txBody>
-                <a:bodyPr rtlCol="0" anchor="ctr"/>
-                <a:lstStyle/>
-                <a:p>
-                  <a:pPr algn="ctr"/>
-                  <a:endParaRPr lang="en-US"/>
-                </a:p>
-              </p:txBody>
-            </p:sp>
-          </p:grpSp>
-        </p:grpSp>
-        <p:grpSp>
-          <p:nvGrpSpPr>
-            <p:cNvPr id="21" name="Group 20"/>
-            <p:cNvGrpSpPr/>
-            <p:nvPr/>
-          </p:nvGrpSpPr>
-          <p:grpSpPr>
-            <a:xfrm>
-              <a:off x="202579" y="2875514"/>
-              <a:ext cx="729221" cy="1065196"/>
-              <a:chOff x="1896504" y="2184400"/>
-              <a:chExt cx="729221" cy="1065196"/>
-            </a:xfrm>
-          </p:grpSpPr>
-          <p:sp>
-            <p:nvSpPr>
-              <p:cNvPr id="22" name="TextBox 149"/>
-              <p:cNvSpPr txBox="1"/>
-              <p:nvPr/>
-            </p:nvSpPr>
-            <p:spPr>
-              <a:xfrm>
-                <a:off x="1896504" y="3003375"/>
-                <a:ext cx="606256" cy="246221"/>
-              </a:xfrm>
-              <a:prstGeom prst="rect">
-                <a:avLst/>
-              </a:prstGeom>
-              <a:noFill/>
-            </p:spPr>
-            <p:txBody>
-              <a:bodyPr wrap="none" rtlCol="0">
-                <a:spAutoFit/>
-              </a:bodyPr>
-              <a:lstStyle/>
-              <a:p>
-                <a:pPr>
-                  <a:spcAft>
-                    <a:spcPts val="0"/>
-                  </a:spcAft>
-                </a:pPr>
-                <a:r>
-                  <a:rPr lang="id-ID" sz="1000" dirty="0" smtClean="0">
-                    <a:latin typeface="Calibri" panose="020F0502020204030204" pitchFamily="34" charset="0"/>
-                    <a:ea typeface="Times New Roman" panose="02020603050405020304" pitchFamily="18" charset="0"/>
-                    <a:cs typeface="Times New Roman" panose="02020603050405020304" pitchFamily="18" charset="0"/>
-                  </a:rPr>
-                  <a:t>Pembeli</a:t>
-                </a:r>
-              </a:p>
-            </p:txBody>
-          </p:sp>
-          <p:grpSp>
-            <p:nvGrpSpPr>
-              <p:cNvPr id="23" name="Group 22"/>
-              <p:cNvGrpSpPr/>
-              <p:nvPr/>
-            </p:nvGrpSpPr>
-            <p:grpSpPr>
-              <a:xfrm>
-                <a:off x="1993900" y="2184400"/>
-                <a:ext cx="631825" cy="818975"/>
-                <a:chOff x="1885950" y="2184400"/>
-                <a:chExt cx="631825" cy="818975"/>
-              </a:xfrm>
-            </p:grpSpPr>
-            <p:grpSp>
-              <p:nvGrpSpPr>
-                <p:cNvPr id="24" name="Group 23"/>
-                <p:cNvGrpSpPr/>
-                <p:nvPr/>
-              </p:nvGrpSpPr>
-              <p:grpSpPr>
-                <a:xfrm>
-                  <a:off x="2069161" y="2248718"/>
-                  <a:ext cx="265403" cy="690339"/>
-                  <a:chOff x="2096324" y="2243721"/>
-                  <a:chExt cx="265403" cy="690339"/>
-                </a:xfrm>
-              </p:grpSpPr>
-              <p:sp>
-                <p:nvSpPr>
-                  <p:cNvPr id="26" name="Oval 25"/>
-                  <p:cNvSpPr/>
-                  <p:nvPr/>
-                </p:nvSpPr>
-                <p:spPr>
-                  <a:xfrm>
-                    <a:off x="2096324" y="2243721"/>
-                    <a:ext cx="265403" cy="259951"/>
-                  </a:xfrm>
-                  <a:prstGeom prst="ellipse">
-                    <a:avLst/>
-                  </a:prstGeom>
-                  <a:noFill/>
-                </p:spPr>
-                <p:style>
-                  <a:lnRef idx="2">
-                    <a:schemeClr val="dk1"/>
-                  </a:lnRef>
-                  <a:fillRef idx="1">
-                    <a:schemeClr val="lt1"/>
-                  </a:fillRef>
-                  <a:effectRef idx="0">
-                    <a:schemeClr val="dk1"/>
-                  </a:effectRef>
-                  <a:fontRef idx="minor">
-                    <a:schemeClr val="dk1"/>
-                  </a:fontRef>
-                </p:style>
-                <p:txBody>
-                  <a:bodyPr rot="0" spcFirstLastPara="0" vert="horz" wrap="square" lIns="91440" tIns="45720" rIns="91440" bIns="45720" numCol="1" spcCol="0" rtlCol="0" fromWordArt="0" anchor="ctr" anchorCtr="0" forceAA="0" compatLnSpc="1">
-                    <a:prstTxWarp prst="textNoShape">
-                      <a:avLst/>
-                    </a:prstTxWarp>
-                    <a:noAutofit/>
-                  </a:bodyPr>
-                  <a:lstStyle/>
-                  <a:p>
-                    <a:endParaRPr lang="en-US"/>
-                  </a:p>
-                </p:txBody>
-              </p:sp>
-              <p:cxnSp>
-                <p:nvCxnSpPr>
-                  <p:cNvPr id="27" name="Straight Connector 26"/>
-                  <p:cNvCxnSpPr/>
-                  <p:nvPr/>
-                </p:nvCxnSpPr>
-                <p:spPr>
-                  <a:xfrm>
-                    <a:off x="2229458" y="2502807"/>
-                    <a:ext cx="0" cy="287952"/>
-                  </a:xfrm>
-                  <a:prstGeom prst="line">
-                    <a:avLst/>
-                  </a:prstGeom>
-                  <a:ln w="12700"/>
-                </p:spPr>
-                <p:style>
-                  <a:lnRef idx="1">
-                    <a:schemeClr val="dk1"/>
-                  </a:lnRef>
-                  <a:fillRef idx="0">
-                    <a:schemeClr val="dk1"/>
-                  </a:fillRef>
-                  <a:effectRef idx="0">
-                    <a:schemeClr val="dk1"/>
-                  </a:effectRef>
-                  <a:fontRef idx="minor">
-                    <a:schemeClr val="tx1"/>
-                  </a:fontRef>
-                </p:style>
-              </p:cxnSp>
-              <p:cxnSp>
-                <p:nvCxnSpPr>
-                  <p:cNvPr id="28" name="Straight Connector 27"/>
-                  <p:cNvCxnSpPr/>
-                  <p:nvPr/>
-                </p:nvCxnSpPr>
-                <p:spPr>
-                  <a:xfrm>
-                    <a:off x="2227959" y="2790759"/>
-                    <a:ext cx="125387" cy="143301"/>
-                  </a:xfrm>
-                  <a:prstGeom prst="line">
-                    <a:avLst/>
-                  </a:prstGeom>
-                  <a:ln w="12700"/>
-                </p:spPr>
-                <p:style>
-                  <a:lnRef idx="1">
-                    <a:schemeClr val="dk1"/>
-                  </a:lnRef>
-                  <a:fillRef idx="0">
-                    <a:schemeClr val="dk1"/>
-                  </a:fillRef>
-                  <a:effectRef idx="0">
-                    <a:schemeClr val="dk1"/>
-                  </a:effectRef>
-                  <a:fontRef idx="minor">
-                    <a:schemeClr val="tx1"/>
-                  </a:fontRef>
-                </p:style>
-              </p:cxnSp>
-              <p:cxnSp>
-                <p:nvCxnSpPr>
-                  <p:cNvPr id="29" name="Straight Connector 28"/>
-                  <p:cNvCxnSpPr/>
-                  <p:nvPr/>
-                </p:nvCxnSpPr>
-                <p:spPr>
-                  <a:xfrm flipH="1">
-                    <a:off x="2104071" y="2790759"/>
-                    <a:ext cx="125387" cy="143301"/>
-                  </a:xfrm>
-                  <a:prstGeom prst="line">
-                    <a:avLst/>
-                  </a:prstGeom>
-                  <a:ln w="12700"/>
-                </p:spPr>
-                <p:style>
-                  <a:lnRef idx="1">
-                    <a:schemeClr val="dk1"/>
-                  </a:lnRef>
-                  <a:fillRef idx="0">
-                    <a:schemeClr val="dk1"/>
-                  </a:fillRef>
-                  <a:effectRef idx="0">
-                    <a:schemeClr val="dk1"/>
-                  </a:effectRef>
-                  <a:fontRef idx="minor">
-                    <a:schemeClr val="tx1"/>
-                  </a:fontRef>
-                </p:style>
-              </p:cxnSp>
-              <p:cxnSp>
-                <p:nvCxnSpPr>
-                  <p:cNvPr id="30" name="Straight Connector 29"/>
-                  <p:cNvCxnSpPr/>
-                  <p:nvPr/>
-                </p:nvCxnSpPr>
-                <p:spPr>
-                  <a:xfrm>
-                    <a:off x="2121362" y="2582173"/>
-                    <a:ext cx="208978" cy="0"/>
-                  </a:xfrm>
-                  <a:prstGeom prst="line">
-                    <a:avLst/>
-                  </a:prstGeom>
-                  <a:ln w="12700"/>
-                </p:spPr>
-                <p:style>
-                  <a:lnRef idx="1">
-                    <a:schemeClr val="dk1"/>
-                  </a:lnRef>
-                  <a:fillRef idx="0">
-                    <a:schemeClr val="dk1"/>
-                  </a:fillRef>
-                  <a:effectRef idx="0">
-                    <a:schemeClr val="dk1"/>
-                  </a:effectRef>
-                  <a:fontRef idx="minor">
-                    <a:schemeClr val="tx1"/>
-                  </a:fontRef>
-                </p:style>
-              </p:cxnSp>
-            </p:grpSp>
-            <p:sp>
-              <p:nvSpPr>
-                <p:cNvPr id="25" name="Rectangle 24"/>
-                <p:cNvSpPr/>
-                <p:nvPr/>
-              </p:nvSpPr>
-              <p:spPr>
-                <a:xfrm>
-                  <a:off x="1885950" y="2184400"/>
-                  <a:ext cx="631825" cy="818975"/>
-                </a:xfrm>
-                <a:prstGeom prst="rect">
-                  <a:avLst/>
-                </a:prstGeom>
-                <a:noFill/>
-              </p:spPr>
-              <p:style>
-                <a:lnRef idx="2">
-                  <a:schemeClr val="dk1"/>
-                </a:lnRef>
-                <a:fillRef idx="1">
-                  <a:schemeClr val="lt1"/>
-                </a:fillRef>
-                <a:effectRef idx="0">
-                  <a:schemeClr val="dk1"/>
-                </a:effectRef>
-                <a:fontRef idx="minor">
-                  <a:schemeClr val="dk1"/>
-                </a:fontRef>
-              </p:style>
-              <p:txBody>
-                <a:bodyPr rtlCol="0" anchor="ctr"/>
-                <a:lstStyle/>
-                <a:p>
-                  <a:pPr algn="ctr"/>
-                  <a:endParaRPr lang="en-US"/>
-                </a:p>
-              </p:txBody>
-            </p:sp>
-          </p:grpSp>
-        </p:grpSp>
-        <p:grpSp>
-          <p:nvGrpSpPr>
-            <p:cNvPr id="31" name="Group 30"/>
-            <p:cNvGrpSpPr/>
-            <p:nvPr/>
-          </p:nvGrpSpPr>
-          <p:grpSpPr>
-            <a:xfrm>
-              <a:off x="202579" y="5497028"/>
-              <a:ext cx="729221" cy="1065196"/>
-              <a:chOff x="1896504" y="2184400"/>
-              <a:chExt cx="729221" cy="1065196"/>
-            </a:xfrm>
-          </p:grpSpPr>
-          <p:sp>
-            <p:nvSpPr>
-              <p:cNvPr id="32" name="TextBox 149"/>
-              <p:cNvSpPr txBox="1"/>
-              <p:nvPr/>
-            </p:nvSpPr>
-            <p:spPr>
-              <a:xfrm>
-                <a:off x="1896504" y="3003375"/>
-                <a:ext cx="561372" cy="246221"/>
-              </a:xfrm>
-              <a:prstGeom prst="rect">
-                <a:avLst/>
-              </a:prstGeom>
-              <a:noFill/>
-            </p:spPr>
-            <p:txBody>
-              <a:bodyPr wrap="none" rtlCol="0">
-                <a:spAutoFit/>
-              </a:bodyPr>
-              <a:lstStyle/>
-              <a:p>
-                <a:pPr>
-                  <a:spcAft>
-                    <a:spcPts val="0"/>
-                  </a:spcAft>
-                </a:pPr>
-                <a:r>
-                  <a:rPr lang="id-ID" sz="1000" dirty="0" smtClean="0">
-                    <a:latin typeface="Calibri" panose="020F0502020204030204" pitchFamily="34" charset="0"/>
-                    <a:ea typeface="Times New Roman" panose="02020603050405020304" pitchFamily="18" charset="0"/>
-                    <a:cs typeface="Times New Roman" panose="02020603050405020304" pitchFamily="18" charset="0"/>
-                  </a:rPr>
-                  <a:t>Pemilik</a:t>
-                </a:r>
-                <a:endParaRPr lang="en-US" sz="1200" dirty="0">
-                  <a:effectLst/>
-                  <a:latin typeface="Times New Roman" panose="02020603050405020304" pitchFamily="18" charset="0"/>
-                  <a:ea typeface="Times New Roman" panose="02020603050405020304" pitchFamily="18" charset="0"/>
-                </a:endParaRPr>
-              </a:p>
-            </p:txBody>
-          </p:sp>
-          <p:grpSp>
-            <p:nvGrpSpPr>
-              <p:cNvPr id="33" name="Group 32"/>
-              <p:cNvGrpSpPr/>
-              <p:nvPr/>
-            </p:nvGrpSpPr>
-            <p:grpSpPr>
-              <a:xfrm>
-                <a:off x="1993900" y="2184400"/>
-                <a:ext cx="631825" cy="818975"/>
-                <a:chOff x="1885950" y="2184400"/>
-                <a:chExt cx="631825" cy="818975"/>
-              </a:xfrm>
-            </p:grpSpPr>
-            <p:grpSp>
-              <p:nvGrpSpPr>
-                <p:cNvPr id="34" name="Group 33"/>
-                <p:cNvGrpSpPr/>
-                <p:nvPr/>
-              </p:nvGrpSpPr>
-              <p:grpSpPr>
-                <a:xfrm>
-                  <a:off x="2069161" y="2248718"/>
-                  <a:ext cx="265403" cy="690339"/>
-                  <a:chOff x="2096324" y="2243721"/>
-                  <a:chExt cx="265403" cy="690339"/>
-                </a:xfrm>
-              </p:grpSpPr>
-              <p:sp>
-                <p:nvSpPr>
-                  <p:cNvPr id="36" name="Oval 35"/>
-                  <p:cNvSpPr/>
-                  <p:nvPr/>
-                </p:nvSpPr>
-                <p:spPr>
-                  <a:xfrm>
-                    <a:off x="2096324" y="2243721"/>
-                    <a:ext cx="265403" cy="259951"/>
-                  </a:xfrm>
-                  <a:prstGeom prst="ellipse">
-                    <a:avLst/>
-                  </a:prstGeom>
-                  <a:noFill/>
-                </p:spPr>
-                <p:style>
-                  <a:lnRef idx="2">
-                    <a:schemeClr val="dk1"/>
-                  </a:lnRef>
-                  <a:fillRef idx="1">
-                    <a:schemeClr val="lt1"/>
-                  </a:fillRef>
-                  <a:effectRef idx="0">
-                    <a:schemeClr val="dk1"/>
-                  </a:effectRef>
-                  <a:fontRef idx="minor">
-                    <a:schemeClr val="dk1"/>
-                  </a:fontRef>
-                </p:style>
-                <p:txBody>
-                  <a:bodyPr rot="0" spcFirstLastPara="0" vert="horz" wrap="square" lIns="91440" tIns="45720" rIns="91440" bIns="45720" numCol="1" spcCol="0" rtlCol="0" fromWordArt="0" anchor="ctr" anchorCtr="0" forceAA="0" compatLnSpc="1">
-                    <a:prstTxWarp prst="textNoShape">
-                      <a:avLst/>
-                    </a:prstTxWarp>
-                    <a:noAutofit/>
-                  </a:bodyPr>
-                  <a:lstStyle/>
-                  <a:p>
-                    <a:endParaRPr lang="en-US"/>
-                  </a:p>
-                </p:txBody>
-              </p:sp>
-              <p:cxnSp>
-                <p:nvCxnSpPr>
-                  <p:cNvPr id="37" name="Straight Connector 36"/>
-                  <p:cNvCxnSpPr/>
-                  <p:nvPr/>
-                </p:nvCxnSpPr>
-                <p:spPr>
-                  <a:xfrm>
-                    <a:off x="2229458" y="2502807"/>
-                    <a:ext cx="0" cy="287952"/>
-                  </a:xfrm>
-                  <a:prstGeom prst="line">
-                    <a:avLst/>
-                  </a:prstGeom>
-                  <a:ln w="12700"/>
-                </p:spPr>
-                <p:style>
-                  <a:lnRef idx="1">
-                    <a:schemeClr val="dk1"/>
-                  </a:lnRef>
-                  <a:fillRef idx="0">
-                    <a:schemeClr val="dk1"/>
-                  </a:fillRef>
-                  <a:effectRef idx="0">
-                    <a:schemeClr val="dk1"/>
-                  </a:effectRef>
-                  <a:fontRef idx="minor">
-                    <a:schemeClr val="tx1"/>
-                  </a:fontRef>
-                </p:style>
-              </p:cxnSp>
-              <p:cxnSp>
-                <p:nvCxnSpPr>
-                  <p:cNvPr id="38" name="Straight Connector 37"/>
-                  <p:cNvCxnSpPr/>
-                  <p:nvPr/>
-                </p:nvCxnSpPr>
-                <p:spPr>
-                  <a:xfrm>
-                    <a:off x="2227959" y="2790759"/>
-                    <a:ext cx="125387" cy="143301"/>
-                  </a:xfrm>
-                  <a:prstGeom prst="line">
-                    <a:avLst/>
-                  </a:prstGeom>
-                  <a:ln w="12700"/>
-                </p:spPr>
-                <p:style>
-                  <a:lnRef idx="1">
-                    <a:schemeClr val="dk1"/>
-                  </a:lnRef>
-                  <a:fillRef idx="0">
-                    <a:schemeClr val="dk1"/>
-                  </a:fillRef>
-                  <a:effectRef idx="0">
-                    <a:schemeClr val="dk1"/>
-                  </a:effectRef>
-                  <a:fontRef idx="minor">
-                    <a:schemeClr val="tx1"/>
-                  </a:fontRef>
-                </p:style>
-              </p:cxnSp>
-              <p:cxnSp>
-                <p:nvCxnSpPr>
-                  <p:cNvPr id="39" name="Straight Connector 38"/>
-                  <p:cNvCxnSpPr/>
-                  <p:nvPr/>
-                </p:nvCxnSpPr>
-                <p:spPr>
-                  <a:xfrm flipH="1">
-                    <a:off x="2104071" y="2790759"/>
-                    <a:ext cx="125387" cy="143301"/>
-                  </a:xfrm>
-                  <a:prstGeom prst="line">
-                    <a:avLst/>
-                  </a:prstGeom>
-                  <a:ln w="12700"/>
-                </p:spPr>
-                <p:style>
-                  <a:lnRef idx="1">
-                    <a:schemeClr val="dk1"/>
-                  </a:lnRef>
-                  <a:fillRef idx="0">
-                    <a:schemeClr val="dk1"/>
-                  </a:fillRef>
-                  <a:effectRef idx="0">
-                    <a:schemeClr val="dk1"/>
-                  </a:effectRef>
-                  <a:fontRef idx="minor">
-                    <a:schemeClr val="tx1"/>
-                  </a:fontRef>
-                </p:style>
-              </p:cxnSp>
-              <p:cxnSp>
-                <p:nvCxnSpPr>
-                  <p:cNvPr id="40" name="Straight Connector 39"/>
-                  <p:cNvCxnSpPr/>
-                  <p:nvPr/>
-                </p:nvCxnSpPr>
-                <p:spPr>
-                  <a:xfrm>
-                    <a:off x="2121362" y="2582173"/>
-                    <a:ext cx="208978" cy="0"/>
-                  </a:xfrm>
-                  <a:prstGeom prst="line">
-                    <a:avLst/>
-                  </a:prstGeom>
-                  <a:ln w="12700"/>
-                </p:spPr>
-                <p:style>
-                  <a:lnRef idx="1">
-                    <a:schemeClr val="dk1"/>
-                  </a:lnRef>
-                  <a:fillRef idx="0">
-                    <a:schemeClr val="dk1"/>
-                  </a:fillRef>
-                  <a:effectRef idx="0">
-                    <a:schemeClr val="dk1"/>
-                  </a:effectRef>
-                  <a:fontRef idx="minor">
-                    <a:schemeClr val="tx1"/>
-                  </a:fontRef>
-                </p:style>
-              </p:cxnSp>
-            </p:grpSp>
-            <p:sp>
-              <p:nvSpPr>
-                <p:cNvPr id="35" name="Rectangle 34"/>
-                <p:cNvSpPr/>
-                <p:nvPr/>
-              </p:nvSpPr>
-              <p:spPr>
-                <a:xfrm>
-                  <a:off x="1885950" y="2184400"/>
-                  <a:ext cx="631825" cy="818975"/>
-                </a:xfrm>
-                <a:prstGeom prst="rect">
-                  <a:avLst/>
-                </a:prstGeom>
-                <a:noFill/>
-              </p:spPr>
-              <p:style>
-                <a:lnRef idx="2">
-                  <a:schemeClr val="dk1"/>
-                </a:lnRef>
-                <a:fillRef idx="1">
-                  <a:schemeClr val="lt1"/>
-                </a:fillRef>
-                <a:effectRef idx="0">
-                  <a:schemeClr val="dk1"/>
-                </a:effectRef>
-                <a:fontRef idx="minor">
-                  <a:schemeClr val="dk1"/>
-                </a:fontRef>
-              </p:style>
-              <p:txBody>
-                <a:bodyPr rtlCol="0" anchor="ctr"/>
-                <a:lstStyle/>
-                <a:p>
-                  <a:pPr algn="ctr"/>
-                  <a:endParaRPr lang="en-US"/>
-                </a:p>
-              </p:txBody>
-            </p:sp>
-          </p:grpSp>
-        </p:grpSp>
-        <p:sp>
-          <p:nvSpPr>
-            <p:cNvPr id="41" name="Rectangle 40"/>
-            <p:cNvSpPr/>
-            <p:nvPr/>
-          </p:nvSpPr>
-          <p:spPr>
-            <a:xfrm>
-              <a:off x="2717801" y="0"/>
-              <a:ext cx="8978900" cy="6453155"/>
-            </a:xfrm>
-            <a:prstGeom prst="rect">
-              <a:avLst/>
-            </a:prstGeom>
-            <a:noFill/>
-          </p:spPr>
-          <p:style>
-            <a:lnRef idx="2">
-              <a:schemeClr val="dk1"/>
-            </a:lnRef>
-            <a:fillRef idx="1">
-              <a:schemeClr val="lt1"/>
-            </a:fillRef>
-            <a:effectRef idx="0">
-              <a:schemeClr val="dk1"/>
-            </a:effectRef>
-            <a:fontRef idx="minor">
-              <a:schemeClr val="dk1"/>
-            </a:fontRef>
-          </p:style>
-          <p:txBody>
-            <a:bodyPr rtlCol="0" anchor="t"/>
-            <a:lstStyle/>
-            <a:p>
-              <a:pPr algn="ctr"/>
-              <a:r>
-                <a:rPr lang="id-ID" dirty="0" smtClean="0"/>
-                <a:t>Sistem Informasi Pengelolaan Apotek</a:t>
-              </a:r>
-              <a:endParaRPr lang="en-US" dirty="0"/>
-            </a:p>
-          </p:txBody>
-        </p:sp>
-        <p:sp>
-          <p:nvSpPr>
-            <p:cNvPr id="42" name="Oval 41"/>
-            <p:cNvSpPr/>
-            <p:nvPr/>
-          </p:nvSpPr>
-          <p:spPr>
-            <a:xfrm>
-              <a:off x="3218478" y="481166"/>
-              <a:ext cx="1473109" cy="384190"/>
-            </a:xfrm>
-            <a:prstGeom prst="ellipse">
-              <a:avLst/>
-            </a:prstGeom>
-          </p:spPr>
-          <p:style>
-            <a:lnRef idx="2">
-              <a:schemeClr val="dk1"/>
-            </a:lnRef>
-            <a:fillRef idx="1">
-              <a:schemeClr val="lt1"/>
-            </a:fillRef>
-            <a:effectRef idx="0">
-              <a:schemeClr val="dk1"/>
-            </a:effectRef>
-            <a:fontRef idx="minor">
-              <a:schemeClr val="dk1"/>
-            </a:fontRef>
-          </p:style>
-          <p:txBody>
-            <a:bodyPr rot="0" spcFirstLastPara="0" vert="horz" wrap="square" lIns="91440" tIns="45720" rIns="91440" bIns="45720" numCol="1" spcCol="0" rtlCol="0" fromWordArt="0" anchor="ctr" anchorCtr="0" forceAA="0" compatLnSpc="1">
-              <a:prstTxWarp prst="textNoShape">
-                <a:avLst/>
-              </a:prstTxWarp>
-              <a:noAutofit/>
-            </a:bodyPr>
-            <a:lstStyle/>
-            <a:p>
-              <a:pPr algn="ctr">
-                <a:spcAft>
-                  <a:spcPts val="0"/>
-                </a:spcAft>
-              </a:pPr>
-              <a:r>
-                <a:rPr lang="id-ID" sz="900" kern="1200" dirty="0" smtClean="0">
-                  <a:solidFill>
-                    <a:srgbClr val="000000"/>
-                  </a:solidFill>
-                  <a:effectLst/>
-                  <a:ea typeface="Times New Roman" panose="02020603050405020304" pitchFamily="18" charset="0"/>
-                  <a:cs typeface="Times New Roman" panose="02020603050405020304" pitchFamily="18" charset="0"/>
-                </a:rPr>
-                <a:t>Penjualan</a:t>
-              </a:r>
-              <a:endParaRPr lang="en-US" sz="1600" dirty="0">
-                <a:effectLst/>
-                <a:latin typeface="Times New Roman" panose="02020603050405020304" pitchFamily="18" charset="0"/>
-                <a:ea typeface="Times New Roman" panose="02020603050405020304" pitchFamily="18" charset="0"/>
-              </a:endParaRPr>
-            </a:p>
-          </p:txBody>
-        </p:sp>
-        <p:sp>
-          <p:nvSpPr>
-            <p:cNvPr id="43" name="Oval 42"/>
-            <p:cNvSpPr/>
-            <p:nvPr/>
-          </p:nvSpPr>
-          <p:spPr>
-            <a:xfrm>
-              <a:off x="3218478" y="1549019"/>
-              <a:ext cx="1473109" cy="384190"/>
-            </a:xfrm>
-            <a:prstGeom prst="ellipse">
-              <a:avLst/>
-            </a:prstGeom>
-          </p:spPr>
-          <p:style>
-            <a:lnRef idx="2">
-              <a:schemeClr val="dk1"/>
-            </a:lnRef>
-            <a:fillRef idx="1">
-              <a:schemeClr val="lt1"/>
-            </a:fillRef>
-            <a:effectRef idx="0">
-              <a:schemeClr val="dk1"/>
-            </a:effectRef>
-            <a:fontRef idx="minor">
-              <a:schemeClr val="dk1"/>
-            </a:fontRef>
-          </p:style>
-          <p:txBody>
-            <a:bodyPr rot="0" spcFirstLastPara="0" vert="horz" wrap="square" lIns="91440" tIns="45720" rIns="91440" bIns="45720" numCol="1" spcCol="0" rtlCol="0" fromWordArt="0" anchor="ctr" anchorCtr="0" forceAA="0" compatLnSpc="1">
-              <a:prstTxWarp prst="textNoShape">
-                <a:avLst/>
-              </a:prstTxWarp>
-              <a:noAutofit/>
-            </a:bodyPr>
-            <a:lstStyle/>
-            <a:p>
-              <a:pPr algn="ctr">
-                <a:spcAft>
-                  <a:spcPts val="0"/>
-                </a:spcAft>
-              </a:pPr>
-              <a:r>
-                <a:rPr lang="id-ID" sz="900" kern="1200" dirty="0" smtClean="0">
-                  <a:solidFill>
-                    <a:srgbClr val="000000"/>
-                  </a:solidFill>
-                  <a:effectLst/>
-                  <a:ea typeface="Times New Roman" panose="02020603050405020304" pitchFamily="18" charset="0"/>
-                  <a:cs typeface="Times New Roman" panose="02020603050405020304" pitchFamily="18" charset="0"/>
-                </a:rPr>
-                <a:t>Pengadaan</a:t>
-              </a:r>
-              <a:endParaRPr lang="en-US" sz="1600" dirty="0">
-                <a:effectLst/>
-                <a:latin typeface="Times New Roman" panose="02020603050405020304" pitchFamily="18" charset="0"/>
-                <a:ea typeface="Times New Roman" panose="02020603050405020304" pitchFamily="18" charset="0"/>
-              </a:endParaRPr>
-            </a:p>
-          </p:txBody>
-        </p:sp>
-        <p:sp>
-          <p:nvSpPr>
-            <p:cNvPr id="44" name="Oval 43"/>
-            <p:cNvSpPr/>
-            <p:nvPr/>
-          </p:nvSpPr>
-          <p:spPr>
-            <a:xfrm>
-              <a:off x="3218478" y="2426372"/>
-              <a:ext cx="1473109" cy="384190"/>
-            </a:xfrm>
-            <a:prstGeom prst="ellipse">
-              <a:avLst/>
-            </a:prstGeom>
-          </p:spPr>
-          <p:style>
-            <a:lnRef idx="2">
-              <a:schemeClr val="dk1"/>
-            </a:lnRef>
-            <a:fillRef idx="1">
-              <a:schemeClr val="lt1"/>
-            </a:fillRef>
-            <a:effectRef idx="0">
-              <a:schemeClr val="dk1"/>
-            </a:effectRef>
-            <a:fontRef idx="minor">
-              <a:schemeClr val="dk1"/>
-            </a:fontRef>
-          </p:style>
-          <p:txBody>
-            <a:bodyPr rot="0" spcFirstLastPara="0" vert="horz" wrap="square" lIns="91440" tIns="45720" rIns="91440" bIns="45720" numCol="1" spcCol="0" rtlCol="0" fromWordArt="0" anchor="ctr" anchorCtr="0" forceAA="0" compatLnSpc="1">
-              <a:prstTxWarp prst="textNoShape">
-                <a:avLst/>
-              </a:prstTxWarp>
-              <a:noAutofit/>
-            </a:bodyPr>
-            <a:lstStyle/>
-            <a:p>
-              <a:pPr algn="ctr">
-                <a:spcAft>
-                  <a:spcPts val="0"/>
-                </a:spcAft>
-              </a:pPr>
-              <a:r>
-                <a:rPr lang="id-ID" sz="900" kern="1200" dirty="0" smtClean="0">
-                  <a:solidFill>
-                    <a:srgbClr val="000000"/>
-                  </a:solidFill>
-                  <a:effectLst/>
-                  <a:ea typeface="Times New Roman" panose="02020603050405020304" pitchFamily="18" charset="0"/>
-                  <a:cs typeface="Times New Roman" panose="02020603050405020304" pitchFamily="18" charset="0"/>
-                </a:rPr>
-                <a:t>Pengelolaan Data Obat</a:t>
-              </a:r>
-              <a:endParaRPr lang="en-US" sz="1600" dirty="0">
-                <a:effectLst/>
-                <a:latin typeface="Times New Roman" panose="02020603050405020304" pitchFamily="18" charset="0"/>
-                <a:ea typeface="Times New Roman" panose="02020603050405020304" pitchFamily="18" charset="0"/>
-              </a:endParaRPr>
-            </a:p>
-          </p:txBody>
-        </p:sp>
-        <p:sp>
-          <p:nvSpPr>
-            <p:cNvPr id="45" name="Oval 44"/>
-            <p:cNvSpPr/>
-            <p:nvPr/>
-          </p:nvSpPr>
-          <p:spPr>
-            <a:xfrm>
-              <a:off x="3218478" y="3684725"/>
-              <a:ext cx="1473109" cy="384190"/>
-            </a:xfrm>
-            <a:prstGeom prst="ellipse">
-              <a:avLst/>
-            </a:prstGeom>
-          </p:spPr>
-          <p:style>
-            <a:lnRef idx="2">
-              <a:schemeClr val="dk1"/>
-            </a:lnRef>
-            <a:fillRef idx="1">
-              <a:schemeClr val="lt1"/>
-            </a:fillRef>
-            <a:effectRef idx="0">
-              <a:schemeClr val="dk1"/>
-            </a:effectRef>
-            <a:fontRef idx="minor">
-              <a:schemeClr val="dk1"/>
-            </a:fontRef>
-          </p:style>
-          <p:txBody>
-            <a:bodyPr rot="0" spcFirstLastPara="0" vert="horz" wrap="square" lIns="91440" tIns="45720" rIns="91440" bIns="45720" numCol="1" spcCol="0" rtlCol="0" fromWordArt="0" anchor="ctr" anchorCtr="0" forceAA="0" compatLnSpc="1">
-              <a:prstTxWarp prst="textNoShape">
-                <a:avLst/>
-              </a:prstTxWarp>
-              <a:noAutofit/>
-            </a:bodyPr>
-            <a:lstStyle/>
-            <a:p>
-              <a:pPr algn="ctr">
-                <a:spcAft>
-                  <a:spcPts val="0"/>
-                </a:spcAft>
-              </a:pPr>
-              <a:r>
-                <a:rPr lang="id-ID" sz="900" kern="1200" dirty="0" smtClean="0">
-                  <a:solidFill>
-                    <a:srgbClr val="000000"/>
-                  </a:solidFill>
-                  <a:effectLst/>
-                  <a:ea typeface="Times New Roman" panose="02020603050405020304" pitchFamily="18" charset="0"/>
-                  <a:cs typeface="Times New Roman" panose="02020603050405020304" pitchFamily="18" charset="0"/>
-                </a:rPr>
-                <a:t>Ganti Password</a:t>
-              </a:r>
-              <a:endParaRPr lang="en-US" sz="1600" dirty="0">
-                <a:effectLst/>
-                <a:latin typeface="Times New Roman" panose="02020603050405020304" pitchFamily="18" charset="0"/>
-                <a:ea typeface="Times New Roman" panose="02020603050405020304" pitchFamily="18" charset="0"/>
-              </a:endParaRPr>
-            </a:p>
-          </p:txBody>
-        </p:sp>
-        <p:sp>
-          <p:nvSpPr>
-            <p:cNvPr id="46" name="Oval 45"/>
-            <p:cNvSpPr/>
-            <p:nvPr/>
-          </p:nvSpPr>
-          <p:spPr>
-            <a:xfrm>
-              <a:off x="3218478" y="4752578"/>
-              <a:ext cx="1473109" cy="384190"/>
-            </a:xfrm>
-            <a:prstGeom prst="ellipse">
-              <a:avLst/>
-            </a:prstGeom>
-          </p:spPr>
-          <p:style>
-            <a:lnRef idx="2">
-              <a:schemeClr val="dk1"/>
-            </a:lnRef>
-            <a:fillRef idx="1">
-              <a:schemeClr val="lt1"/>
-            </a:fillRef>
-            <a:effectRef idx="0">
-              <a:schemeClr val="dk1"/>
-            </a:effectRef>
-            <a:fontRef idx="minor">
-              <a:schemeClr val="dk1"/>
-            </a:fontRef>
-          </p:style>
-          <p:txBody>
-            <a:bodyPr rot="0" spcFirstLastPara="0" vert="horz" wrap="square" lIns="91440" tIns="45720" rIns="91440" bIns="45720" numCol="1" spcCol="0" rtlCol="0" fromWordArt="0" anchor="ctr" anchorCtr="0" forceAA="0" compatLnSpc="1">
-              <a:prstTxWarp prst="textNoShape">
-                <a:avLst/>
-              </a:prstTxWarp>
-              <a:noAutofit/>
-            </a:bodyPr>
-            <a:lstStyle/>
-            <a:p>
-              <a:pPr algn="ctr">
-                <a:spcAft>
-                  <a:spcPts val="0"/>
-                </a:spcAft>
-              </a:pPr>
-              <a:r>
-                <a:rPr lang="id-ID" sz="900" kern="1200" dirty="0" smtClean="0">
-                  <a:solidFill>
-                    <a:srgbClr val="000000"/>
-                  </a:solidFill>
-                  <a:effectLst/>
-                  <a:ea typeface="Times New Roman" panose="02020603050405020304" pitchFamily="18" charset="0"/>
-                  <a:cs typeface="Times New Roman" panose="02020603050405020304" pitchFamily="18" charset="0"/>
-                </a:rPr>
-                <a:t>Laporan</a:t>
-              </a:r>
-              <a:endParaRPr lang="en-US" sz="1600" dirty="0">
-                <a:effectLst/>
-                <a:latin typeface="Times New Roman" panose="02020603050405020304" pitchFamily="18" charset="0"/>
-                <a:ea typeface="Times New Roman" panose="02020603050405020304" pitchFamily="18" charset="0"/>
-              </a:endParaRPr>
-            </a:p>
-          </p:txBody>
-        </p:sp>
-        <p:sp>
-          <p:nvSpPr>
-            <p:cNvPr id="47" name="Oval 46"/>
-            <p:cNvSpPr/>
-            <p:nvPr/>
-          </p:nvSpPr>
-          <p:spPr>
-            <a:xfrm>
-              <a:off x="3218478" y="5820432"/>
-              <a:ext cx="1473109" cy="384190"/>
-            </a:xfrm>
-            <a:prstGeom prst="ellipse">
-              <a:avLst/>
-            </a:prstGeom>
-          </p:spPr>
-          <p:style>
-            <a:lnRef idx="2">
-              <a:schemeClr val="dk1"/>
-            </a:lnRef>
-            <a:fillRef idx="1">
-              <a:schemeClr val="lt1"/>
-            </a:fillRef>
-            <a:effectRef idx="0">
-              <a:schemeClr val="dk1"/>
-            </a:effectRef>
-            <a:fontRef idx="minor">
-              <a:schemeClr val="dk1"/>
-            </a:fontRef>
-          </p:style>
-          <p:txBody>
-            <a:bodyPr rot="0" spcFirstLastPara="0" vert="horz" wrap="square" lIns="91440" tIns="45720" rIns="91440" bIns="45720" numCol="1" spcCol="0" rtlCol="0" fromWordArt="0" anchor="ctr" anchorCtr="0" forceAA="0" compatLnSpc="1">
-              <a:prstTxWarp prst="textNoShape">
-                <a:avLst/>
-              </a:prstTxWarp>
-              <a:noAutofit/>
-            </a:bodyPr>
-            <a:lstStyle/>
-            <a:p>
-              <a:pPr algn="ctr">
-                <a:spcAft>
-                  <a:spcPts val="0"/>
-                </a:spcAft>
-              </a:pPr>
-              <a:r>
-                <a:rPr lang="id-ID" sz="900" dirty="0" smtClean="0">
-                  <a:solidFill>
-                    <a:srgbClr val="000000"/>
-                  </a:solidFill>
-                  <a:ea typeface="Times New Roman" panose="02020603050405020304" pitchFamily="18" charset="0"/>
-                  <a:cs typeface="Times New Roman" panose="02020603050405020304" pitchFamily="18" charset="0"/>
-                </a:rPr>
-                <a:t>Pengelolaan Data Pegawai</a:t>
-              </a:r>
-              <a:endParaRPr lang="en-US" sz="1600" dirty="0">
-                <a:effectLst/>
-                <a:latin typeface="Times New Roman" panose="02020603050405020304" pitchFamily="18" charset="0"/>
-                <a:ea typeface="Times New Roman" panose="02020603050405020304" pitchFamily="18" charset="0"/>
-              </a:endParaRPr>
-            </a:p>
-          </p:txBody>
-        </p:sp>
-        <p:sp>
-          <p:nvSpPr>
-            <p:cNvPr id="48" name="Oval 47"/>
-            <p:cNvSpPr/>
-            <p:nvPr/>
-          </p:nvSpPr>
-          <p:spPr>
-            <a:xfrm>
-              <a:off x="9968528" y="3236905"/>
-              <a:ext cx="1473109" cy="384190"/>
-            </a:xfrm>
-            <a:prstGeom prst="ellipse">
-              <a:avLst/>
-            </a:prstGeom>
-          </p:spPr>
-          <p:style>
-            <a:lnRef idx="2">
-              <a:schemeClr val="dk1"/>
-            </a:lnRef>
-            <a:fillRef idx="1">
-              <a:schemeClr val="lt1"/>
-            </a:fillRef>
-            <a:effectRef idx="0">
-              <a:schemeClr val="dk1"/>
-            </a:effectRef>
-            <a:fontRef idx="minor">
-              <a:schemeClr val="dk1"/>
-            </a:fontRef>
-          </p:style>
-          <p:txBody>
-            <a:bodyPr rot="0" spcFirstLastPara="0" vert="horz" wrap="square" lIns="91440" tIns="45720" rIns="91440" bIns="45720" numCol="1" spcCol="0" rtlCol="0" fromWordArt="0" anchor="ctr" anchorCtr="0" forceAA="0" compatLnSpc="1">
-              <a:prstTxWarp prst="textNoShape">
-                <a:avLst/>
-              </a:prstTxWarp>
-              <a:noAutofit/>
-            </a:bodyPr>
-            <a:lstStyle/>
-            <a:p>
-              <a:pPr algn="ctr">
-                <a:spcAft>
-                  <a:spcPts val="0"/>
-                </a:spcAft>
-              </a:pPr>
-              <a:r>
-                <a:rPr lang="id-ID" sz="900" kern="1200" dirty="0" smtClean="0">
-                  <a:solidFill>
-                    <a:srgbClr val="000000"/>
-                  </a:solidFill>
-                  <a:effectLst/>
-                  <a:ea typeface="Times New Roman" panose="02020603050405020304" pitchFamily="18" charset="0"/>
-                  <a:cs typeface="Times New Roman" panose="02020603050405020304" pitchFamily="18" charset="0"/>
-                </a:rPr>
-                <a:t>Login</a:t>
-              </a:r>
-              <a:endParaRPr lang="en-US" sz="1600" dirty="0">
-                <a:effectLst/>
-                <a:latin typeface="Times New Roman" panose="02020603050405020304" pitchFamily="18" charset="0"/>
-                <a:ea typeface="Times New Roman" panose="02020603050405020304" pitchFamily="18" charset="0"/>
-              </a:endParaRPr>
-            </a:p>
-          </p:txBody>
-        </p:sp>
-        <p:cxnSp>
-          <p:nvCxnSpPr>
-            <p:cNvPr id="49" name="Elbow Connector 48"/>
-            <p:cNvCxnSpPr>
-              <a:stCxn id="42" idx="6"/>
-              <a:endCxn id="48" idx="0"/>
-            </p:cNvCxnSpPr>
-            <p:nvPr/>
-          </p:nvCxnSpPr>
-          <p:spPr>
-            <a:xfrm>
-              <a:off x="4691587" y="673261"/>
-              <a:ext cx="6013496" cy="2563644"/>
-            </a:xfrm>
-            <a:prstGeom prst="bentConnector2">
-              <a:avLst/>
-            </a:prstGeom>
-            <a:ln w="12700">
-              <a:prstDash val="dash"/>
-              <a:tailEnd type="triangle"/>
-            </a:ln>
-          </p:spPr>
-          <p:style>
-            <a:lnRef idx="1">
-              <a:schemeClr val="dk1"/>
-            </a:lnRef>
-            <a:fillRef idx="0">
-              <a:schemeClr val="dk1"/>
-            </a:fillRef>
-            <a:effectRef idx="0">
-              <a:schemeClr val="dk1"/>
-            </a:effectRef>
-            <a:fontRef idx="minor">
-              <a:schemeClr val="tx1"/>
-            </a:fontRef>
-          </p:style>
-        </p:cxnSp>
-        <p:cxnSp>
-          <p:nvCxnSpPr>
-            <p:cNvPr id="52" name="Elbow Connector 51"/>
-            <p:cNvCxnSpPr>
-              <a:stCxn id="43" idx="6"/>
-              <a:endCxn id="48" idx="0"/>
-            </p:cNvCxnSpPr>
-            <p:nvPr/>
-          </p:nvCxnSpPr>
-          <p:spPr>
-            <a:xfrm>
-              <a:off x="4691587" y="1741114"/>
-              <a:ext cx="6013496" cy="1495791"/>
-            </a:xfrm>
-            <a:prstGeom prst="bentConnector2">
-              <a:avLst/>
-            </a:prstGeom>
-            <a:ln w="12700">
-              <a:prstDash val="dash"/>
-              <a:tailEnd type="triangle"/>
-            </a:ln>
-          </p:spPr>
-          <p:style>
-            <a:lnRef idx="1">
-              <a:schemeClr val="dk1"/>
-            </a:lnRef>
-            <a:fillRef idx="0">
-              <a:schemeClr val="dk1"/>
-            </a:fillRef>
-            <a:effectRef idx="0">
-              <a:schemeClr val="dk1"/>
-            </a:effectRef>
-            <a:fontRef idx="minor">
-              <a:schemeClr val="tx1"/>
-            </a:fontRef>
-          </p:style>
-        </p:cxnSp>
-        <p:cxnSp>
-          <p:nvCxnSpPr>
-            <p:cNvPr id="55" name="Elbow Connector 54"/>
-            <p:cNvCxnSpPr>
-              <a:stCxn id="44" idx="6"/>
-              <a:endCxn id="48" idx="0"/>
-            </p:cNvCxnSpPr>
-            <p:nvPr/>
-          </p:nvCxnSpPr>
-          <p:spPr>
-            <a:xfrm>
-              <a:off x="4691587" y="2618467"/>
-              <a:ext cx="6013496" cy="618438"/>
-            </a:xfrm>
-            <a:prstGeom prst="bentConnector2">
-              <a:avLst/>
-            </a:prstGeom>
-            <a:ln w="12700">
-              <a:prstDash val="dash"/>
-              <a:tailEnd type="triangle"/>
-            </a:ln>
-          </p:spPr>
-          <p:style>
-            <a:lnRef idx="1">
-              <a:schemeClr val="dk1"/>
-            </a:lnRef>
-            <a:fillRef idx="0">
-              <a:schemeClr val="dk1"/>
-            </a:fillRef>
-            <a:effectRef idx="0">
-              <a:schemeClr val="dk1"/>
-            </a:effectRef>
-            <a:fontRef idx="minor">
-              <a:schemeClr val="tx1"/>
-            </a:fontRef>
-          </p:style>
-        </p:cxnSp>
-        <p:cxnSp>
-          <p:nvCxnSpPr>
-            <p:cNvPr id="58" name="Elbow Connector 57"/>
-            <p:cNvCxnSpPr>
-              <a:stCxn id="45" idx="6"/>
-              <a:endCxn id="48" idx="4"/>
-            </p:cNvCxnSpPr>
-            <p:nvPr/>
-          </p:nvCxnSpPr>
-          <p:spPr>
-            <a:xfrm flipV="1">
-              <a:off x="4691587" y="3621095"/>
-              <a:ext cx="6013496" cy="255725"/>
-            </a:xfrm>
-            <a:prstGeom prst="bentConnector2">
-              <a:avLst/>
-            </a:prstGeom>
-            <a:ln w="12700">
-              <a:prstDash val="dash"/>
-              <a:tailEnd type="triangle"/>
-            </a:ln>
-          </p:spPr>
-          <p:style>
-            <a:lnRef idx="1">
-              <a:schemeClr val="dk1"/>
-            </a:lnRef>
-            <a:fillRef idx="0">
-              <a:schemeClr val="dk1"/>
-            </a:fillRef>
-            <a:effectRef idx="0">
-              <a:schemeClr val="dk1"/>
-            </a:effectRef>
-            <a:fontRef idx="minor">
-              <a:schemeClr val="tx1"/>
-            </a:fontRef>
-          </p:style>
-        </p:cxnSp>
-        <p:cxnSp>
-          <p:nvCxnSpPr>
-            <p:cNvPr id="61" name="Elbow Connector 60"/>
-            <p:cNvCxnSpPr>
-              <a:stCxn id="46" idx="6"/>
-              <a:endCxn id="48" idx="4"/>
-            </p:cNvCxnSpPr>
-            <p:nvPr/>
-          </p:nvCxnSpPr>
-          <p:spPr>
-            <a:xfrm flipV="1">
-              <a:off x="4691587" y="3621095"/>
-              <a:ext cx="6013496" cy="1323578"/>
-            </a:xfrm>
-            <a:prstGeom prst="bentConnector2">
-              <a:avLst/>
-            </a:prstGeom>
-            <a:ln w="12700">
-              <a:prstDash val="dash"/>
-              <a:tailEnd type="triangle"/>
-            </a:ln>
-          </p:spPr>
-          <p:style>
-            <a:lnRef idx="1">
-              <a:schemeClr val="dk1"/>
-            </a:lnRef>
-            <a:fillRef idx="0">
-              <a:schemeClr val="dk1"/>
-            </a:fillRef>
-            <a:effectRef idx="0">
-              <a:schemeClr val="dk1"/>
-            </a:effectRef>
-            <a:fontRef idx="minor">
-              <a:schemeClr val="tx1"/>
-            </a:fontRef>
-          </p:style>
-        </p:cxnSp>
-        <p:cxnSp>
-          <p:nvCxnSpPr>
-            <p:cNvPr id="64" name="Elbow Connector 63"/>
-            <p:cNvCxnSpPr>
-              <a:stCxn id="47" idx="6"/>
-              <a:endCxn id="48" idx="4"/>
-            </p:cNvCxnSpPr>
-            <p:nvPr/>
-          </p:nvCxnSpPr>
-          <p:spPr>
-            <a:xfrm flipV="1">
-              <a:off x="4691587" y="3621095"/>
-              <a:ext cx="6013496" cy="2391432"/>
-            </a:xfrm>
-            <a:prstGeom prst="bentConnector2">
-              <a:avLst/>
-            </a:prstGeom>
-            <a:ln w="12700">
-              <a:prstDash val="dash"/>
-              <a:tailEnd type="triangle"/>
-            </a:ln>
-          </p:spPr>
-          <p:style>
-            <a:lnRef idx="1">
-              <a:schemeClr val="dk1"/>
-            </a:lnRef>
-            <a:fillRef idx="0">
-              <a:schemeClr val="dk1"/>
-            </a:fillRef>
-            <a:effectRef idx="0">
-              <a:schemeClr val="dk1"/>
-            </a:effectRef>
-            <a:fontRef idx="minor">
-              <a:schemeClr val="tx1"/>
-            </a:fontRef>
-          </p:style>
-        </p:cxnSp>
-        <p:cxnSp>
-          <p:nvCxnSpPr>
-            <p:cNvPr id="72" name="Straight Arrow Connector 71"/>
-            <p:cNvCxnSpPr>
-              <a:stCxn id="25" idx="0"/>
-              <a:endCxn id="14" idx="2"/>
-            </p:cNvCxnSpPr>
-            <p:nvPr/>
-          </p:nvCxnSpPr>
-          <p:spPr>
-            <a:xfrm flipH="1" flipV="1">
-              <a:off x="536164" y="1319196"/>
-              <a:ext cx="79724" cy="1556318"/>
-            </a:xfrm>
-            <a:prstGeom prst="straightConnector1">
-              <a:avLst/>
-            </a:prstGeom>
-            <a:ln>
-              <a:tailEnd type="triangle"/>
-            </a:ln>
-          </p:spPr>
-          <p:style>
-            <a:lnRef idx="1">
-              <a:schemeClr val="dk1"/>
-            </a:lnRef>
-            <a:fillRef idx="0">
-              <a:schemeClr val="dk1"/>
-            </a:fillRef>
-            <a:effectRef idx="0">
-              <a:schemeClr val="dk1"/>
-            </a:effectRef>
-            <a:fontRef idx="minor">
-              <a:schemeClr val="tx1"/>
-            </a:fontRef>
-          </p:style>
-        </p:cxnSp>
-        <p:cxnSp>
-          <p:nvCxnSpPr>
-            <p:cNvPr id="75" name="Straight Connector 74"/>
-            <p:cNvCxnSpPr>
-              <a:stCxn id="42" idx="2"/>
-              <a:endCxn id="17" idx="3"/>
-            </p:cNvCxnSpPr>
-            <p:nvPr/>
-          </p:nvCxnSpPr>
-          <p:spPr>
-            <a:xfrm flipH="1" flipV="1">
-              <a:off x="852077" y="663488"/>
-              <a:ext cx="2366401" cy="9773"/>
-            </a:xfrm>
-            <a:prstGeom prst="line">
-              <a:avLst/>
-            </a:prstGeom>
-          </p:spPr>
-          <p:style>
-            <a:lnRef idx="1">
-              <a:schemeClr val="dk1"/>
-            </a:lnRef>
-            <a:fillRef idx="0">
-              <a:schemeClr val="dk1"/>
-            </a:fillRef>
-            <a:effectRef idx="0">
-              <a:schemeClr val="dk1"/>
-            </a:effectRef>
-            <a:fontRef idx="minor">
-              <a:schemeClr val="tx1"/>
-            </a:fontRef>
-          </p:style>
-        </p:cxnSp>
-        <p:cxnSp>
-          <p:nvCxnSpPr>
-            <p:cNvPr id="77" name="Straight Connector 76"/>
-            <p:cNvCxnSpPr>
-              <a:stCxn id="43" idx="2"/>
-              <a:endCxn id="17" idx="3"/>
-            </p:cNvCxnSpPr>
-            <p:nvPr/>
-          </p:nvCxnSpPr>
-          <p:spPr>
-            <a:xfrm flipH="1" flipV="1">
-              <a:off x="852077" y="663488"/>
-              <a:ext cx="2366401" cy="1077626"/>
-            </a:xfrm>
-            <a:prstGeom prst="line">
-              <a:avLst/>
-            </a:prstGeom>
-          </p:spPr>
-          <p:style>
-            <a:lnRef idx="1">
-              <a:schemeClr val="dk1"/>
-            </a:lnRef>
-            <a:fillRef idx="0">
-              <a:schemeClr val="dk1"/>
-            </a:fillRef>
-            <a:effectRef idx="0">
-              <a:schemeClr val="dk1"/>
-            </a:effectRef>
-            <a:fontRef idx="minor">
-              <a:schemeClr val="tx1"/>
-            </a:fontRef>
-          </p:style>
-        </p:cxnSp>
-        <p:cxnSp>
-          <p:nvCxnSpPr>
-            <p:cNvPr id="81" name="Straight Connector 80"/>
-            <p:cNvCxnSpPr>
-              <a:stCxn id="44" idx="2"/>
-              <a:endCxn id="17" idx="3"/>
-            </p:cNvCxnSpPr>
-            <p:nvPr/>
-          </p:nvCxnSpPr>
-          <p:spPr>
-            <a:xfrm flipH="1" flipV="1">
-              <a:off x="852077" y="663488"/>
-              <a:ext cx="2366401" cy="1954979"/>
-            </a:xfrm>
-            <a:prstGeom prst="line">
-              <a:avLst/>
-            </a:prstGeom>
-          </p:spPr>
-          <p:style>
-            <a:lnRef idx="1">
-              <a:schemeClr val="dk1"/>
-            </a:lnRef>
-            <a:fillRef idx="0">
-              <a:schemeClr val="dk1"/>
-            </a:fillRef>
-            <a:effectRef idx="0">
-              <a:schemeClr val="dk1"/>
-            </a:effectRef>
-            <a:fontRef idx="minor">
-              <a:schemeClr val="tx1"/>
-            </a:fontRef>
-          </p:style>
-        </p:cxnSp>
-        <p:cxnSp>
-          <p:nvCxnSpPr>
-            <p:cNvPr id="84" name="Straight Connector 83"/>
-            <p:cNvCxnSpPr>
-              <a:stCxn id="45" idx="2"/>
-              <a:endCxn id="17" idx="3"/>
-            </p:cNvCxnSpPr>
-            <p:nvPr/>
-          </p:nvCxnSpPr>
-          <p:spPr>
-            <a:xfrm flipH="1" flipV="1">
-              <a:off x="852077" y="663488"/>
-              <a:ext cx="2366401" cy="3213332"/>
-            </a:xfrm>
-            <a:prstGeom prst="line">
-              <a:avLst/>
-            </a:prstGeom>
-          </p:spPr>
-          <p:style>
-            <a:lnRef idx="1">
-              <a:schemeClr val="dk1"/>
-            </a:lnRef>
-            <a:fillRef idx="0">
-              <a:schemeClr val="dk1"/>
-            </a:fillRef>
-            <a:effectRef idx="0">
-              <a:schemeClr val="dk1"/>
-            </a:effectRef>
-            <a:fontRef idx="minor">
-              <a:schemeClr val="tx1"/>
-            </a:fontRef>
-          </p:style>
-        </p:cxnSp>
-        <p:cxnSp>
-          <p:nvCxnSpPr>
-            <p:cNvPr id="86" name="Straight Connector 85"/>
-            <p:cNvCxnSpPr>
-              <a:stCxn id="46" idx="2"/>
-              <a:endCxn id="17" idx="3"/>
-            </p:cNvCxnSpPr>
-            <p:nvPr/>
-          </p:nvCxnSpPr>
-          <p:spPr>
-            <a:xfrm flipH="1" flipV="1">
-              <a:off x="852077" y="663488"/>
-              <a:ext cx="2366401" cy="4281185"/>
-            </a:xfrm>
-            <a:prstGeom prst="line">
-              <a:avLst/>
-            </a:prstGeom>
-          </p:spPr>
-          <p:style>
-            <a:lnRef idx="1">
-              <a:schemeClr val="dk1"/>
-            </a:lnRef>
-            <a:fillRef idx="0">
-              <a:schemeClr val="dk1"/>
-            </a:fillRef>
-            <a:effectRef idx="0">
-              <a:schemeClr val="dk1"/>
-            </a:effectRef>
-            <a:fontRef idx="minor">
-              <a:schemeClr val="tx1"/>
-            </a:fontRef>
-          </p:style>
-        </p:cxnSp>
-        <p:cxnSp>
-          <p:nvCxnSpPr>
-            <p:cNvPr id="88" name="Straight Connector 87"/>
-            <p:cNvCxnSpPr>
-              <a:stCxn id="42" idx="2"/>
-              <a:endCxn id="35" idx="3"/>
-            </p:cNvCxnSpPr>
-            <p:nvPr/>
-          </p:nvCxnSpPr>
-          <p:spPr>
-            <a:xfrm flipH="1">
-              <a:off x="931800" y="673261"/>
-              <a:ext cx="2286678" cy="5233255"/>
-            </a:xfrm>
-            <a:prstGeom prst="line">
-              <a:avLst/>
-            </a:prstGeom>
-          </p:spPr>
-          <p:style>
-            <a:lnRef idx="1">
-              <a:schemeClr val="dk1"/>
-            </a:lnRef>
-            <a:fillRef idx="0">
-              <a:schemeClr val="dk1"/>
-            </a:fillRef>
-            <a:effectRef idx="0">
-              <a:schemeClr val="dk1"/>
-            </a:effectRef>
-            <a:fontRef idx="minor">
-              <a:schemeClr val="tx1"/>
-            </a:fontRef>
-          </p:style>
-        </p:cxnSp>
-        <p:cxnSp>
-          <p:nvCxnSpPr>
-            <p:cNvPr id="89" name="Straight Connector 88"/>
-            <p:cNvCxnSpPr>
-              <a:stCxn id="43" idx="2"/>
-              <a:endCxn id="35" idx="3"/>
-            </p:cNvCxnSpPr>
-            <p:nvPr/>
-          </p:nvCxnSpPr>
-          <p:spPr>
-            <a:xfrm flipH="1">
-              <a:off x="931800" y="1741114"/>
-              <a:ext cx="2286678" cy="4165402"/>
-            </a:xfrm>
-            <a:prstGeom prst="line">
-              <a:avLst/>
-            </a:prstGeom>
-          </p:spPr>
-          <p:style>
-            <a:lnRef idx="1">
-              <a:schemeClr val="dk1"/>
-            </a:lnRef>
-            <a:fillRef idx="0">
-              <a:schemeClr val="dk1"/>
-            </a:fillRef>
-            <a:effectRef idx="0">
-              <a:schemeClr val="dk1"/>
-            </a:effectRef>
-            <a:fontRef idx="minor">
-              <a:schemeClr val="tx1"/>
-            </a:fontRef>
-          </p:style>
-        </p:cxnSp>
-        <p:cxnSp>
-          <p:nvCxnSpPr>
-            <p:cNvPr id="90" name="Straight Connector 89"/>
-            <p:cNvCxnSpPr>
-              <a:stCxn id="44" idx="2"/>
-              <a:endCxn id="35" idx="3"/>
-            </p:cNvCxnSpPr>
-            <p:nvPr/>
-          </p:nvCxnSpPr>
-          <p:spPr>
-            <a:xfrm flipH="1">
-              <a:off x="931800" y="2618467"/>
-              <a:ext cx="2286678" cy="3288049"/>
-            </a:xfrm>
-            <a:prstGeom prst="line">
-              <a:avLst/>
-            </a:prstGeom>
-          </p:spPr>
-          <p:style>
-            <a:lnRef idx="1">
-              <a:schemeClr val="dk1"/>
-            </a:lnRef>
-            <a:fillRef idx="0">
-              <a:schemeClr val="dk1"/>
-            </a:fillRef>
-            <a:effectRef idx="0">
-              <a:schemeClr val="dk1"/>
-            </a:effectRef>
-            <a:fontRef idx="minor">
-              <a:schemeClr val="tx1"/>
-            </a:fontRef>
-          </p:style>
-        </p:cxnSp>
-        <p:cxnSp>
-          <p:nvCxnSpPr>
-            <p:cNvPr id="91" name="Straight Connector 90"/>
-            <p:cNvCxnSpPr>
-              <a:stCxn id="46" idx="2"/>
-              <a:endCxn id="35" idx="3"/>
-            </p:cNvCxnSpPr>
-            <p:nvPr/>
-          </p:nvCxnSpPr>
-          <p:spPr>
-            <a:xfrm flipH="1">
-              <a:off x="931800" y="4944673"/>
-              <a:ext cx="2286678" cy="961843"/>
-            </a:xfrm>
-            <a:prstGeom prst="line">
-              <a:avLst/>
-            </a:prstGeom>
-          </p:spPr>
-          <p:style>
-            <a:lnRef idx="1">
-              <a:schemeClr val="dk1"/>
-            </a:lnRef>
-            <a:fillRef idx="0">
-              <a:schemeClr val="dk1"/>
-            </a:fillRef>
-            <a:effectRef idx="0">
-              <a:schemeClr val="dk1"/>
-            </a:effectRef>
-            <a:fontRef idx="minor">
-              <a:schemeClr val="tx1"/>
-            </a:fontRef>
-          </p:style>
-        </p:cxnSp>
-        <p:cxnSp>
-          <p:nvCxnSpPr>
-            <p:cNvPr id="92" name="Straight Connector 91"/>
-            <p:cNvCxnSpPr>
-              <a:stCxn id="47" idx="2"/>
-              <a:endCxn id="35" idx="3"/>
-            </p:cNvCxnSpPr>
-            <p:nvPr/>
-          </p:nvCxnSpPr>
-          <p:spPr>
-            <a:xfrm flipH="1" flipV="1">
-              <a:off x="931800" y="5906516"/>
-              <a:ext cx="2286678" cy="106011"/>
-            </a:xfrm>
-            <a:prstGeom prst="line">
-              <a:avLst/>
-            </a:prstGeom>
-          </p:spPr>
-          <p:style>
-            <a:lnRef idx="1">
-              <a:schemeClr val="dk1"/>
-            </a:lnRef>
-            <a:fillRef idx="0">
-              <a:schemeClr val="dk1"/>
-            </a:fillRef>
-            <a:effectRef idx="0">
-              <a:schemeClr val="dk1"/>
-            </a:effectRef>
-            <a:fontRef idx="minor">
-              <a:schemeClr val="tx1"/>
-            </a:fontRef>
-          </p:style>
-        </p:cxnSp>
-        <p:cxnSp>
-          <p:nvCxnSpPr>
-            <p:cNvPr id="106" name="Straight Connector 105"/>
-            <p:cNvCxnSpPr>
-              <a:stCxn id="45" idx="2"/>
-              <a:endCxn id="35" idx="3"/>
-            </p:cNvCxnSpPr>
-            <p:nvPr/>
-          </p:nvCxnSpPr>
-          <p:spPr>
-            <a:xfrm flipH="1">
-              <a:off x="931800" y="3876820"/>
-              <a:ext cx="2286678" cy="2029696"/>
-            </a:xfrm>
-            <a:prstGeom prst="line">
-              <a:avLst/>
-            </a:prstGeom>
-          </p:spPr>
-          <p:style>
-            <a:lnRef idx="1">
-              <a:schemeClr val="dk1"/>
-            </a:lnRef>
-            <a:fillRef idx="0">
-              <a:schemeClr val="dk1"/>
-            </a:fillRef>
-            <a:effectRef idx="0">
-              <a:schemeClr val="dk1"/>
-            </a:effectRef>
-            <a:fontRef idx="minor">
-              <a:schemeClr val="tx1"/>
-            </a:fontRef>
-          </p:style>
-        </p:cxnSp>
-        <p:sp>
-          <p:nvSpPr>
-            <p:cNvPr id="113" name="Oval 112"/>
-            <p:cNvSpPr/>
-            <p:nvPr/>
-          </p:nvSpPr>
-          <p:spPr>
-            <a:xfrm>
-              <a:off x="6604836" y="5112838"/>
-              <a:ext cx="1473109" cy="384190"/>
-            </a:xfrm>
-            <a:prstGeom prst="ellipse">
-              <a:avLst/>
-            </a:prstGeom>
-          </p:spPr>
-          <p:style>
-            <a:lnRef idx="2">
-              <a:schemeClr val="dk1"/>
-            </a:lnRef>
-            <a:fillRef idx="1">
-              <a:schemeClr val="lt1"/>
-            </a:fillRef>
-            <a:effectRef idx="0">
-              <a:schemeClr val="dk1"/>
-            </a:effectRef>
-            <a:fontRef idx="minor">
-              <a:schemeClr val="dk1"/>
-            </a:fontRef>
-          </p:style>
-          <p:txBody>
-            <a:bodyPr rot="0" spcFirstLastPara="0" vert="horz" wrap="square" lIns="91440" tIns="45720" rIns="91440" bIns="45720" numCol="1" spcCol="0" rtlCol="0" fromWordArt="0" anchor="ctr" anchorCtr="0" forceAA="0" compatLnSpc="1">
-              <a:prstTxWarp prst="textNoShape">
-                <a:avLst/>
-              </a:prstTxWarp>
-              <a:noAutofit/>
-            </a:bodyPr>
-            <a:lstStyle/>
-            <a:p>
-              <a:pPr algn="ctr">
-                <a:spcAft>
-                  <a:spcPts val="0"/>
-                </a:spcAft>
-              </a:pPr>
-              <a:r>
-                <a:rPr lang="id-ID" sz="900" dirty="0" smtClean="0">
-                  <a:solidFill>
-                    <a:srgbClr val="000000"/>
-                  </a:solidFill>
-                  <a:ea typeface="Times New Roman" panose="02020603050405020304" pitchFamily="18" charset="0"/>
-                  <a:cs typeface="Times New Roman" panose="02020603050405020304" pitchFamily="18" charset="0"/>
-                </a:rPr>
-                <a:t>Ubah dan hapus data pegawai</a:t>
-              </a:r>
-            </a:p>
-          </p:txBody>
-        </p:sp>
-        <p:sp>
-          <p:nvSpPr>
-            <p:cNvPr id="114" name="Oval 113"/>
-            <p:cNvSpPr/>
-            <p:nvPr/>
-          </p:nvSpPr>
-          <p:spPr>
-            <a:xfrm>
-              <a:off x="4826847" y="5112838"/>
-              <a:ext cx="1473109" cy="384190"/>
-            </a:xfrm>
-            <a:prstGeom prst="ellipse">
-              <a:avLst/>
-            </a:prstGeom>
-          </p:spPr>
-          <p:style>
-            <a:lnRef idx="2">
-              <a:schemeClr val="dk1"/>
-            </a:lnRef>
-            <a:fillRef idx="1">
-              <a:schemeClr val="lt1"/>
-            </a:fillRef>
-            <a:effectRef idx="0">
-              <a:schemeClr val="dk1"/>
-            </a:effectRef>
-            <a:fontRef idx="minor">
-              <a:schemeClr val="dk1"/>
-            </a:fontRef>
-          </p:style>
-          <p:txBody>
-            <a:bodyPr rot="0" spcFirstLastPara="0" vert="horz" wrap="square" lIns="91440" tIns="45720" rIns="91440" bIns="45720" numCol="1" spcCol="0" rtlCol="0" fromWordArt="0" anchor="ctr" anchorCtr="0" forceAA="0" compatLnSpc="1">
-              <a:prstTxWarp prst="textNoShape">
-                <a:avLst/>
-              </a:prstTxWarp>
-              <a:noAutofit/>
-            </a:bodyPr>
-            <a:lstStyle/>
-            <a:p>
-              <a:pPr algn="ctr">
-                <a:spcAft>
-                  <a:spcPts val="0"/>
-                </a:spcAft>
-              </a:pPr>
-              <a:r>
-                <a:rPr lang="id-ID" sz="900" dirty="0" smtClean="0">
-                  <a:solidFill>
-                    <a:srgbClr val="000000"/>
-                  </a:solidFill>
-                  <a:ea typeface="Times New Roman" panose="02020603050405020304" pitchFamily="18" charset="0"/>
-                  <a:cs typeface="Times New Roman" panose="02020603050405020304" pitchFamily="18" charset="0"/>
-                </a:rPr>
-                <a:t>Tambah pegawai</a:t>
-              </a:r>
-              <a:endParaRPr lang="en-US" sz="1600" dirty="0">
-                <a:effectLst/>
-                <a:latin typeface="Times New Roman" panose="02020603050405020304" pitchFamily="18" charset="0"/>
-                <a:ea typeface="Times New Roman" panose="02020603050405020304" pitchFamily="18" charset="0"/>
-              </a:endParaRPr>
-            </a:p>
-          </p:txBody>
-        </p:sp>
-        <p:sp>
-          <p:nvSpPr>
-            <p:cNvPr id="119" name="Oval 118"/>
-            <p:cNvSpPr/>
-            <p:nvPr/>
-          </p:nvSpPr>
-          <p:spPr>
-            <a:xfrm>
-              <a:off x="6343295" y="3967542"/>
-              <a:ext cx="1138880" cy="384190"/>
-            </a:xfrm>
-            <a:prstGeom prst="ellipse">
-              <a:avLst/>
-            </a:prstGeom>
-          </p:spPr>
-          <p:style>
-            <a:lnRef idx="2">
-              <a:schemeClr val="dk1"/>
-            </a:lnRef>
-            <a:fillRef idx="1">
-              <a:schemeClr val="lt1"/>
-            </a:fillRef>
-            <a:effectRef idx="0">
-              <a:schemeClr val="dk1"/>
-            </a:effectRef>
-            <a:fontRef idx="minor">
-              <a:schemeClr val="dk1"/>
-            </a:fontRef>
-          </p:style>
-          <p:txBody>
-            <a:bodyPr rot="0" spcFirstLastPara="0" vert="horz" wrap="square" lIns="91440" tIns="45720" rIns="91440" bIns="45720" numCol="1" spcCol="0" rtlCol="0" fromWordArt="0" anchor="ctr" anchorCtr="0" forceAA="0" compatLnSpc="1">
-              <a:prstTxWarp prst="textNoShape">
-                <a:avLst/>
-              </a:prstTxWarp>
-              <a:noAutofit/>
-            </a:bodyPr>
-            <a:lstStyle/>
-            <a:p>
-              <a:pPr algn="ctr">
-                <a:spcAft>
-                  <a:spcPts val="0"/>
-                </a:spcAft>
-              </a:pPr>
-              <a:r>
-                <a:rPr lang="id-ID" sz="900" dirty="0" smtClean="0">
-                  <a:solidFill>
-                    <a:srgbClr val="000000"/>
-                  </a:solidFill>
-                  <a:ea typeface="Times New Roman" panose="02020603050405020304" pitchFamily="18" charset="0"/>
-                  <a:cs typeface="Times New Roman" panose="02020603050405020304" pitchFamily="18" charset="0"/>
-                </a:rPr>
-                <a:t>Laporan Pengadaan</a:t>
-              </a:r>
-            </a:p>
-          </p:txBody>
-        </p:sp>
-        <p:sp>
-          <p:nvSpPr>
-            <p:cNvPr id="120" name="Oval 119"/>
-            <p:cNvSpPr/>
-            <p:nvPr/>
-          </p:nvSpPr>
-          <p:spPr>
-            <a:xfrm>
-              <a:off x="4826847" y="3967542"/>
-              <a:ext cx="967372" cy="384190"/>
-            </a:xfrm>
-            <a:prstGeom prst="ellipse">
-              <a:avLst/>
-            </a:prstGeom>
-          </p:spPr>
-          <p:style>
-            <a:lnRef idx="2">
-              <a:schemeClr val="dk1"/>
-            </a:lnRef>
-            <a:fillRef idx="1">
-              <a:schemeClr val="lt1"/>
-            </a:fillRef>
-            <a:effectRef idx="0">
-              <a:schemeClr val="dk1"/>
-            </a:effectRef>
-            <a:fontRef idx="minor">
-              <a:schemeClr val="dk1"/>
-            </a:fontRef>
-          </p:style>
-          <p:txBody>
-            <a:bodyPr rot="0" spcFirstLastPara="0" vert="horz" wrap="square" lIns="91440" tIns="45720" rIns="91440" bIns="45720" numCol="1" spcCol="0" rtlCol="0" fromWordArt="0" anchor="ctr" anchorCtr="0" forceAA="0" compatLnSpc="1">
-              <a:prstTxWarp prst="textNoShape">
-                <a:avLst/>
-              </a:prstTxWarp>
-              <a:noAutofit/>
-            </a:bodyPr>
-            <a:lstStyle/>
-            <a:p>
-              <a:pPr algn="ctr">
-                <a:spcAft>
-                  <a:spcPts val="0"/>
-                </a:spcAft>
-              </a:pPr>
-              <a:r>
-                <a:rPr lang="id-ID" sz="900" dirty="0" smtClean="0">
-                  <a:solidFill>
-                    <a:srgbClr val="000000"/>
-                  </a:solidFill>
-                  <a:ea typeface="Times New Roman" panose="02020603050405020304" pitchFamily="18" charset="0"/>
-                  <a:cs typeface="Times New Roman" panose="02020603050405020304" pitchFamily="18" charset="0"/>
-                </a:rPr>
-                <a:t>Laporan Penjualan</a:t>
-              </a:r>
-              <a:endParaRPr lang="en-US" sz="1600" dirty="0">
-                <a:effectLst/>
-                <a:latin typeface="Times New Roman" panose="02020603050405020304" pitchFamily="18" charset="0"/>
-                <a:ea typeface="Times New Roman" panose="02020603050405020304" pitchFamily="18" charset="0"/>
-              </a:endParaRPr>
-            </a:p>
-          </p:txBody>
-        </p:sp>
-        <p:sp>
-          <p:nvSpPr>
-            <p:cNvPr id="121" name="Oval 120"/>
-            <p:cNvSpPr/>
-            <p:nvPr/>
-          </p:nvSpPr>
-          <p:spPr>
-            <a:xfrm>
-              <a:off x="8031251" y="3967542"/>
-              <a:ext cx="932856" cy="384190"/>
-            </a:xfrm>
-            <a:prstGeom prst="ellipse">
-              <a:avLst/>
-            </a:prstGeom>
-          </p:spPr>
-          <p:style>
-            <a:lnRef idx="2">
-              <a:schemeClr val="dk1"/>
-            </a:lnRef>
-            <a:fillRef idx="1">
-              <a:schemeClr val="lt1"/>
-            </a:fillRef>
-            <a:effectRef idx="0">
-              <a:schemeClr val="dk1"/>
-            </a:effectRef>
-            <a:fontRef idx="minor">
-              <a:schemeClr val="dk1"/>
-            </a:fontRef>
-          </p:style>
-          <p:txBody>
-            <a:bodyPr rot="0" spcFirstLastPara="0" vert="horz" wrap="square" lIns="91440" tIns="45720" rIns="91440" bIns="45720" numCol="1" spcCol="0" rtlCol="0" fromWordArt="0" anchor="ctr" anchorCtr="0" forceAA="0" compatLnSpc="1">
-              <a:prstTxWarp prst="textNoShape">
-                <a:avLst/>
-              </a:prstTxWarp>
-              <a:noAutofit/>
-            </a:bodyPr>
-            <a:lstStyle/>
-            <a:p>
-              <a:pPr algn="ctr">
-                <a:spcAft>
-                  <a:spcPts val="0"/>
-                </a:spcAft>
-              </a:pPr>
-              <a:r>
-                <a:rPr lang="id-ID" sz="900" dirty="0" smtClean="0">
-                  <a:solidFill>
-                    <a:srgbClr val="000000"/>
-                  </a:solidFill>
-                  <a:ea typeface="Times New Roman" panose="02020603050405020304" pitchFamily="18" charset="0"/>
-                  <a:cs typeface="Times New Roman" panose="02020603050405020304" pitchFamily="18" charset="0"/>
-                </a:rPr>
-                <a:t>Laporan Pegawai</a:t>
-              </a:r>
-              <a:endParaRPr lang="en-US" sz="1600" dirty="0">
-                <a:effectLst/>
-                <a:latin typeface="Times New Roman" panose="02020603050405020304" pitchFamily="18" charset="0"/>
-                <a:ea typeface="Times New Roman" panose="02020603050405020304" pitchFamily="18" charset="0"/>
-              </a:endParaRPr>
-            </a:p>
-          </p:txBody>
-        </p:sp>
-        <p:sp>
-          <p:nvSpPr>
-            <p:cNvPr id="122" name="Oval 121"/>
-            <p:cNvSpPr/>
-            <p:nvPr/>
-          </p:nvSpPr>
-          <p:spPr>
-            <a:xfrm>
-              <a:off x="6584776" y="3264556"/>
-              <a:ext cx="1473109" cy="384190"/>
-            </a:xfrm>
-            <a:prstGeom prst="ellipse">
-              <a:avLst/>
-            </a:prstGeom>
-          </p:spPr>
-          <p:style>
-            <a:lnRef idx="2">
-              <a:schemeClr val="dk1"/>
-            </a:lnRef>
-            <a:fillRef idx="1">
-              <a:schemeClr val="lt1"/>
-            </a:fillRef>
-            <a:effectRef idx="0">
-              <a:schemeClr val="dk1"/>
-            </a:effectRef>
-            <a:fontRef idx="minor">
-              <a:schemeClr val="dk1"/>
-            </a:fontRef>
-          </p:style>
-          <p:txBody>
-            <a:bodyPr rot="0" spcFirstLastPara="0" vert="horz" wrap="square" lIns="91440" tIns="45720" rIns="91440" bIns="45720" numCol="1" spcCol="0" rtlCol="0" fromWordArt="0" anchor="ctr" anchorCtr="0" forceAA="0" compatLnSpc="1">
-              <a:prstTxWarp prst="textNoShape">
-                <a:avLst/>
-              </a:prstTxWarp>
-              <a:noAutofit/>
-            </a:bodyPr>
-            <a:lstStyle/>
-            <a:p>
-              <a:pPr algn="ctr">
-                <a:spcAft>
-                  <a:spcPts val="0"/>
-                </a:spcAft>
-              </a:pPr>
-              <a:r>
-                <a:rPr lang="id-ID" sz="900" dirty="0" smtClean="0">
-                  <a:solidFill>
-                    <a:srgbClr val="000000"/>
-                  </a:solidFill>
-                  <a:ea typeface="Times New Roman" panose="02020603050405020304" pitchFamily="18" charset="0"/>
-                  <a:cs typeface="Times New Roman" panose="02020603050405020304" pitchFamily="18" charset="0"/>
-                </a:rPr>
-                <a:t>Tambah data obat</a:t>
-              </a:r>
-            </a:p>
-          </p:txBody>
-        </p:sp>
-        <p:sp>
-          <p:nvSpPr>
-            <p:cNvPr id="123" name="Oval 122"/>
-            <p:cNvSpPr/>
-            <p:nvPr/>
-          </p:nvSpPr>
-          <p:spPr>
-            <a:xfrm>
-              <a:off x="4826847" y="3264556"/>
-              <a:ext cx="1473109" cy="384190"/>
-            </a:xfrm>
-            <a:prstGeom prst="ellipse">
-              <a:avLst/>
-            </a:prstGeom>
-          </p:spPr>
-          <p:style>
-            <a:lnRef idx="2">
-              <a:schemeClr val="dk1"/>
-            </a:lnRef>
-            <a:fillRef idx="1">
-              <a:schemeClr val="lt1"/>
-            </a:fillRef>
-            <a:effectRef idx="0">
-              <a:schemeClr val="dk1"/>
-            </a:effectRef>
-            <a:fontRef idx="minor">
-              <a:schemeClr val="dk1"/>
-            </a:fontRef>
-          </p:style>
-          <p:txBody>
-            <a:bodyPr rot="0" spcFirstLastPara="0" vert="horz" wrap="square" lIns="91440" tIns="45720" rIns="91440" bIns="45720" numCol="1" spcCol="0" rtlCol="0" fromWordArt="0" anchor="ctr" anchorCtr="0" forceAA="0" compatLnSpc="1">
-              <a:prstTxWarp prst="textNoShape">
-                <a:avLst/>
-              </a:prstTxWarp>
-              <a:noAutofit/>
-            </a:bodyPr>
-            <a:lstStyle/>
-            <a:p>
-              <a:pPr algn="ctr">
-                <a:spcAft>
-                  <a:spcPts val="0"/>
-                </a:spcAft>
-              </a:pPr>
-              <a:r>
-                <a:rPr lang="id-ID" sz="900" dirty="0" smtClean="0">
-                  <a:solidFill>
-                    <a:srgbClr val="000000"/>
-                  </a:solidFill>
-                  <a:ea typeface="Times New Roman" panose="02020603050405020304" pitchFamily="18" charset="0"/>
-                  <a:cs typeface="Times New Roman" panose="02020603050405020304" pitchFamily="18" charset="0"/>
-                </a:rPr>
-                <a:t>Ubah dan hapus data obat</a:t>
-              </a:r>
-            </a:p>
-          </p:txBody>
-        </p:sp>
-        <p:sp>
-          <p:nvSpPr>
-            <p:cNvPr id="124" name="Oval 123"/>
-            <p:cNvSpPr/>
-            <p:nvPr/>
-          </p:nvSpPr>
-          <p:spPr>
-            <a:xfrm>
-              <a:off x="8342705" y="3264556"/>
-              <a:ext cx="1473109" cy="384190"/>
-            </a:xfrm>
-            <a:prstGeom prst="ellipse">
-              <a:avLst/>
-            </a:prstGeom>
-          </p:spPr>
-          <p:style>
-            <a:lnRef idx="2">
-              <a:schemeClr val="dk1"/>
-            </a:lnRef>
-            <a:fillRef idx="1">
-              <a:schemeClr val="lt1"/>
-            </a:fillRef>
-            <a:effectRef idx="0">
-              <a:schemeClr val="dk1"/>
-            </a:effectRef>
-            <a:fontRef idx="minor">
-              <a:schemeClr val="dk1"/>
-            </a:fontRef>
-          </p:style>
-          <p:txBody>
-            <a:bodyPr rot="0" spcFirstLastPara="0" vert="horz" wrap="square" lIns="91440" tIns="45720" rIns="91440" bIns="45720" numCol="1" spcCol="0" rtlCol="0" fromWordArt="0" anchor="ctr" anchorCtr="0" forceAA="0" compatLnSpc="1">
-              <a:prstTxWarp prst="textNoShape">
-                <a:avLst/>
-              </a:prstTxWarp>
-              <a:noAutofit/>
-            </a:bodyPr>
-            <a:lstStyle/>
-            <a:p>
-              <a:pPr algn="ctr">
-                <a:spcAft>
-                  <a:spcPts val="0"/>
-                </a:spcAft>
-              </a:pPr>
-              <a:r>
-                <a:rPr lang="id-ID" sz="900" dirty="0" smtClean="0">
-                  <a:solidFill>
-                    <a:srgbClr val="000000"/>
-                  </a:solidFill>
-                  <a:ea typeface="Times New Roman" panose="02020603050405020304" pitchFamily="18" charset="0"/>
-                  <a:cs typeface="Times New Roman" panose="02020603050405020304" pitchFamily="18" charset="0"/>
-                </a:rPr>
-                <a:t>Cek Kadaluarsa</a:t>
-              </a:r>
-              <a:endParaRPr lang="en-US" sz="1600" dirty="0">
-                <a:effectLst/>
-                <a:latin typeface="Times New Roman" panose="02020603050405020304" pitchFamily="18" charset="0"/>
-                <a:ea typeface="Times New Roman" panose="02020603050405020304" pitchFamily="18" charset="0"/>
-              </a:endParaRPr>
-            </a:p>
-          </p:txBody>
-        </p:sp>
-        <p:sp>
-          <p:nvSpPr>
-            <p:cNvPr id="125" name="Oval 124"/>
-            <p:cNvSpPr/>
-            <p:nvPr/>
-          </p:nvSpPr>
-          <p:spPr>
-            <a:xfrm>
-              <a:off x="9513183" y="3967542"/>
-              <a:ext cx="1002418" cy="384190"/>
-            </a:xfrm>
-            <a:prstGeom prst="ellipse">
-              <a:avLst/>
-            </a:prstGeom>
-          </p:spPr>
-          <p:style>
-            <a:lnRef idx="2">
-              <a:schemeClr val="dk1"/>
-            </a:lnRef>
-            <a:fillRef idx="1">
-              <a:schemeClr val="lt1"/>
-            </a:fillRef>
-            <a:effectRef idx="0">
-              <a:schemeClr val="dk1"/>
-            </a:effectRef>
-            <a:fontRef idx="minor">
-              <a:schemeClr val="dk1"/>
-            </a:fontRef>
-          </p:style>
-          <p:txBody>
-            <a:bodyPr rot="0" spcFirstLastPara="0" vert="horz" wrap="square" lIns="91440" tIns="45720" rIns="91440" bIns="45720" numCol="1" spcCol="0" rtlCol="0" fromWordArt="0" anchor="ctr" anchorCtr="0" forceAA="0" compatLnSpc="1">
-              <a:prstTxWarp prst="textNoShape">
-                <a:avLst/>
-              </a:prstTxWarp>
-              <a:noAutofit/>
-            </a:bodyPr>
-            <a:lstStyle/>
-            <a:p>
-              <a:pPr algn="ctr">
-                <a:spcAft>
-                  <a:spcPts val="0"/>
-                </a:spcAft>
-              </a:pPr>
-              <a:r>
-                <a:rPr lang="id-ID" sz="900" dirty="0" smtClean="0">
-                  <a:solidFill>
-                    <a:srgbClr val="000000"/>
-                  </a:solidFill>
-                  <a:ea typeface="Times New Roman" panose="02020603050405020304" pitchFamily="18" charset="0"/>
-                  <a:cs typeface="Times New Roman" panose="02020603050405020304" pitchFamily="18" charset="0"/>
-                </a:rPr>
-                <a:t>Laporan Obat</a:t>
-              </a:r>
-              <a:endParaRPr lang="en-US" sz="1600" dirty="0">
-                <a:effectLst/>
-                <a:latin typeface="Times New Roman" panose="02020603050405020304" pitchFamily="18" charset="0"/>
-                <a:ea typeface="Times New Roman" panose="02020603050405020304" pitchFamily="18" charset="0"/>
-              </a:endParaRPr>
-            </a:p>
-          </p:txBody>
-        </p:sp>
-        <p:sp>
-          <p:nvSpPr>
-            <p:cNvPr id="130" name="Oval 129"/>
-            <p:cNvSpPr/>
-            <p:nvPr/>
-          </p:nvSpPr>
-          <p:spPr>
-            <a:xfrm>
-              <a:off x="9403783" y="2728536"/>
-              <a:ext cx="932856" cy="384190"/>
-            </a:xfrm>
-            <a:prstGeom prst="ellipse">
-              <a:avLst/>
-            </a:prstGeom>
-          </p:spPr>
-          <p:style>
-            <a:lnRef idx="2">
-              <a:schemeClr val="dk1"/>
-            </a:lnRef>
-            <a:fillRef idx="1">
-              <a:schemeClr val="lt1"/>
-            </a:fillRef>
-            <a:effectRef idx="0">
-              <a:schemeClr val="dk1"/>
-            </a:effectRef>
-            <a:fontRef idx="minor">
-              <a:schemeClr val="dk1"/>
-            </a:fontRef>
-          </p:style>
-          <p:txBody>
-            <a:bodyPr rot="0" spcFirstLastPara="0" vert="horz" wrap="square" lIns="91440" tIns="45720" rIns="91440" bIns="45720" numCol="1" spcCol="0" rtlCol="0" fromWordArt="0" anchor="ctr" anchorCtr="0" forceAA="0" compatLnSpc="1">
-              <a:prstTxWarp prst="textNoShape">
-                <a:avLst/>
-              </a:prstTxWarp>
-              <a:noAutofit/>
-            </a:bodyPr>
-            <a:lstStyle/>
-            <a:p>
-              <a:pPr algn="ctr">
-                <a:spcAft>
-                  <a:spcPts val="0"/>
-                </a:spcAft>
-              </a:pPr>
-              <a:r>
-                <a:rPr lang="id-ID" sz="900" dirty="0" smtClean="0">
-                  <a:solidFill>
-                    <a:srgbClr val="000000"/>
-                  </a:solidFill>
-                  <a:ea typeface="Times New Roman" panose="02020603050405020304" pitchFamily="18" charset="0"/>
-                  <a:cs typeface="Times New Roman" panose="02020603050405020304" pitchFamily="18" charset="0"/>
-                </a:rPr>
-                <a:t>Cek Stok</a:t>
-              </a:r>
-              <a:endParaRPr lang="en-US" sz="1600" dirty="0">
-                <a:effectLst/>
-                <a:latin typeface="Times New Roman" panose="02020603050405020304" pitchFamily="18" charset="0"/>
-                <a:ea typeface="Times New Roman" panose="02020603050405020304" pitchFamily="18" charset="0"/>
-              </a:endParaRPr>
-            </a:p>
-          </p:txBody>
-        </p:sp>
-        <p:sp>
-          <p:nvSpPr>
-            <p:cNvPr id="132" name="Oval 131"/>
-            <p:cNvSpPr/>
-            <p:nvPr/>
-          </p:nvSpPr>
-          <p:spPr>
-            <a:xfrm>
-              <a:off x="4826846" y="1225615"/>
-              <a:ext cx="1473109" cy="384190"/>
-            </a:xfrm>
-            <a:prstGeom prst="ellipse">
-              <a:avLst/>
-            </a:prstGeom>
-          </p:spPr>
-          <p:style>
-            <a:lnRef idx="2">
-              <a:schemeClr val="dk1"/>
-            </a:lnRef>
-            <a:fillRef idx="1">
-              <a:schemeClr val="lt1"/>
-            </a:fillRef>
-            <a:effectRef idx="0">
-              <a:schemeClr val="dk1"/>
-            </a:effectRef>
-            <a:fontRef idx="minor">
-              <a:schemeClr val="dk1"/>
-            </a:fontRef>
-          </p:style>
-          <p:txBody>
-            <a:bodyPr rot="0" spcFirstLastPara="0" vert="horz" wrap="square" lIns="91440" tIns="45720" rIns="91440" bIns="45720" numCol="1" spcCol="0" rtlCol="0" fromWordArt="0" anchor="ctr" anchorCtr="0" forceAA="0" compatLnSpc="1">
-              <a:prstTxWarp prst="textNoShape">
-                <a:avLst/>
-              </a:prstTxWarp>
-              <a:noAutofit/>
-            </a:bodyPr>
-            <a:lstStyle/>
-            <a:p>
-              <a:pPr algn="ctr">
-                <a:spcAft>
-                  <a:spcPts val="0"/>
-                </a:spcAft>
-              </a:pPr>
-              <a:r>
-                <a:rPr lang="id-ID" sz="900" dirty="0" smtClean="0">
-                  <a:solidFill>
-                    <a:srgbClr val="000000"/>
-                  </a:solidFill>
-                  <a:ea typeface="Times New Roman" panose="02020603050405020304" pitchFamily="18" charset="0"/>
-                  <a:cs typeface="Times New Roman" panose="02020603050405020304" pitchFamily="18" charset="0"/>
-                </a:rPr>
-                <a:t>Pencarian Obat</a:t>
-              </a:r>
-            </a:p>
-          </p:txBody>
-        </p:sp>
-        <p:sp>
-          <p:nvSpPr>
-            <p:cNvPr id="133" name="Oval 132"/>
-            <p:cNvSpPr/>
-            <p:nvPr/>
-          </p:nvSpPr>
-          <p:spPr>
-            <a:xfrm>
-              <a:off x="6672694" y="1225615"/>
-              <a:ext cx="932856" cy="384190"/>
-            </a:xfrm>
-            <a:prstGeom prst="ellipse">
-              <a:avLst/>
-            </a:prstGeom>
-          </p:spPr>
-          <p:style>
-            <a:lnRef idx="2">
-              <a:schemeClr val="dk1"/>
-            </a:lnRef>
-            <a:fillRef idx="1">
-              <a:schemeClr val="lt1"/>
-            </a:fillRef>
-            <a:effectRef idx="0">
-              <a:schemeClr val="dk1"/>
-            </a:effectRef>
-            <a:fontRef idx="minor">
-              <a:schemeClr val="dk1"/>
-            </a:fontRef>
-          </p:style>
-          <p:txBody>
-            <a:bodyPr rot="0" spcFirstLastPara="0" vert="horz" wrap="square" lIns="91440" tIns="45720" rIns="91440" bIns="45720" numCol="1" spcCol="0" rtlCol="0" fromWordArt="0" anchor="ctr" anchorCtr="0" forceAA="0" compatLnSpc="1">
-              <a:prstTxWarp prst="textNoShape">
-                <a:avLst/>
-              </a:prstTxWarp>
-              <a:noAutofit/>
-            </a:bodyPr>
-            <a:lstStyle/>
-            <a:p>
-              <a:pPr algn="ctr">
-                <a:spcAft>
-                  <a:spcPts val="0"/>
-                </a:spcAft>
-              </a:pPr>
-              <a:r>
-                <a:rPr lang="id-ID" sz="900" dirty="0" smtClean="0">
-                  <a:solidFill>
-                    <a:srgbClr val="000000"/>
-                  </a:solidFill>
-                  <a:ea typeface="Times New Roman" panose="02020603050405020304" pitchFamily="18" charset="0"/>
-                  <a:cs typeface="Times New Roman" panose="02020603050405020304" pitchFamily="18" charset="0"/>
-                </a:rPr>
-                <a:t>Dengan Resep</a:t>
-              </a:r>
-              <a:endParaRPr lang="en-US" sz="1600" dirty="0">
-                <a:effectLst/>
-                <a:latin typeface="Times New Roman" panose="02020603050405020304" pitchFamily="18" charset="0"/>
-                <a:ea typeface="Times New Roman" panose="02020603050405020304" pitchFamily="18" charset="0"/>
-              </a:endParaRPr>
-            </a:p>
-          </p:txBody>
-        </p:sp>
-        <p:sp>
-          <p:nvSpPr>
-            <p:cNvPr id="134" name="Oval 133"/>
-            <p:cNvSpPr/>
-            <p:nvPr/>
-          </p:nvSpPr>
-          <p:spPr>
-            <a:xfrm>
-              <a:off x="7978290" y="1225615"/>
-              <a:ext cx="932856" cy="384190"/>
-            </a:xfrm>
-            <a:prstGeom prst="ellipse">
-              <a:avLst/>
-            </a:prstGeom>
-          </p:spPr>
-          <p:style>
-            <a:lnRef idx="2">
-              <a:schemeClr val="dk1"/>
-            </a:lnRef>
-            <a:fillRef idx="1">
-              <a:schemeClr val="lt1"/>
-            </a:fillRef>
-            <a:effectRef idx="0">
-              <a:schemeClr val="dk1"/>
-            </a:effectRef>
-            <a:fontRef idx="minor">
-              <a:schemeClr val="dk1"/>
-            </a:fontRef>
-          </p:style>
-          <p:txBody>
-            <a:bodyPr rot="0" spcFirstLastPara="0" vert="horz" wrap="square" lIns="91440" tIns="45720" rIns="91440" bIns="45720" numCol="1" spcCol="0" rtlCol="0" fromWordArt="0" anchor="ctr" anchorCtr="0" forceAA="0" compatLnSpc="1">
-              <a:prstTxWarp prst="textNoShape">
-                <a:avLst/>
-              </a:prstTxWarp>
-              <a:noAutofit/>
-            </a:bodyPr>
-            <a:lstStyle/>
-            <a:p>
-              <a:pPr algn="ctr">
-                <a:spcAft>
-                  <a:spcPts val="0"/>
-                </a:spcAft>
-              </a:pPr>
-              <a:r>
-                <a:rPr lang="id-ID" sz="900" dirty="0" smtClean="0">
-                  <a:solidFill>
-                    <a:srgbClr val="000000"/>
-                  </a:solidFill>
-                  <a:ea typeface="Times New Roman" panose="02020603050405020304" pitchFamily="18" charset="0"/>
-                  <a:cs typeface="Times New Roman" panose="02020603050405020304" pitchFamily="18" charset="0"/>
-                </a:rPr>
-                <a:t>Tanpa Resep</a:t>
-              </a:r>
-              <a:endParaRPr lang="en-US" sz="1600" dirty="0">
-                <a:effectLst/>
-                <a:latin typeface="Times New Roman" panose="02020603050405020304" pitchFamily="18" charset="0"/>
-                <a:ea typeface="Times New Roman" panose="02020603050405020304" pitchFamily="18" charset="0"/>
-              </a:endParaRPr>
-            </a:p>
-          </p:txBody>
-        </p:sp>
-        <p:cxnSp>
-          <p:nvCxnSpPr>
-            <p:cNvPr id="135" name="Elbow Connector 134"/>
-            <p:cNvCxnSpPr>
-              <a:stCxn id="132" idx="0"/>
-              <a:endCxn id="42" idx="4"/>
-            </p:cNvCxnSpPr>
-            <p:nvPr/>
-          </p:nvCxnSpPr>
-          <p:spPr>
-            <a:xfrm rot="16200000" flipV="1">
-              <a:off x="4579088" y="241302"/>
-              <a:ext cx="360259" cy="1608368"/>
-            </a:xfrm>
-            <a:prstGeom prst="bentConnector3">
-              <a:avLst>
-                <a:gd name="adj1" fmla="val 50000"/>
-              </a:avLst>
-            </a:prstGeom>
-            <a:ln w="12700">
-              <a:prstDash val="dash"/>
-              <a:tailEnd type="triangle"/>
-            </a:ln>
-          </p:spPr>
-          <p:style>
-            <a:lnRef idx="1">
-              <a:schemeClr val="dk1"/>
-            </a:lnRef>
-            <a:fillRef idx="0">
-              <a:schemeClr val="dk1"/>
-            </a:fillRef>
-            <a:effectRef idx="0">
-              <a:schemeClr val="dk1"/>
-            </a:effectRef>
-            <a:fontRef idx="minor">
-              <a:schemeClr val="tx1"/>
-            </a:fontRef>
-          </p:style>
-        </p:cxnSp>
-        <p:cxnSp>
-          <p:nvCxnSpPr>
-            <p:cNvPr id="144" name="Elbow Connector 143"/>
-            <p:cNvCxnSpPr>
-              <a:stCxn id="133" idx="0"/>
-              <a:endCxn id="42" idx="5"/>
-            </p:cNvCxnSpPr>
-            <p:nvPr/>
-          </p:nvCxnSpPr>
-          <p:spPr>
-            <a:xfrm rot="16200000" flipV="1">
-              <a:off x="5599228" y="-314280"/>
-              <a:ext cx="416522" cy="2663267"/>
-            </a:xfrm>
-            <a:prstGeom prst="bentConnector3">
-              <a:avLst/>
-            </a:prstGeom>
-            <a:ln>
-              <a:tailEnd type="triangle"/>
-            </a:ln>
-          </p:spPr>
-          <p:style>
-            <a:lnRef idx="1">
-              <a:schemeClr val="dk1"/>
-            </a:lnRef>
-            <a:fillRef idx="0">
-              <a:schemeClr val="dk1"/>
-            </a:fillRef>
-            <a:effectRef idx="0">
-              <a:schemeClr val="dk1"/>
-            </a:effectRef>
-            <a:fontRef idx="minor">
-              <a:schemeClr val="tx1"/>
-            </a:fontRef>
-          </p:style>
-        </p:cxnSp>
-        <p:cxnSp>
-          <p:nvCxnSpPr>
-            <p:cNvPr id="146" name="Elbow Connector 145"/>
-            <p:cNvCxnSpPr>
-              <a:stCxn id="134" idx="0"/>
-              <a:endCxn id="42" idx="5"/>
-            </p:cNvCxnSpPr>
-            <p:nvPr/>
-          </p:nvCxnSpPr>
-          <p:spPr>
-            <a:xfrm rot="16200000" flipV="1">
-              <a:off x="6252026" y="-967078"/>
-              <a:ext cx="416522" cy="3968863"/>
-            </a:xfrm>
-            <a:prstGeom prst="bentConnector3">
-              <a:avLst>
-                <a:gd name="adj1" fmla="val 50000"/>
-              </a:avLst>
-            </a:prstGeom>
-            <a:ln>
-              <a:tailEnd type="triangle"/>
-            </a:ln>
-          </p:spPr>
-          <p:style>
-            <a:lnRef idx="1">
-              <a:schemeClr val="dk1"/>
-            </a:lnRef>
-            <a:fillRef idx="0">
-              <a:schemeClr val="dk1"/>
-            </a:fillRef>
-            <a:effectRef idx="0">
-              <a:schemeClr val="dk1"/>
-            </a:effectRef>
-            <a:fontRef idx="minor">
-              <a:schemeClr val="tx1"/>
-            </a:fontRef>
-          </p:style>
-        </p:cxnSp>
-        <p:cxnSp>
-          <p:nvCxnSpPr>
-            <p:cNvPr id="149" name="Elbow Connector 148"/>
-            <p:cNvCxnSpPr>
-              <a:stCxn id="122" idx="0"/>
-              <a:endCxn id="44" idx="4"/>
-            </p:cNvCxnSpPr>
-            <p:nvPr/>
-          </p:nvCxnSpPr>
-          <p:spPr>
-            <a:xfrm rot="16200000" flipV="1">
-              <a:off x="5411185" y="1354410"/>
-              <a:ext cx="453994" cy="3366298"/>
-            </a:xfrm>
-            <a:prstGeom prst="bentConnector3">
-              <a:avLst>
-                <a:gd name="adj1" fmla="val 16431"/>
-              </a:avLst>
-            </a:prstGeom>
-            <a:ln>
-              <a:tailEnd type="triangle"/>
-            </a:ln>
-          </p:spPr>
-          <p:style>
-            <a:lnRef idx="1">
-              <a:schemeClr val="dk1"/>
-            </a:lnRef>
-            <a:fillRef idx="0">
-              <a:schemeClr val="dk1"/>
-            </a:fillRef>
-            <a:effectRef idx="0">
-              <a:schemeClr val="dk1"/>
-            </a:effectRef>
-            <a:fontRef idx="minor">
-              <a:schemeClr val="tx1"/>
-            </a:fontRef>
-          </p:style>
-        </p:cxnSp>
-        <p:cxnSp>
-          <p:nvCxnSpPr>
-            <p:cNvPr id="155" name="Elbow Connector 154"/>
-            <p:cNvCxnSpPr>
-              <a:stCxn id="124" idx="0"/>
-              <a:endCxn id="44" idx="5"/>
-            </p:cNvCxnSpPr>
-            <p:nvPr/>
-          </p:nvCxnSpPr>
-          <p:spPr>
-            <a:xfrm rot="16200000" flipV="1">
-              <a:off x="6522430" y="707725"/>
-              <a:ext cx="510257" cy="4603405"/>
-            </a:xfrm>
-            <a:prstGeom prst="bentConnector3">
-              <a:avLst>
-                <a:gd name="adj1" fmla="val 40045"/>
-              </a:avLst>
-            </a:prstGeom>
-            <a:ln w="12700">
-              <a:prstDash val="dash"/>
-              <a:tailEnd type="triangle"/>
-            </a:ln>
-          </p:spPr>
-          <p:style>
-            <a:lnRef idx="1">
-              <a:schemeClr val="dk1"/>
-            </a:lnRef>
-            <a:fillRef idx="0">
-              <a:schemeClr val="dk1"/>
-            </a:fillRef>
-            <a:effectRef idx="0">
-              <a:schemeClr val="dk1"/>
-            </a:effectRef>
-            <a:fontRef idx="minor">
-              <a:schemeClr val="tx1"/>
-            </a:fontRef>
-          </p:style>
-        </p:cxnSp>
-        <p:cxnSp>
-          <p:nvCxnSpPr>
-            <p:cNvPr id="161" name="Elbow Connector 160"/>
-            <p:cNvCxnSpPr>
-              <a:stCxn id="130" idx="2"/>
-              <a:endCxn id="44" idx="5"/>
-            </p:cNvCxnSpPr>
-            <p:nvPr/>
-          </p:nvCxnSpPr>
-          <p:spPr>
-            <a:xfrm rot="10800000">
-              <a:off x="4475855" y="2754299"/>
-              <a:ext cx="4927928" cy="166332"/>
-            </a:xfrm>
-            <a:prstGeom prst="bentConnector2">
-              <a:avLst/>
-            </a:prstGeom>
-            <a:ln w="12700">
-              <a:prstDash val="dash"/>
-              <a:tailEnd type="triangle"/>
-            </a:ln>
-          </p:spPr>
-          <p:style>
-            <a:lnRef idx="1">
-              <a:schemeClr val="dk1"/>
-            </a:lnRef>
-            <a:fillRef idx="0">
-              <a:schemeClr val="dk1"/>
-            </a:fillRef>
-            <a:effectRef idx="0">
-              <a:schemeClr val="dk1"/>
-            </a:effectRef>
-            <a:fontRef idx="minor">
-              <a:schemeClr val="tx1"/>
-            </a:fontRef>
-          </p:style>
-        </p:cxnSp>
-        <p:cxnSp>
-          <p:nvCxnSpPr>
-            <p:cNvPr id="166" name="Elbow Connector 165"/>
-            <p:cNvCxnSpPr>
-              <a:stCxn id="123" idx="0"/>
-              <a:endCxn id="44" idx="4"/>
-            </p:cNvCxnSpPr>
-            <p:nvPr/>
-          </p:nvCxnSpPr>
-          <p:spPr>
-            <a:xfrm rot="16200000" flipV="1">
-              <a:off x="4532221" y="2233374"/>
-              <a:ext cx="453994" cy="1608369"/>
-            </a:xfrm>
-            <a:prstGeom prst="bentConnector3">
-              <a:avLst>
-                <a:gd name="adj1" fmla="val 19228"/>
-              </a:avLst>
-            </a:prstGeom>
-            <a:ln>
-              <a:tailEnd type="triangle"/>
-            </a:ln>
-          </p:spPr>
-          <p:style>
-            <a:lnRef idx="1">
-              <a:schemeClr val="dk1"/>
-            </a:lnRef>
-            <a:fillRef idx="0">
-              <a:schemeClr val="dk1"/>
-            </a:fillRef>
-            <a:effectRef idx="0">
-              <a:schemeClr val="dk1"/>
-            </a:effectRef>
-            <a:fontRef idx="minor">
-              <a:schemeClr val="tx1"/>
-            </a:fontRef>
-          </p:style>
-        </p:cxnSp>
-        <p:cxnSp>
-          <p:nvCxnSpPr>
-            <p:cNvPr id="169" name="Elbow Connector 168"/>
-            <p:cNvCxnSpPr>
-              <a:stCxn id="125" idx="4"/>
-              <a:endCxn id="46" idx="7"/>
-            </p:cNvCxnSpPr>
-            <p:nvPr/>
-          </p:nvCxnSpPr>
-          <p:spPr>
-            <a:xfrm rot="5400000">
-              <a:off x="7016570" y="1811018"/>
-              <a:ext cx="457109" cy="5538537"/>
-            </a:xfrm>
-            <a:prstGeom prst="bentConnector3">
-              <a:avLst>
-                <a:gd name="adj1" fmla="val 50000"/>
-              </a:avLst>
-            </a:prstGeom>
-            <a:ln>
-              <a:tailEnd type="triangle"/>
-            </a:ln>
-          </p:spPr>
-          <p:style>
-            <a:lnRef idx="1">
-              <a:schemeClr val="dk1"/>
-            </a:lnRef>
-            <a:fillRef idx="0">
-              <a:schemeClr val="dk1"/>
-            </a:fillRef>
-            <a:effectRef idx="0">
-              <a:schemeClr val="dk1"/>
-            </a:effectRef>
-            <a:fontRef idx="minor">
-              <a:schemeClr val="tx1"/>
-            </a:fontRef>
-          </p:style>
-        </p:cxnSp>
-        <p:cxnSp>
-          <p:nvCxnSpPr>
-            <p:cNvPr id="173" name="Elbow Connector 172"/>
-            <p:cNvCxnSpPr>
-              <a:stCxn id="121" idx="4"/>
-              <a:endCxn id="46" idx="0"/>
-            </p:cNvCxnSpPr>
-            <p:nvPr/>
-          </p:nvCxnSpPr>
-          <p:spPr>
-            <a:xfrm rot="5400000">
-              <a:off x="6025933" y="2280832"/>
-              <a:ext cx="400846" cy="4542646"/>
-            </a:xfrm>
-            <a:prstGeom prst="bentConnector3">
-              <a:avLst>
-                <a:gd name="adj1" fmla="val 50000"/>
-              </a:avLst>
-            </a:prstGeom>
-            <a:ln>
-              <a:tailEnd type="triangle"/>
-            </a:ln>
-          </p:spPr>
-          <p:style>
-            <a:lnRef idx="1">
-              <a:schemeClr val="dk1"/>
-            </a:lnRef>
-            <a:fillRef idx="0">
-              <a:schemeClr val="dk1"/>
-            </a:fillRef>
-            <a:effectRef idx="0">
-              <a:schemeClr val="dk1"/>
-            </a:effectRef>
-            <a:fontRef idx="minor">
-              <a:schemeClr val="tx1"/>
-            </a:fontRef>
-          </p:style>
-        </p:cxnSp>
-        <p:cxnSp>
-          <p:nvCxnSpPr>
-            <p:cNvPr id="176" name="Elbow Connector 175"/>
-            <p:cNvCxnSpPr>
-              <a:stCxn id="119" idx="4"/>
-              <a:endCxn id="46" idx="0"/>
-            </p:cNvCxnSpPr>
-            <p:nvPr/>
-          </p:nvCxnSpPr>
-          <p:spPr>
-            <a:xfrm rot="5400000">
-              <a:off x="5233461" y="3073304"/>
-              <a:ext cx="400846" cy="2957702"/>
-            </a:xfrm>
-            <a:prstGeom prst="bentConnector3">
-              <a:avLst>
-                <a:gd name="adj1" fmla="val 50000"/>
-              </a:avLst>
-            </a:prstGeom>
-            <a:ln>
-              <a:tailEnd type="triangle"/>
-            </a:ln>
-          </p:spPr>
-          <p:style>
-            <a:lnRef idx="1">
-              <a:schemeClr val="dk1"/>
-            </a:lnRef>
-            <a:fillRef idx="0">
-              <a:schemeClr val="dk1"/>
-            </a:fillRef>
-            <a:effectRef idx="0">
-              <a:schemeClr val="dk1"/>
-            </a:effectRef>
-            <a:fontRef idx="minor">
-              <a:schemeClr val="tx1"/>
-            </a:fontRef>
-          </p:style>
-        </p:cxnSp>
-        <p:cxnSp>
-          <p:nvCxnSpPr>
-            <p:cNvPr id="179" name="Elbow Connector 178"/>
-            <p:cNvCxnSpPr>
-              <a:stCxn id="120" idx="4"/>
-              <a:endCxn id="46" idx="0"/>
-            </p:cNvCxnSpPr>
-            <p:nvPr/>
-          </p:nvCxnSpPr>
-          <p:spPr>
-            <a:xfrm rot="5400000">
-              <a:off x="4432360" y="3874405"/>
-              <a:ext cx="400846" cy="1355500"/>
-            </a:xfrm>
-            <a:prstGeom prst="bentConnector3">
-              <a:avLst>
-                <a:gd name="adj1" fmla="val 50000"/>
-              </a:avLst>
-            </a:prstGeom>
-            <a:ln>
-              <a:tailEnd type="triangle"/>
-            </a:ln>
-          </p:spPr>
-          <p:style>
-            <a:lnRef idx="1">
-              <a:schemeClr val="dk1"/>
-            </a:lnRef>
-            <a:fillRef idx="0">
-              <a:schemeClr val="dk1"/>
-            </a:fillRef>
-            <a:effectRef idx="0">
-              <a:schemeClr val="dk1"/>
-            </a:effectRef>
-            <a:fontRef idx="minor">
-              <a:schemeClr val="tx1"/>
-            </a:fontRef>
-          </p:style>
-        </p:cxnSp>
-        <p:cxnSp>
-          <p:nvCxnSpPr>
-            <p:cNvPr id="182" name="Elbow Connector 181"/>
-            <p:cNvCxnSpPr>
-              <a:stCxn id="114" idx="4"/>
-              <a:endCxn id="47" idx="0"/>
-            </p:cNvCxnSpPr>
-            <p:nvPr/>
-          </p:nvCxnSpPr>
-          <p:spPr>
-            <a:xfrm rot="5400000">
-              <a:off x="4597516" y="4854546"/>
-              <a:ext cx="323404" cy="1608369"/>
-            </a:xfrm>
-            <a:prstGeom prst="bentConnector3">
-              <a:avLst>
-                <a:gd name="adj1" fmla="val 50000"/>
-              </a:avLst>
-            </a:prstGeom>
-            <a:ln>
-              <a:tailEnd type="triangle"/>
-            </a:ln>
-          </p:spPr>
-          <p:style>
-            <a:lnRef idx="1">
-              <a:schemeClr val="dk1"/>
-            </a:lnRef>
-            <a:fillRef idx="0">
-              <a:schemeClr val="dk1"/>
-            </a:fillRef>
-            <a:effectRef idx="0">
-              <a:schemeClr val="dk1"/>
-            </a:effectRef>
-            <a:fontRef idx="minor">
-              <a:schemeClr val="tx1"/>
-            </a:fontRef>
-          </p:style>
-        </p:cxnSp>
-        <p:cxnSp>
-          <p:nvCxnSpPr>
-            <p:cNvPr id="185" name="Elbow Connector 184"/>
-            <p:cNvCxnSpPr>
-              <a:stCxn id="113" idx="4"/>
-              <a:endCxn id="47" idx="7"/>
-            </p:cNvCxnSpPr>
-            <p:nvPr/>
-          </p:nvCxnSpPr>
-          <p:spPr>
-            <a:xfrm rot="5400000">
-              <a:off x="5718790" y="4254093"/>
-              <a:ext cx="379667" cy="2865536"/>
-            </a:xfrm>
-            <a:prstGeom prst="bentConnector3">
-              <a:avLst>
-                <a:gd name="adj1" fmla="val 50000"/>
-              </a:avLst>
-            </a:prstGeom>
-            <a:ln>
-              <a:tailEnd type="triangle"/>
-            </a:ln>
-          </p:spPr>
-          <p:style>
-            <a:lnRef idx="1">
-              <a:schemeClr val="dk1"/>
-            </a:lnRef>
-            <a:fillRef idx="0">
-              <a:schemeClr val="dk1"/>
-            </a:fillRef>
-            <a:effectRef idx="0">
-              <a:schemeClr val="dk1"/>
-            </a:effectRef>
-            <a:fontRef idx="minor">
-              <a:schemeClr val="tx1"/>
-            </a:fontRef>
-          </p:style>
-        </p:cxnSp>
-        <p:sp>
-          <p:nvSpPr>
-            <p:cNvPr id="194" name="TextBox 145"/>
-            <p:cNvSpPr txBox="1"/>
-            <p:nvPr/>
-          </p:nvSpPr>
-          <p:spPr>
-            <a:xfrm>
-              <a:off x="4616946" y="5790570"/>
-              <a:ext cx="868627" cy="246341"/>
-            </a:xfrm>
-            <a:prstGeom prst="rect">
-              <a:avLst/>
-            </a:prstGeom>
-            <a:noFill/>
-          </p:spPr>
-          <p:txBody>
-            <a:bodyPr wrap="none" rtlCol="0">
-              <a:spAutoFit/>
-            </a:bodyPr>
-            <a:lstStyle/>
-            <a:p>
-              <a:pPr>
-                <a:spcAft>
-                  <a:spcPts val="0"/>
-                </a:spcAft>
-              </a:pPr>
-              <a:r>
-                <a:rPr lang="id-ID" sz="1000" kern="1200" dirty="0">
-                  <a:solidFill>
-                    <a:srgbClr val="5B9BD5"/>
-                  </a:solidFill>
-                  <a:effectLst/>
-                  <a:latin typeface="Calibri" panose="020F0502020204030204" pitchFamily="34" charset="0"/>
-                  <a:ea typeface="Times New Roman" panose="02020603050405020304" pitchFamily="18" charset="0"/>
-                  <a:cs typeface="Times New Roman" panose="02020603050405020304" pitchFamily="18" charset="0"/>
-                </a:rPr>
-                <a:t>&lt;&lt; include &gt;&gt;</a:t>
-              </a:r>
-              <a:endParaRPr lang="en-US" sz="1200" dirty="0">
-                <a:effectLst/>
-                <a:latin typeface="Times New Roman" panose="02020603050405020304" pitchFamily="18" charset="0"/>
-                <a:ea typeface="Times New Roman" panose="02020603050405020304" pitchFamily="18" charset="0"/>
-              </a:endParaRPr>
-            </a:p>
-          </p:txBody>
-        </p:sp>
-        <p:sp>
-          <p:nvSpPr>
-            <p:cNvPr id="195" name="TextBox 145"/>
-            <p:cNvSpPr txBox="1"/>
-            <p:nvPr/>
-          </p:nvSpPr>
-          <p:spPr>
-            <a:xfrm>
-              <a:off x="4616946" y="4734837"/>
-              <a:ext cx="868627" cy="246341"/>
-            </a:xfrm>
-            <a:prstGeom prst="rect">
-              <a:avLst/>
-            </a:prstGeom>
-            <a:noFill/>
-          </p:spPr>
-          <p:txBody>
-            <a:bodyPr wrap="none" rtlCol="0">
-              <a:spAutoFit/>
-            </a:bodyPr>
-            <a:lstStyle/>
-            <a:p>
-              <a:pPr>
-                <a:spcAft>
-                  <a:spcPts val="0"/>
-                </a:spcAft>
-              </a:pPr>
-              <a:r>
-                <a:rPr lang="id-ID" sz="1000" kern="1200" dirty="0">
-                  <a:solidFill>
-                    <a:srgbClr val="5B9BD5"/>
-                  </a:solidFill>
-                  <a:effectLst/>
-                  <a:latin typeface="Calibri" panose="020F0502020204030204" pitchFamily="34" charset="0"/>
-                  <a:ea typeface="Times New Roman" panose="02020603050405020304" pitchFamily="18" charset="0"/>
-                  <a:cs typeface="Times New Roman" panose="02020603050405020304" pitchFamily="18" charset="0"/>
-                </a:rPr>
-                <a:t>&lt;&lt; include &gt;&gt;</a:t>
-              </a:r>
-              <a:endParaRPr lang="en-US" sz="1200" dirty="0">
-                <a:effectLst/>
-                <a:latin typeface="Times New Roman" panose="02020603050405020304" pitchFamily="18" charset="0"/>
-                <a:ea typeface="Times New Roman" panose="02020603050405020304" pitchFamily="18" charset="0"/>
-              </a:endParaRPr>
-            </a:p>
-          </p:txBody>
-        </p:sp>
-        <p:sp>
-          <p:nvSpPr>
-            <p:cNvPr id="197" name="TextBox 145"/>
-            <p:cNvSpPr txBox="1"/>
-            <p:nvPr/>
-          </p:nvSpPr>
-          <p:spPr>
-            <a:xfrm>
-              <a:off x="4616946" y="1750847"/>
-              <a:ext cx="868627" cy="246341"/>
-            </a:xfrm>
-            <a:prstGeom prst="rect">
-              <a:avLst/>
-            </a:prstGeom>
-            <a:noFill/>
-          </p:spPr>
-          <p:txBody>
-            <a:bodyPr wrap="none" rtlCol="0">
-              <a:spAutoFit/>
-            </a:bodyPr>
-            <a:lstStyle/>
-            <a:p>
-              <a:pPr>
-                <a:spcAft>
-                  <a:spcPts val="0"/>
-                </a:spcAft>
-              </a:pPr>
-              <a:r>
-                <a:rPr lang="id-ID" sz="1000" kern="1200" dirty="0">
-                  <a:solidFill>
-                    <a:srgbClr val="5B9BD5"/>
-                  </a:solidFill>
-                  <a:effectLst/>
-                  <a:latin typeface="Calibri" panose="020F0502020204030204" pitchFamily="34" charset="0"/>
-                  <a:ea typeface="Times New Roman" panose="02020603050405020304" pitchFamily="18" charset="0"/>
-                  <a:cs typeface="Times New Roman" panose="02020603050405020304" pitchFamily="18" charset="0"/>
-                </a:rPr>
-                <a:t>&lt;&lt; include &gt;&gt;</a:t>
-              </a:r>
-              <a:endParaRPr lang="en-US" sz="1200" dirty="0">
-                <a:effectLst/>
-                <a:latin typeface="Times New Roman" panose="02020603050405020304" pitchFamily="18" charset="0"/>
-                <a:ea typeface="Times New Roman" panose="02020603050405020304" pitchFamily="18" charset="0"/>
-              </a:endParaRPr>
-            </a:p>
-          </p:txBody>
-        </p:sp>
-        <p:sp>
-          <p:nvSpPr>
-            <p:cNvPr id="198" name="TextBox 145"/>
-            <p:cNvSpPr txBox="1"/>
-            <p:nvPr/>
-          </p:nvSpPr>
-          <p:spPr>
-            <a:xfrm>
-              <a:off x="4616946" y="2411694"/>
-              <a:ext cx="868627" cy="246341"/>
-            </a:xfrm>
-            <a:prstGeom prst="rect">
-              <a:avLst/>
-            </a:prstGeom>
-            <a:noFill/>
-          </p:spPr>
-          <p:txBody>
-            <a:bodyPr wrap="none" rtlCol="0">
-              <a:spAutoFit/>
-            </a:bodyPr>
-            <a:lstStyle/>
-            <a:p>
-              <a:pPr>
-                <a:spcAft>
-                  <a:spcPts val="0"/>
-                </a:spcAft>
-              </a:pPr>
-              <a:r>
-                <a:rPr lang="id-ID" sz="1000" kern="1200" dirty="0">
-                  <a:solidFill>
-                    <a:srgbClr val="5B9BD5"/>
-                  </a:solidFill>
-                  <a:effectLst/>
-                  <a:latin typeface="Calibri" panose="020F0502020204030204" pitchFamily="34" charset="0"/>
-                  <a:ea typeface="Times New Roman" panose="02020603050405020304" pitchFamily="18" charset="0"/>
-                  <a:cs typeface="Times New Roman" panose="02020603050405020304" pitchFamily="18" charset="0"/>
-                </a:rPr>
-                <a:t>&lt;&lt; include &gt;&gt;</a:t>
-              </a:r>
-              <a:endParaRPr lang="en-US" sz="1200" dirty="0">
-                <a:effectLst/>
-                <a:latin typeface="Times New Roman" panose="02020603050405020304" pitchFamily="18" charset="0"/>
-                <a:ea typeface="Times New Roman" panose="02020603050405020304" pitchFamily="18" charset="0"/>
-              </a:endParaRPr>
-            </a:p>
-          </p:txBody>
-        </p:sp>
-        <p:sp>
-          <p:nvSpPr>
-            <p:cNvPr id="199" name="TextBox 145"/>
-            <p:cNvSpPr txBox="1"/>
-            <p:nvPr/>
-          </p:nvSpPr>
-          <p:spPr>
-            <a:xfrm>
-              <a:off x="4616946" y="431442"/>
-              <a:ext cx="868627" cy="246341"/>
-            </a:xfrm>
-            <a:prstGeom prst="rect">
-              <a:avLst/>
-            </a:prstGeom>
-            <a:noFill/>
-          </p:spPr>
-          <p:txBody>
-            <a:bodyPr wrap="none" rtlCol="0">
-              <a:spAutoFit/>
-            </a:bodyPr>
-            <a:lstStyle/>
-            <a:p>
-              <a:pPr>
-                <a:spcAft>
-                  <a:spcPts val="0"/>
-                </a:spcAft>
-              </a:pPr>
-              <a:r>
-                <a:rPr lang="id-ID" sz="1000" kern="1200" dirty="0">
-                  <a:solidFill>
-                    <a:srgbClr val="5B9BD5"/>
-                  </a:solidFill>
-                  <a:effectLst/>
-                  <a:latin typeface="Calibri" panose="020F0502020204030204" pitchFamily="34" charset="0"/>
-                  <a:ea typeface="Times New Roman" panose="02020603050405020304" pitchFamily="18" charset="0"/>
-                  <a:cs typeface="Times New Roman" panose="02020603050405020304" pitchFamily="18" charset="0"/>
-                </a:rPr>
-                <a:t>&lt;&lt; include &gt;&gt;</a:t>
-              </a:r>
-              <a:endParaRPr lang="en-US" sz="1200" dirty="0">
-                <a:effectLst/>
-                <a:latin typeface="Times New Roman" panose="02020603050405020304" pitchFamily="18" charset="0"/>
-                <a:ea typeface="Times New Roman" panose="02020603050405020304" pitchFamily="18" charset="0"/>
-              </a:endParaRPr>
-            </a:p>
-          </p:txBody>
-        </p:sp>
-        <p:sp>
-          <p:nvSpPr>
-            <p:cNvPr id="200" name="TextBox 152"/>
-            <p:cNvSpPr txBox="1"/>
-            <p:nvPr/>
-          </p:nvSpPr>
-          <p:spPr>
-            <a:xfrm>
-              <a:off x="3699969" y="1007883"/>
-              <a:ext cx="850848" cy="246341"/>
-            </a:xfrm>
-            <a:prstGeom prst="rect">
-              <a:avLst/>
-            </a:prstGeom>
-            <a:noFill/>
-          </p:spPr>
-          <p:txBody>
-            <a:bodyPr wrap="none" rtlCol="0">
-              <a:spAutoFit/>
-            </a:bodyPr>
-            <a:lstStyle/>
-            <a:p>
-              <a:pPr>
-                <a:spcAft>
-                  <a:spcPts val="0"/>
-                </a:spcAft>
-              </a:pPr>
-              <a:r>
-                <a:rPr lang="id-ID" sz="1000" kern="1200" dirty="0">
-                  <a:solidFill>
-                    <a:srgbClr val="FF0000"/>
-                  </a:solidFill>
-                  <a:effectLst/>
-                  <a:latin typeface="Calibri" panose="020F0502020204030204" pitchFamily="34" charset="0"/>
-                  <a:ea typeface="Times New Roman" panose="02020603050405020304" pitchFamily="18" charset="0"/>
-                  <a:cs typeface="Times New Roman" panose="02020603050405020304" pitchFamily="18" charset="0"/>
-                </a:rPr>
-                <a:t>&lt;&lt; extend &gt;&gt;</a:t>
-              </a:r>
-              <a:endParaRPr lang="en-US" sz="1200" dirty="0">
-                <a:effectLst/>
-                <a:latin typeface="Times New Roman" panose="02020603050405020304" pitchFamily="18" charset="0"/>
-                <a:ea typeface="Times New Roman" panose="02020603050405020304" pitchFamily="18" charset="0"/>
-              </a:endParaRPr>
-            </a:p>
-          </p:txBody>
-        </p:sp>
-        <p:sp>
-          <p:nvSpPr>
-            <p:cNvPr id="201" name="TextBox 152"/>
-            <p:cNvSpPr txBox="1"/>
-            <p:nvPr/>
-          </p:nvSpPr>
-          <p:spPr>
-            <a:xfrm>
-              <a:off x="8210598" y="3053181"/>
-              <a:ext cx="850848" cy="246341"/>
-            </a:xfrm>
-            <a:prstGeom prst="rect">
-              <a:avLst/>
-            </a:prstGeom>
-            <a:noFill/>
-          </p:spPr>
-          <p:txBody>
-            <a:bodyPr wrap="none" rtlCol="0">
-              <a:spAutoFit/>
-            </a:bodyPr>
-            <a:lstStyle/>
-            <a:p>
-              <a:pPr>
-                <a:spcAft>
-                  <a:spcPts val="0"/>
-                </a:spcAft>
-              </a:pPr>
-              <a:r>
-                <a:rPr lang="id-ID" sz="1000" kern="1200" dirty="0">
-                  <a:solidFill>
-                    <a:srgbClr val="FF0000"/>
-                  </a:solidFill>
-                  <a:effectLst/>
-                  <a:latin typeface="Calibri" panose="020F0502020204030204" pitchFamily="34" charset="0"/>
-                  <a:ea typeface="Times New Roman" panose="02020603050405020304" pitchFamily="18" charset="0"/>
-                  <a:cs typeface="Times New Roman" panose="02020603050405020304" pitchFamily="18" charset="0"/>
-                </a:rPr>
-                <a:t>&lt;&lt; extend &gt;&gt;</a:t>
-              </a:r>
-              <a:endParaRPr lang="en-US" sz="1200" dirty="0">
-                <a:effectLst/>
-                <a:latin typeface="Times New Roman" panose="02020603050405020304" pitchFamily="18" charset="0"/>
-                <a:ea typeface="Times New Roman" panose="02020603050405020304" pitchFamily="18" charset="0"/>
-              </a:endParaRPr>
-            </a:p>
-          </p:txBody>
-        </p:sp>
-        <p:sp>
-          <p:nvSpPr>
-            <p:cNvPr id="202" name="TextBox 152"/>
-            <p:cNvSpPr txBox="1"/>
-            <p:nvPr/>
-          </p:nvSpPr>
-          <p:spPr>
-            <a:xfrm>
-              <a:off x="8629668" y="2687390"/>
-              <a:ext cx="850848" cy="246341"/>
-            </a:xfrm>
-            <a:prstGeom prst="rect">
-              <a:avLst/>
-            </a:prstGeom>
-            <a:noFill/>
-          </p:spPr>
-          <p:txBody>
-            <a:bodyPr wrap="none" rtlCol="0">
-              <a:spAutoFit/>
-            </a:bodyPr>
-            <a:lstStyle/>
-            <a:p>
-              <a:pPr>
-                <a:spcAft>
-                  <a:spcPts val="0"/>
-                </a:spcAft>
-              </a:pPr>
-              <a:r>
-                <a:rPr lang="id-ID" sz="1000" kern="1200" dirty="0">
-                  <a:solidFill>
-                    <a:srgbClr val="FF0000"/>
-                  </a:solidFill>
-                  <a:effectLst/>
-                  <a:latin typeface="Calibri" panose="020F0502020204030204" pitchFamily="34" charset="0"/>
-                  <a:ea typeface="Times New Roman" panose="02020603050405020304" pitchFamily="18" charset="0"/>
-                  <a:cs typeface="Times New Roman" panose="02020603050405020304" pitchFamily="18" charset="0"/>
-                </a:rPr>
-                <a:t>&lt;&lt; extend &gt;&gt;</a:t>
-              </a:r>
-              <a:endParaRPr lang="en-US" sz="1200" dirty="0">
-                <a:effectLst/>
-                <a:latin typeface="Times New Roman" panose="02020603050405020304" pitchFamily="18" charset="0"/>
-                <a:ea typeface="Times New Roman" panose="02020603050405020304" pitchFamily="18" charset="0"/>
-              </a:endParaRPr>
-            </a:p>
-          </p:txBody>
-        </p:sp>
-      </p:grpSp>
-    </p:spTree>
-    <p:extLst>
-      <p:ext uri="{BB962C8B-B14F-4D97-AF65-F5344CB8AC3E}">
-        <p14:creationId xmlns:p14="http://schemas.microsoft.com/office/powerpoint/2010/main" val="1557083118"/>
       </p:ext>
     </p:extLst>
   </p:cSld>
